--- a/Final Project Technology Selection.pptx
+++ b/Final Project Technology Selection.pptx
@@ -111,6 +111,11 @@
       </a:defRPr>
     </a:lvl9pPr>
   </p:defaultTextStyle>
+  <p:extLst>
+    <p:ext uri="{EFAFB233-063F-42B5-8137-9DF3F51BA10A}">
+      <p15:sldGuideLst xmlns:p15="http://schemas.microsoft.com/office/powerpoint/2012/main"/>
+    </p:ext>
+  </p:extLst>
 </p:presentation>
 </file>
 
@@ -261,7 +266,7 @@
           <a:p>
             <a:fld id="{57E8E291-3AAA-4457-B32F-5F1B95138091}" type="datetimeFigureOut">
               <a:rPr lang="en-US" smtClean="0"/>
-              <a:t>2/2/2022</a:t>
+              <a:t>2/3/2022</a:t>
             </a:fld>
             <a:endParaRPr lang="en-US"/>
           </a:p>
@@ -459,7 +464,7 @@
           <a:p>
             <a:fld id="{57E8E291-3AAA-4457-B32F-5F1B95138091}" type="datetimeFigureOut">
               <a:rPr lang="en-US" smtClean="0"/>
-              <a:t>2/2/2022</a:t>
+              <a:t>2/3/2022</a:t>
             </a:fld>
             <a:endParaRPr lang="en-US"/>
           </a:p>
@@ -667,7 +672,7 @@
           <a:p>
             <a:fld id="{57E8E291-3AAA-4457-B32F-5F1B95138091}" type="datetimeFigureOut">
               <a:rPr lang="en-US" smtClean="0"/>
-              <a:t>2/2/2022</a:t>
+              <a:t>2/3/2022</a:t>
             </a:fld>
             <a:endParaRPr lang="en-US"/>
           </a:p>
@@ -865,7 +870,7 @@
           <a:p>
             <a:fld id="{57E8E291-3AAA-4457-B32F-5F1B95138091}" type="datetimeFigureOut">
               <a:rPr lang="en-US" smtClean="0"/>
-              <a:t>2/2/2022</a:t>
+              <a:t>2/3/2022</a:t>
             </a:fld>
             <a:endParaRPr lang="en-US"/>
           </a:p>
@@ -1140,7 +1145,7 @@
           <a:p>
             <a:fld id="{57E8E291-3AAA-4457-B32F-5F1B95138091}" type="datetimeFigureOut">
               <a:rPr lang="en-US" smtClean="0"/>
-              <a:t>2/2/2022</a:t>
+              <a:t>2/3/2022</a:t>
             </a:fld>
             <a:endParaRPr lang="en-US"/>
           </a:p>
@@ -1405,7 +1410,7 @@
           <a:p>
             <a:fld id="{57E8E291-3AAA-4457-B32F-5F1B95138091}" type="datetimeFigureOut">
               <a:rPr lang="en-US" smtClean="0"/>
-              <a:t>2/2/2022</a:t>
+              <a:t>2/3/2022</a:t>
             </a:fld>
             <a:endParaRPr lang="en-US"/>
           </a:p>
@@ -1817,7 +1822,7 @@
           <a:p>
             <a:fld id="{57E8E291-3AAA-4457-B32F-5F1B95138091}" type="datetimeFigureOut">
               <a:rPr lang="en-US" smtClean="0"/>
-              <a:t>2/2/2022</a:t>
+              <a:t>2/3/2022</a:t>
             </a:fld>
             <a:endParaRPr lang="en-US"/>
           </a:p>
@@ -1958,7 +1963,7 @@
           <a:p>
             <a:fld id="{57E8E291-3AAA-4457-B32F-5F1B95138091}" type="datetimeFigureOut">
               <a:rPr lang="en-US" smtClean="0"/>
-              <a:t>2/2/2022</a:t>
+              <a:t>2/3/2022</a:t>
             </a:fld>
             <a:endParaRPr lang="en-US"/>
           </a:p>
@@ -2071,7 +2076,7 @@
           <a:p>
             <a:fld id="{57E8E291-3AAA-4457-B32F-5F1B95138091}" type="datetimeFigureOut">
               <a:rPr lang="en-US" smtClean="0"/>
-              <a:t>2/2/2022</a:t>
+              <a:t>2/3/2022</a:t>
             </a:fld>
             <a:endParaRPr lang="en-US"/>
           </a:p>
@@ -2382,7 +2387,7 @@
           <a:p>
             <a:fld id="{57E8E291-3AAA-4457-B32F-5F1B95138091}" type="datetimeFigureOut">
               <a:rPr lang="en-US" smtClean="0"/>
-              <a:t>2/2/2022</a:t>
+              <a:t>2/3/2022</a:t>
             </a:fld>
             <a:endParaRPr lang="en-US"/>
           </a:p>
@@ -2670,7 +2675,7 @@
           <a:p>
             <a:fld id="{57E8E291-3AAA-4457-B32F-5F1B95138091}" type="datetimeFigureOut">
               <a:rPr lang="en-US" smtClean="0"/>
-              <a:t>2/2/2022</a:t>
+              <a:t>2/3/2022</a:t>
             </a:fld>
             <a:endParaRPr lang="en-US"/>
           </a:p>
@@ -2911,7 +2916,7 @@
           <a:p>
             <a:fld id="{57E8E291-3AAA-4457-B32F-5F1B95138091}" type="datetimeFigureOut">
               <a:rPr lang="en-US" smtClean="0"/>
-              <a:t>2/2/2022</a:t>
+              <a:t>2/3/2022</a:t>
             </a:fld>
             <a:endParaRPr lang="en-US"/>
           </a:p>
@@ -4866,53 +4871,6 @@
           <a:chExt cx="0" cy="0"/>
         </a:xfrm>
       </p:grpSpPr>
-      <p:pic>
-        <p:nvPicPr>
-          <p:cNvPr id="21" name="Picture 10" descr="Cloud-Icon - Voonami, Inc.">
-            <a:extLst>
-              <a:ext uri="{FF2B5EF4-FFF2-40B4-BE49-F238E27FC236}">
-                <a16:creationId xmlns:a16="http://schemas.microsoft.com/office/drawing/2014/main" id="{0B1D02C1-B255-4E76-A815-3E8E1B74C216}"/>
-              </a:ext>
-            </a:extLst>
-          </p:cNvPr>
-          <p:cNvPicPr>
-            <a:picLocks noChangeAspect="1" noChangeArrowheads="1"/>
-          </p:cNvPicPr>
-          <p:nvPr/>
-        </p:nvPicPr>
-        <p:blipFill>
-          <a:blip r:embed="rId2">
-            <a:extLst>
-              <a:ext uri="{28A0092B-C50C-407E-A947-70E740481C1C}">
-                <a14:useLocalDpi xmlns:a14="http://schemas.microsoft.com/office/drawing/2010/main" val="0"/>
-              </a:ext>
-            </a:extLst>
-          </a:blip>
-          <a:srcRect/>
-          <a:stretch>
-            <a:fillRect/>
-          </a:stretch>
-        </p:blipFill>
-        <p:spPr bwMode="auto">
-          <a:xfrm>
-            <a:off x="7496568" y="1166891"/>
-            <a:ext cx="3857232" cy="3007066"/>
-          </a:xfrm>
-          <a:prstGeom prst="rect">
-            <a:avLst/>
-          </a:prstGeom>
-          <a:noFill/>
-          <a:extLst>
-            <a:ext uri="{909E8E84-426E-40DD-AFC4-6F175D3DCCD1}">
-              <a14:hiddenFill xmlns:a14="http://schemas.microsoft.com/office/drawing/2010/main">
-                <a:solidFill>
-                  <a:srgbClr val="FFFFFF"/>
-                </a:solidFill>
-              </a14:hiddenFill>
-            </a:ext>
-          </a:extLst>
-        </p:spPr>
-      </p:pic>
       <p:sp>
         <p:nvSpPr>
           <p:cNvPr id="19" name="Rectangle: Rounded Corners 18">
@@ -5384,7 +5342,7 @@
         </p:blipFill>
         <p:spPr bwMode="auto">
           <a:xfrm>
-            <a:off x="2166630" y="2462392"/>
+            <a:off x="12369968" y="1505118"/>
             <a:ext cx="1132665" cy="707915"/>
           </a:xfrm>
           <a:prstGeom prst="rect">
@@ -5431,7 +5389,7 @@
         </p:blipFill>
         <p:spPr bwMode="auto">
           <a:xfrm>
-            <a:off x="9170725" y="2025616"/>
+            <a:off x="5458580" y="2396913"/>
             <a:ext cx="854645" cy="854645"/>
           </a:xfrm>
           <a:prstGeom prst="rect">
@@ -5460,19 +5418,20 @@
           </p:cNvPr>
           <p:cNvCxnSpPr>
             <a:cxnSpLocks/>
+            <a:stCxn id="52" idx="1"/>
             <a:endCxn id="2054" idx="0"/>
           </p:cNvCxnSpPr>
           <p:nvPr/>
         </p:nvCxnSpPr>
         <p:spPr>
           <a:xfrm rot="10800000">
-            <a:off x="1571073" y="1859077"/>
-            <a:ext cx="3136012" cy="653504"/>
+            <a:off x="1571074" y="1859077"/>
+            <a:ext cx="3239415" cy="349548"/>
           </a:xfrm>
           <a:prstGeom prst="bentConnector4">
             <a:avLst>
-              <a:gd name="adj1" fmla="val 24160"/>
-              <a:gd name="adj2" fmla="val 210208"/>
+              <a:gd name="adj1" fmla="val 40464"/>
+              <a:gd name="adj2" fmla="val 165399"/>
             </a:avLst>
           </a:prstGeom>
           <a:ln>
@@ -5605,14 +5564,12 @@
           <p:nvPr/>
         </p:nvCxnSpPr>
         <p:spPr>
-          <a:xfrm rot="16200000" flipH="1">
-            <a:off x="9093087" y="3642273"/>
-            <a:ext cx="1321980" cy="389078"/>
-          </a:xfrm>
-          <a:prstGeom prst="bentConnector3">
-            <a:avLst>
-              <a:gd name="adj1" fmla="val 50000"/>
-            </a:avLst>
+          <a:xfrm>
+            <a:off x="7244942" y="2785802"/>
+            <a:ext cx="2703674" cy="1712000"/>
+          </a:xfrm>
+          <a:prstGeom prst="bentConnector2">
+            <a:avLst/>
           </a:prstGeom>
           <a:ln>
             <a:headEnd type="triangle"/>
@@ -5897,18 +5854,21 @@
           </p:cNvPr>
           <p:cNvCxnSpPr>
             <a:cxnSpLocks/>
+            <a:stCxn id="52" idx="3"/>
             <a:endCxn id="2060" idx="1"/>
           </p:cNvCxnSpPr>
           <p:nvPr/>
         </p:nvCxnSpPr>
         <p:spPr>
-          <a:xfrm flipV="1">
-            <a:off x="7021365" y="2452939"/>
-            <a:ext cx="2149360" cy="287739"/>
-          </a:xfrm>
-          <a:prstGeom prst="bentConnector3">
+          <a:xfrm flipH="1">
+            <a:off x="5458580" y="2208625"/>
+            <a:ext cx="1215373" cy="615611"/>
+          </a:xfrm>
+          <a:prstGeom prst="bentConnector5">
             <a:avLst>
-              <a:gd name="adj1" fmla="val 67841"/>
+              <a:gd name="adj1" fmla="val -18809"/>
+              <a:gd name="adj2" fmla="val 251559"/>
+              <a:gd name="adj3" fmla="val 118809"/>
             </a:avLst>
           </a:prstGeom>
           <a:ln>
@@ -6043,7 +6003,7 @@
         </p:blipFill>
         <p:spPr bwMode="auto">
           <a:xfrm>
-            <a:off x="5151578" y="2596808"/>
+            <a:off x="12369968" y="176946"/>
             <a:ext cx="1198190" cy="799185"/>
           </a:xfrm>
           <a:prstGeom prst="rect">
@@ -6063,10 +6023,10 @@
       </p:pic>
       <p:sp>
         <p:nvSpPr>
-          <p:cNvPr id="1027" name="TextBox 1026">
-            <a:extLst>
-              <a:ext uri="{FF2B5EF4-FFF2-40B4-BE49-F238E27FC236}">
-                <a16:creationId xmlns:a16="http://schemas.microsoft.com/office/drawing/2014/main" id="{2A75A85B-D34F-4EA2-8657-F9517BCB33C1}"/>
+          <p:cNvPr id="3" name="TextBox 2">
+            <a:extLst>
+              <a:ext uri="{FF2B5EF4-FFF2-40B4-BE49-F238E27FC236}">
+                <a16:creationId xmlns:a16="http://schemas.microsoft.com/office/drawing/2014/main" id="{9B1F8678-AAB2-4716-8200-2870857546B2}"/>
               </a:ext>
             </a:extLst>
           </p:cNvPr>
@@ -6075,13 +6035,15 @@
         </p:nvSpPr>
         <p:spPr>
           <a:xfrm>
-            <a:off x="9754077" y="949922"/>
-            <a:ext cx="1550454" cy="646331"/>
+            <a:off x="838200" y="2960132"/>
+            <a:ext cx="4326505" cy="369332"/>
           </a:xfrm>
           <a:prstGeom prst="rect">
             <a:avLst/>
           </a:prstGeom>
-          <a:noFill/>
+          <a:solidFill>
+            <a:srgbClr val="FFC000"/>
+          </a:solidFill>
         </p:spPr>
         <p:txBody>
           <a:bodyPr wrap="square" rtlCol="0">
@@ -6092,7 +6054,128 @@
             <a:pPr algn="ctr"/>
             <a:r>
               <a:rPr lang="en-US" dirty="0"/>
-              <a:t>Where is it hosted?</a:t>
+              <a:t>Heroku</a:t>
+            </a:r>
+          </a:p>
+        </p:txBody>
+      </p:sp>
+      <p:sp>
+        <p:nvSpPr>
+          <p:cNvPr id="6" name="Rectangle 5">
+            <a:extLst>
+              <a:ext uri="{FF2B5EF4-FFF2-40B4-BE49-F238E27FC236}">
+                <a16:creationId xmlns:a16="http://schemas.microsoft.com/office/drawing/2014/main" id="{47C157FB-18F0-4AEF-B536-724F9D199886}"/>
+              </a:ext>
+            </a:extLst>
+          </p:cNvPr>
+          <p:cNvSpPr/>
+          <p:nvPr/>
+        </p:nvSpPr>
+        <p:spPr>
+          <a:xfrm>
+            <a:off x="110836" y="786233"/>
+            <a:ext cx="7516728" cy="5922842"/>
+          </a:xfrm>
+          <a:prstGeom prst="rect">
+            <a:avLst/>
+          </a:prstGeom>
+          <a:noFill/>
+        </p:spPr>
+        <p:style>
+          <a:lnRef idx="2">
+            <a:schemeClr val="accent1">
+              <a:shade val="50000"/>
+            </a:schemeClr>
+          </a:lnRef>
+          <a:fillRef idx="1">
+            <a:schemeClr val="accent1"/>
+          </a:fillRef>
+          <a:effectRef idx="0">
+            <a:schemeClr val="accent1"/>
+          </a:effectRef>
+          <a:fontRef idx="minor">
+            <a:schemeClr val="lt1"/>
+          </a:fontRef>
+        </p:style>
+        <p:txBody>
+          <a:bodyPr rtlCol="0" anchor="ctr"/>
+          <a:lstStyle/>
+          <a:p>
+            <a:pPr algn="ctr"/>
+            <a:endParaRPr lang="en-US"/>
+          </a:p>
+        </p:txBody>
+      </p:sp>
+      <p:sp>
+        <p:nvSpPr>
+          <p:cNvPr id="12" name="TextBox 11">
+            <a:extLst>
+              <a:ext uri="{FF2B5EF4-FFF2-40B4-BE49-F238E27FC236}">
+                <a16:creationId xmlns:a16="http://schemas.microsoft.com/office/drawing/2014/main" id="{5FAB75A9-83F1-4F90-BFC4-F4EB1992FF60}"/>
+              </a:ext>
+            </a:extLst>
+          </p:cNvPr>
+          <p:cNvSpPr txBox="1"/>
+          <p:nvPr/>
+        </p:nvSpPr>
+        <p:spPr>
+          <a:xfrm>
+            <a:off x="12369968" y="2724937"/>
+            <a:ext cx="1132665" cy="369332"/>
+          </a:xfrm>
+          <a:prstGeom prst="rect">
+            <a:avLst/>
+          </a:prstGeom>
+          <a:solidFill>
+            <a:srgbClr val="FFC000"/>
+          </a:solidFill>
+        </p:spPr>
+        <p:txBody>
+          <a:bodyPr wrap="square" rtlCol="0">
+            <a:spAutoFit/>
+          </a:bodyPr>
+          <a:lstStyle/>
+          <a:p>
+            <a:pPr algn="ctr"/>
+            <a:r>
+              <a:rPr lang="en-US" dirty="0"/>
+              <a:t>Atlas Free</a:t>
+            </a:r>
+          </a:p>
+        </p:txBody>
+      </p:sp>
+      <p:sp>
+        <p:nvSpPr>
+          <p:cNvPr id="39" name="TextBox 38">
+            <a:extLst>
+              <a:ext uri="{FF2B5EF4-FFF2-40B4-BE49-F238E27FC236}">
+                <a16:creationId xmlns:a16="http://schemas.microsoft.com/office/drawing/2014/main" id="{D9783ECA-EFCB-4C39-BEE9-3761C1F79287}"/>
+              </a:ext>
+            </a:extLst>
+          </p:cNvPr>
+          <p:cNvSpPr txBox="1"/>
+          <p:nvPr/>
+        </p:nvSpPr>
+        <p:spPr>
+          <a:xfrm>
+            <a:off x="3586841" y="1765544"/>
+            <a:ext cx="668593" cy="369332"/>
+          </a:xfrm>
+          <a:prstGeom prst="rect">
+            <a:avLst/>
+          </a:prstGeom>
+          <a:noFill/>
+        </p:spPr>
+        <p:txBody>
+          <a:bodyPr wrap="square" rtlCol="0">
+            <a:spAutoFit/>
+          </a:bodyPr>
+          <a:lstStyle/>
+          <a:p>
+            <a:pPr algn="ctr"/>
+            <a:r>
+              <a:rPr lang="en-US" dirty="0"/>
+              <a:t>API</a:t>
             </a:r>
           </a:p>
         </p:txBody>
@@ -6191,7 +6274,11 @@
           <a:lstStyle/>
           <a:p>
             <a:r>
-              <a:rPr lang="en-US" dirty="0"/>
+              <a:rPr lang="en-US" dirty="0">
+                <a:solidFill>
+                  <a:schemeClr val="accent1"/>
+                </a:solidFill>
+              </a:rPr>
               <a:t>https://www.kaggle.com/borismarjanovic/price-volume-data-for-all-us-stocks-etfs</a:t>
             </a:r>
           </a:p>
@@ -6226,7 +6313,11 @@
           <a:lstStyle/>
           <a:p>
             <a:r>
-              <a:rPr lang="en-US" dirty="0"/>
+              <a:rPr lang="en-US" dirty="0">
+                <a:solidFill>
+                  <a:schemeClr val="accent1"/>
+                </a:solidFill>
+              </a:rPr>
               <a:t>https://www.kaggle.com/dgawlik/nyse</a:t>
             </a:r>
           </a:p>
@@ -6261,7 +6352,11 @@
           <a:lstStyle/>
           <a:p>
             <a:r>
-              <a:rPr lang="en-US" dirty="0"/>
+              <a:rPr lang="en-US" dirty="0">
+                <a:solidFill>
+                  <a:srgbClr val="00B050"/>
+                </a:solidFill>
+              </a:rPr>
               <a:t>https://www.kaggle.com/zillow/zecon</a:t>
             </a:r>
           </a:p>
@@ -6296,7 +6391,11 @@
           <a:lstStyle/>
           <a:p>
             <a:r>
-              <a:rPr lang="en-US" dirty="0"/>
+              <a:rPr lang="en-US" dirty="0">
+                <a:solidFill>
+                  <a:srgbClr val="7030A0"/>
+                </a:solidFill>
+              </a:rPr>
               <a:t>https://www.kaggle.com/alexgude/california-traffic-collision-data-from-switrs</a:t>
             </a:r>
           </a:p>
@@ -6331,7 +6430,11 @@
           <a:lstStyle/>
           <a:p>
             <a:r>
-              <a:rPr lang="en-US" dirty="0"/>
+              <a:rPr lang="en-US" dirty="0">
+                <a:solidFill>
+                  <a:schemeClr val="accent4"/>
+                </a:solidFill>
+              </a:rPr>
               <a:t>https://www.kaggle.com/mkechinov/ecommerce-behavior-data-from-multi-category-store</a:t>
             </a:r>
           </a:p>
@@ -6366,7 +6469,11 @@
           <a:lstStyle/>
           <a:p>
             <a:r>
-              <a:rPr lang="en-US" dirty="0"/>
+              <a:rPr lang="en-US" dirty="0">
+                <a:solidFill>
+                  <a:schemeClr val="accent1"/>
+                </a:solidFill>
+              </a:rPr>
               <a:t>https://www.kaggle.com/qks1lver/amex-nyse-nasdaq-stock-histories</a:t>
             </a:r>
           </a:p>
@@ -6436,7 +6543,11 @@
           <a:lstStyle/>
           <a:p>
             <a:r>
-              <a:rPr lang="en-US" dirty="0"/>
+              <a:rPr lang="en-US" dirty="0">
+                <a:solidFill>
+                  <a:schemeClr val="accent1"/>
+                </a:solidFill>
+              </a:rPr>
               <a:t>https://www.kaggle.com/jacksoncrow/stock-market-dataset</a:t>
             </a:r>
           </a:p>
@@ -6471,7 +6582,11 @@
           <a:lstStyle/>
           <a:p>
             <a:r>
-              <a:rPr lang="en-US" dirty="0"/>
+              <a:rPr lang="en-US" dirty="0">
+                <a:solidFill>
+                  <a:schemeClr val="accent1"/>
+                </a:solidFill>
+              </a:rPr>
               <a:t>https://www.kaggle.com/omermetinn/tweets-about-the-top-companies-from-2015-to-2020</a:t>
             </a:r>
           </a:p>
@@ -6506,7 +6621,11 @@
           <a:lstStyle/>
           <a:p>
             <a:r>
-              <a:rPr lang="en-US" dirty="0"/>
+              <a:rPr lang="en-US" dirty="0">
+                <a:solidFill>
+                  <a:schemeClr val="accent1"/>
+                </a:solidFill>
+              </a:rPr>
               <a:t>https://www.kaggle.com/tsaustin/us-historical-stock-prices-with-earnings-data</a:t>
             </a:r>
           </a:p>

--- a/Final Project Technology Selection.pptx
+++ b/Final Project Technology Selection.pptx
@@ -5565,8 +5565,8 @@
         </p:nvCxnSpPr>
         <p:spPr>
           <a:xfrm>
-            <a:off x="7244942" y="2785802"/>
-            <a:ext cx="2703674" cy="1712000"/>
+            <a:off x="7398327" y="2785802"/>
+            <a:ext cx="2550289" cy="1712000"/>
           </a:xfrm>
           <a:prstGeom prst="bentConnector2">
             <a:avLst/>
@@ -5766,14 +5766,13 @@
           <p:nvPr/>
         </p:nvCxnSpPr>
         <p:spPr>
-          <a:xfrm flipH="1">
-            <a:off x="5411901" y="2933352"/>
-            <a:ext cx="1184949" cy="1564450"/>
-          </a:xfrm>
-          <a:prstGeom prst="bentConnector4">
+          <a:xfrm rot="16200000" flipH="1">
+            <a:off x="4681751" y="3767651"/>
+            <a:ext cx="995459" cy="464842"/>
+          </a:xfrm>
+          <a:prstGeom prst="bentConnector3">
             <a:avLst>
-              <a:gd name="adj1" fmla="val -19292"/>
-              <a:gd name="adj2" fmla="val 61991"/>
+              <a:gd name="adj1" fmla="val 50000"/>
             </a:avLst>
           </a:prstGeom>
           <a:ln>
@@ -5855,20 +5854,17 @@
           <p:cNvCxnSpPr>
             <a:cxnSpLocks/>
             <a:stCxn id="52" idx="3"/>
-            <a:endCxn id="2060" idx="1"/>
           </p:cNvCxnSpPr>
           <p:nvPr/>
         </p:nvCxnSpPr>
         <p:spPr>
           <a:xfrm flipH="1">
-            <a:off x="5458580" y="2208625"/>
-            <a:ext cx="1215373" cy="615611"/>
-          </a:xfrm>
-          <a:prstGeom prst="bentConnector5">
+            <a:off x="6096000" y="2208625"/>
+            <a:ext cx="577953" cy="516312"/>
+          </a:xfrm>
+          <a:prstGeom prst="bentConnector3">
             <a:avLst>
-              <a:gd name="adj1" fmla="val -18809"/>
-              <a:gd name="adj2" fmla="val 251559"/>
-              <a:gd name="adj3" fmla="val 118809"/>
+              <a:gd name="adj1" fmla="val -39553"/>
             </a:avLst>
           </a:prstGeom>
           <a:ln>

--- a/Final Project Technology Selection.pptx
+++ b/Final Project Technology Selection.pptx
@@ -266,7 +266,7 @@
           <a:p>
             <a:fld id="{57E8E291-3AAA-4457-B32F-5F1B95138091}" type="datetimeFigureOut">
               <a:rPr lang="en-US" smtClean="0"/>
-              <a:t>2/3/2022</a:t>
+              <a:t>2/5/2022</a:t>
             </a:fld>
             <a:endParaRPr lang="en-US"/>
           </a:p>
@@ -464,7 +464,7 @@
           <a:p>
             <a:fld id="{57E8E291-3AAA-4457-B32F-5F1B95138091}" type="datetimeFigureOut">
               <a:rPr lang="en-US" smtClean="0"/>
-              <a:t>2/3/2022</a:t>
+              <a:t>2/5/2022</a:t>
             </a:fld>
             <a:endParaRPr lang="en-US"/>
           </a:p>
@@ -672,7 +672,7 @@
           <a:p>
             <a:fld id="{57E8E291-3AAA-4457-B32F-5F1B95138091}" type="datetimeFigureOut">
               <a:rPr lang="en-US" smtClean="0"/>
-              <a:t>2/3/2022</a:t>
+              <a:t>2/5/2022</a:t>
             </a:fld>
             <a:endParaRPr lang="en-US"/>
           </a:p>
@@ -870,7 +870,7 @@
           <a:p>
             <a:fld id="{57E8E291-3AAA-4457-B32F-5F1B95138091}" type="datetimeFigureOut">
               <a:rPr lang="en-US" smtClean="0"/>
-              <a:t>2/3/2022</a:t>
+              <a:t>2/5/2022</a:t>
             </a:fld>
             <a:endParaRPr lang="en-US"/>
           </a:p>
@@ -1145,7 +1145,7 @@
           <a:p>
             <a:fld id="{57E8E291-3AAA-4457-B32F-5F1B95138091}" type="datetimeFigureOut">
               <a:rPr lang="en-US" smtClean="0"/>
-              <a:t>2/3/2022</a:t>
+              <a:t>2/5/2022</a:t>
             </a:fld>
             <a:endParaRPr lang="en-US"/>
           </a:p>
@@ -1410,7 +1410,7 @@
           <a:p>
             <a:fld id="{57E8E291-3AAA-4457-B32F-5F1B95138091}" type="datetimeFigureOut">
               <a:rPr lang="en-US" smtClean="0"/>
-              <a:t>2/3/2022</a:t>
+              <a:t>2/5/2022</a:t>
             </a:fld>
             <a:endParaRPr lang="en-US"/>
           </a:p>
@@ -1822,7 +1822,7 @@
           <a:p>
             <a:fld id="{57E8E291-3AAA-4457-B32F-5F1B95138091}" type="datetimeFigureOut">
               <a:rPr lang="en-US" smtClean="0"/>
-              <a:t>2/3/2022</a:t>
+              <a:t>2/5/2022</a:t>
             </a:fld>
             <a:endParaRPr lang="en-US"/>
           </a:p>
@@ -1963,7 +1963,7 @@
           <a:p>
             <a:fld id="{57E8E291-3AAA-4457-B32F-5F1B95138091}" type="datetimeFigureOut">
               <a:rPr lang="en-US" smtClean="0"/>
-              <a:t>2/3/2022</a:t>
+              <a:t>2/5/2022</a:t>
             </a:fld>
             <a:endParaRPr lang="en-US"/>
           </a:p>
@@ -2076,7 +2076,7 @@
           <a:p>
             <a:fld id="{57E8E291-3AAA-4457-B32F-5F1B95138091}" type="datetimeFigureOut">
               <a:rPr lang="en-US" smtClean="0"/>
-              <a:t>2/3/2022</a:t>
+              <a:t>2/5/2022</a:t>
             </a:fld>
             <a:endParaRPr lang="en-US"/>
           </a:p>
@@ -2387,7 +2387,7 @@
           <a:p>
             <a:fld id="{57E8E291-3AAA-4457-B32F-5F1B95138091}" type="datetimeFigureOut">
               <a:rPr lang="en-US" smtClean="0"/>
-              <a:t>2/3/2022</a:t>
+              <a:t>2/5/2022</a:t>
             </a:fld>
             <a:endParaRPr lang="en-US"/>
           </a:p>
@@ -2675,7 +2675,7 @@
           <a:p>
             <a:fld id="{57E8E291-3AAA-4457-B32F-5F1B95138091}" type="datetimeFigureOut">
               <a:rPr lang="en-US" smtClean="0"/>
-              <a:t>2/3/2022</a:t>
+              <a:t>2/5/2022</a:t>
             </a:fld>
             <a:endParaRPr lang="en-US"/>
           </a:p>
@@ -2916,7 +2916,7 @@
           <a:p>
             <a:fld id="{57E8E291-3AAA-4457-B32F-5F1B95138091}" type="datetimeFigureOut">
               <a:rPr lang="en-US" smtClean="0"/>
-              <a:t>2/3/2022</a:t>
+              <a:t>2/5/2022</a:t>
             </a:fld>
             <a:endParaRPr lang="en-US"/>
           </a:p>
@@ -4873,6 +4873,202 @@
       </p:grpSpPr>
       <p:sp>
         <p:nvSpPr>
+          <p:cNvPr id="37" name="Rectangle 36">
+            <a:extLst>
+              <a:ext uri="{FF2B5EF4-FFF2-40B4-BE49-F238E27FC236}">
+                <a16:creationId xmlns:a16="http://schemas.microsoft.com/office/drawing/2014/main" id="{EB7EB47E-F685-4176-A5D9-8B60F3A59532}"/>
+              </a:ext>
+            </a:extLst>
+          </p:cNvPr>
+          <p:cNvSpPr/>
+          <p:nvPr/>
+        </p:nvSpPr>
+        <p:spPr>
+          <a:xfrm>
+            <a:off x="3655719" y="1175814"/>
+            <a:ext cx="4809875" cy="2952656"/>
+          </a:xfrm>
+          <a:prstGeom prst="rect">
+            <a:avLst/>
+          </a:prstGeom>
+          <a:solidFill>
+            <a:srgbClr val="FFFF00"/>
+          </a:solidFill>
+        </p:spPr>
+        <p:style>
+          <a:lnRef idx="2">
+            <a:schemeClr val="accent1">
+              <a:shade val="50000"/>
+            </a:schemeClr>
+          </a:lnRef>
+          <a:fillRef idx="1">
+            <a:schemeClr val="accent1"/>
+          </a:fillRef>
+          <a:effectRef idx="0">
+            <a:schemeClr val="accent1"/>
+          </a:effectRef>
+          <a:fontRef idx="minor">
+            <a:schemeClr val="lt1"/>
+          </a:fontRef>
+        </p:style>
+        <p:txBody>
+          <a:bodyPr rtlCol="0" anchor="ctr"/>
+          <a:lstStyle/>
+          <a:p>
+            <a:pPr algn="ctr"/>
+            <a:endParaRPr lang="en-US"/>
+          </a:p>
+        </p:txBody>
+      </p:sp>
+      <p:sp>
+        <p:nvSpPr>
+          <p:cNvPr id="35" name="Rectangle 34">
+            <a:extLst>
+              <a:ext uri="{FF2B5EF4-FFF2-40B4-BE49-F238E27FC236}">
+                <a16:creationId xmlns:a16="http://schemas.microsoft.com/office/drawing/2014/main" id="{BAA0E342-01E3-4DE5-8CE2-2E43544FD45A}"/>
+              </a:ext>
+            </a:extLst>
+          </p:cNvPr>
+          <p:cNvSpPr/>
+          <p:nvPr/>
+        </p:nvSpPr>
+        <p:spPr>
+          <a:xfrm>
+            <a:off x="7682533" y="4228470"/>
+            <a:ext cx="4460364" cy="2500881"/>
+          </a:xfrm>
+          <a:prstGeom prst="rect">
+            <a:avLst/>
+          </a:prstGeom>
+          <a:solidFill>
+            <a:schemeClr val="accent2"/>
+          </a:solidFill>
+        </p:spPr>
+        <p:style>
+          <a:lnRef idx="2">
+            <a:schemeClr val="accent1">
+              <a:shade val="50000"/>
+            </a:schemeClr>
+          </a:lnRef>
+          <a:fillRef idx="1">
+            <a:schemeClr val="accent1"/>
+          </a:fillRef>
+          <a:effectRef idx="0">
+            <a:schemeClr val="accent1"/>
+          </a:effectRef>
+          <a:fontRef idx="minor">
+            <a:schemeClr val="lt1"/>
+          </a:fontRef>
+        </p:style>
+        <p:txBody>
+          <a:bodyPr rtlCol="0" anchor="ctr"/>
+          <a:lstStyle/>
+          <a:p>
+            <a:pPr algn="ctr"/>
+            <a:endParaRPr lang="en-US"/>
+          </a:p>
+        </p:txBody>
+      </p:sp>
+      <p:sp>
+        <p:nvSpPr>
+          <p:cNvPr id="32" name="Rectangle 31">
+            <a:extLst>
+              <a:ext uri="{FF2B5EF4-FFF2-40B4-BE49-F238E27FC236}">
+                <a16:creationId xmlns:a16="http://schemas.microsoft.com/office/drawing/2014/main" id="{C0052F14-DEAC-4A94-B01C-6D88503C7E8D}"/>
+              </a:ext>
+            </a:extLst>
+          </p:cNvPr>
+          <p:cNvSpPr/>
+          <p:nvPr/>
+        </p:nvSpPr>
+        <p:spPr>
+          <a:xfrm>
+            <a:off x="78083" y="1164918"/>
+            <a:ext cx="3508757" cy="2945955"/>
+          </a:xfrm>
+          <a:prstGeom prst="rect">
+            <a:avLst/>
+          </a:prstGeom>
+          <a:solidFill>
+            <a:schemeClr val="accent2"/>
+          </a:solidFill>
+        </p:spPr>
+        <p:style>
+          <a:lnRef idx="2">
+            <a:schemeClr val="accent1">
+              <a:shade val="50000"/>
+            </a:schemeClr>
+          </a:lnRef>
+          <a:fillRef idx="1">
+            <a:schemeClr val="accent1"/>
+          </a:fillRef>
+          <a:effectRef idx="0">
+            <a:schemeClr val="accent1"/>
+          </a:effectRef>
+          <a:fontRef idx="minor">
+            <a:schemeClr val="lt1"/>
+          </a:fontRef>
+        </p:style>
+        <p:txBody>
+          <a:bodyPr rtlCol="0" anchor="ctr"/>
+          <a:lstStyle/>
+          <a:p>
+            <a:pPr algn="ctr"/>
+            <a:endParaRPr lang="en-US"/>
+          </a:p>
+        </p:txBody>
+      </p:sp>
+      <p:sp>
+        <p:nvSpPr>
+          <p:cNvPr id="6" name="Rectangle 5">
+            <a:extLst>
+              <a:ext uri="{FF2B5EF4-FFF2-40B4-BE49-F238E27FC236}">
+                <a16:creationId xmlns:a16="http://schemas.microsoft.com/office/drawing/2014/main" id="{47C157FB-18F0-4AEF-B536-724F9D199886}"/>
+              </a:ext>
+            </a:extLst>
+          </p:cNvPr>
+          <p:cNvSpPr/>
+          <p:nvPr/>
+        </p:nvSpPr>
+        <p:spPr>
+          <a:xfrm>
+            <a:off x="3167200" y="4208193"/>
+            <a:ext cx="4460364" cy="2500881"/>
+          </a:xfrm>
+          <a:prstGeom prst="rect">
+            <a:avLst/>
+          </a:prstGeom>
+          <a:solidFill>
+            <a:schemeClr val="accent2"/>
+          </a:solidFill>
+        </p:spPr>
+        <p:style>
+          <a:lnRef idx="2">
+            <a:schemeClr val="accent1">
+              <a:shade val="50000"/>
+            </a:schemeClr>
+          </a:lnRef>
+          <a:fillRef idx="1">
+            <a:schemeClr val="accent1"/>
+          </a:fillRef>
+          <a:effectRef idx="0">
+            <a:schemeClr val="accent1"/>
+          </a:effectRef>
+          <a:fontRef idx="minor">
+            <a:schemeClr val="lt1"/>
+          </a:fontRef>
+        </p:style>
+        <p:txBody>
+          <a:bodyPr rtlCol="0" anchor="ctr"/>
+          <a:lstStyle/>
+          <a:p>
+            <a:pPr algn="ctr"/>
+            <a:endParaRPr lang="en-US"/>
+          </a:p>
+        </p:txBody>
+      </p:sp>
+      <p:sp>
+        <p:nvSpPr>
           <p:cNvPr id="19" name="Rectangle: Rounded Corners 18">
             <a:extLst>
               <a:ext uri="{FF2B5EF4-FFF2-40B4-BE49-F238E27FC236}">
@@ -5425,13 +5621,13 @@
         </p:nvCxnSpPr>
         <p:spPr>
           <a:xfrm rot="10800000">
-            <a:off x="1571074" y="1859077"/>
-            <a:ext cx="3239415" cy="349548"/>
+            <a:off x="1571074" y="1859078"/>
+            <a:ext cx="3239415" cy="232389"/>
           </a:xfrm>
           <a:prstGeom prst="bentConnector4">
             <a:avLst>
               <a:gd name="adj1" fmla="val 40464"/>
-              <a:gd name="adj2" fmla="val 165399"/>
+              <a:gd name="adj2" fmla="val 198370"/>
             </a:avLst>
           </a:prstGeom>
           <a:ln>
@@ -5859,12 +6055,12 @@
         </p:nvCxnSpPr>
         <p:spPr>
           <a:xfrm flipH="1">
-            <a:off x="6096000" y="2208625"/>
+            <a:off x="6096000" y="2091466"/>
             <a:ext cx="577953" cy="516312"/>
           </a:xfrm>
           <a:prstGeom prst="bentConnector3">
             <a:avLst>
-              <a:gd name="adj1" fmla="val -39553"/>
+              <a:gd name="adj1" fmla="val -109870"/>
             </a:avLst>
           </a:prstGeom>
           <a:ln>
@@ -5952,7 +6148,7 @@
         </p:blipFill>
         <p:spPr bwMode="auto">
           <a:xfrm>
-            <a:off x="4810488" y="1964310"/>
+            <a:off x="4810488" y="1847151"/>
             <a:ext cx="1863465" cy="488629"/>
           </a:xfrm>
           <a:prstGeom prst="rect">
@@ -6057,53 +6253,6 @@
       </p:sp>
       <p:sp>
         <p:nvSpPr>
-          <p:cNvPr id="6" name="Rectangle 5">
-            <a:extLst>
-              <a:ext uri="{FF2B5EF4-FFF2-40B4-BE49-F238E27FC236}">
-                <a16:creationId xmlns:a16="http://schemas.microsoft.com/office/drawing/2014/main" id="{47C157FB-18F0-4AEF-B536-724F9D199886}"/>
-              </a:ext>
-            </a:extLst>
-          </p:cNvPr>
-          <p:cNvSpPr/>
-          <p:nvPr/>
-        </p:nvSpPr>
-        <p:spPr>
-          <a:xfrm>
-            <a:off x="110836" y="786233"/>
-            <a:ext cx="7516728" cy="5922842"/>
-          </a:xfrm>
-          <a:prstGeom prst="rect">
-            <a:avLst/>
-          </a:prstGeom>
-          <a:noFill/>
-        </p:spPr>
-        <p:style>
-          <a:lnRef idx="2">
-            <a:schemeClr val="accent1">
-              <a:shade val="50000"/>
-            </a:schemeClr>
-          </a:lnRef>
-          <a:fillRef idx="1">
-            <a:schemeClr val="accent1"/>
-          </a:fillRef>
-          <a:effectRef idx="0">
-            <a:schemeClr val="accent1"/>
-          </a:effectRef>
-          <a:fontRef idx="minor">
-            <a:schemeClr val="lt1"/>
-          </a:fontRef>
-        </p:style>
-        <p:txBody>
-          <a:bodyPr rtlCol="0" anchor="ctr"/>
-          <a:lstStyle/>
-          <a:p>
-            <a:pPr algn="ctr"/>
-            <a:endParaRPr lang="en-US"/>
-          </a:p>
-        </p:txBody>
-      </p:sp>
-      <p:sp>
-        <p:nvSpPr>
           <p:cNvPr id="12" name="TextBox 11">
             <a:extLst>
               <a:ext uri="{FF2B5EF4-FFF2-40B4-BE49-F238E27FC236}">
@@ -6172,6 +6321,111 @@
             <a:r>
               <a:rPr lang="en-US" dirty="0"/>
               <a:t>API</a:t>
+            </a:r>
+          </a:p>
+        </p:txBody>
+      </p:sp>
+      <p:sp>
+        <p:nvSpPr>
+          <p:cNvPr id="7" name="TextBox 6">
+            <a:extLst>
+              <a:ext uri="{FF2B5EF4-FFF2-40B4-BE49-F238E27FC236}">
+                <a16:creationId xmlns:a16="http://schemas.microsoft.com/office/drawing/2014/main" id="{36EB1028-2E4B-4F85-AC41-ED493FD0E59E}"/>
+              </a:ext>
+            </a:extLst>
+          </p:cNvPr>
+          <p:cNvSpPr txBox="1"/>
+          <p:nvPr/>
+        </p:nvSpPr>
+        <p:spPr>
+          <a:xfrm>
+            <a:off x="6608925" y="4157526"/>
+            <a:ext cx="885478" cy="369332"/>
+          </a:xfrm>
+          <a:prstGeom prst="rect">
+            <a:avLst/>
+          </a:prstGeom>
+          <a:noFill/>
+        </p:spPr>
+        <p:txBody>
+          <a:bodyPr wrap="square" rtlCol="0">
+            <a:spAutoFit/>
+          </a:bodyPr>
+          <a:lstStyle/>
+          <a:p>
+            <a:r>
+              <a:rPr lang="en-US" dirty="0"/>
+              <a:t>Lev</a:t>
+            </a:r>
+          </a:p>
+        </p:txBody>
+      </p:sp>
+      <p:sp>
+        <p:nvSpPr>
+          <p:cNvPr id="33" name="TextBox 32">
+            <a:extLst>
+              <a:ext uri="{FF2B5EF4-FFF2-40B4-BE49-F238E27FC236}">
+                <a16:creationId xmlns:a16="http://schemas.microsoft.com/office/drawing/2014/main" id="{F839323D-83B5-4FA3-9DB1-66555CAF8AAE}"/>
+              </a:ext>
+            </a:extLst>
+          </p:cNvPr>
+          <p:cNvSpPr txBox="1"/>
+          <p:nvPr/>
+        </p:nvSpPr>
+        <p:spPr>
+          <a:xfrm>
+            <a:off x="2558713" y="1169963"/>
+            <a:ext cx="885478" cy="369332"/>
+          </a:xfrm>
+          <a:prstGeom prst="rect">
+            <a:avLst/>
+          </a:prstGeom>
+          <a:noFill/>
+        </p:spPr>
+        <p:txBody>
+          <a:bodyPr wrap="square" rtlCol="0">
+            <a:spAutoFit/>
+          </a:bodyPr>
+          <a:lstStyle/>
+          <a:p>
+            <a:r>
+              <a:rPr lang="en-US" dirty="0"/>
+              <a:t>Lydia</a:t>
+            </a:r>
+          </a:p>
+        </p:txBody>
+      </p:sp>
+      <p:sp>
+        <p:nvSpPr>
+          <p:cNvPr id="36" name="TextBox 35">
+            <a:extLst>
+              <a:ext uri="{FF2B5EF4-FFF2-40B4-BE49-F238E27FC236}">
+                <a16:creationId xmlns:a16="http://schemas.microsoft.com/office/drawing/2014/main" id="{DC751123-F488-425E-A69E-EAA43C5DD605}"/>
+              </a:ext>
+            </a:extLst>
+          </p:cNvPr>
+          <p:cNvSpPr txBox="1"/>
+          <p:nvPr/>
+        </p:nvSpPr>
+        <p:spPr>
+          <a:xfrm>
+            <a:off x="10746396" y="4178470"/>
+            <a:ext cx="1495131" cy="369332"/>
+          </a:xfrm>
+          <a:prstGeom prst="rect">
+            <a:avLst/>
+          </a:prstGeom>
+          <a:noFill/>
+        </p:spPr>
+        <p:txBody>
+          <a:bodyPr wrap="square" rtlCol="0">
+            <a:spAutoFit/>
+          </a:bodyPr>
+          <a:lstStyle/>
+          <a:p>
+            <a:r>
+              <a:rPr lang="en-US" dirty="0"/>
+              <a:t>Muhammad</a:t>
             </a:r>
           </a:p>
         </p:txBody>

--- a/Final Project Technology Selection.pptx
+++ b/Final Project Technology Selection.pptx
@@ -6,12 +6,12 @@
   </p:sldMasterIdLst>
   <p:sldIdLst>
     <p:sldId id="262" r:id="rId2"/>
-    <p:sldId id="257" r:id="rId3"/>
-    <p:sldId id="261" r:id="rId4"/>
-    <p:sldId id="259" r:id="rId5"/>
-    <p:sldId id="260" r:id="rId6"/>
-    <p:sldId id="264" r:id="rId7"/>
-    <p:sldId id="263" r:id="rId8"/>
+    <p:sldId id="261" r:id="rId3"/>
+    <p:sldId id="263" r:id="rId4"/>
+    <p:sldId id="257" r:id="rId5"/>
+    <p:sldId id="259" r:id="rId6"/>
+    <p:sldId id="260" r:id="rId7"/>
+    <p:sldId id="264" r:id="rId8"/>
     <p:sldId id="258" r:id="rId9"/>
   </p:sldIdLst>
   <p:sldSz cx="12192000" cy="6858000"/>
@@ -266,7 +266,7 @@
           <a:p>
             <a:fld id="{57E8E291-3AAA-4457-B32F-5F1B95138091}" type="datetimeFigureOut">
               <a:rPr lang="en-US" smtClean="0"/>
-              <a:t>2/5/2022</a:t>
+              <a:t>2/8/2022</a:t>
             </a:fld>
             <a:endParaRPr lang="en-US"/>
           </a:p>
@@ -464,7 +464,7 @@
           <a:p>
             <a:fld id="{57E8E291-3AAA-4457-B32F-5F1B95138091}" type="datetimeFigureOut">
               <a:rPr lang="en-US" smtClean="0"/>
-              <a:t>2/5/2022</a:t>
+              <a:t>2/8/2022</a:t>
             </a:fld>
             <a:endParaRPr lang="en-US"/>
           </a:p>
@@ -672,7 +672,7 @@
           <a:p>
             <a:fld id="{57E8E291-3AAA-4457-B32F-5F1B95138091}" type="datetimeFigureOut">
               <a:rPr lang="en-US" smtClean="0"/>
-              <a:t>2/5/2022</a:t>
+              <a:t>2/8/2022</a:t>
             </a:fld>
             <a:endParaRPr lang="en-US"/>
           </a:p>
@@ -870,7 +870,7 @@
           <a:p>
             <a:fld id="{57E8E291-3AAA-4457-B32F-5F1B95138091}" type="datetimeFigureOut">
               <a:rPr lang="en-US" smtClean="0"/>
-              <a:t>2/5/2022</a:t>
+              <a:t>2/8/2022</a:t>
             </a:fld>
             <a:endParaRPr lang="en-US"/>
           </a:p>
@@ -1145,7 +1145,7 @@
           <a:p>
             <a:fld id="{57E8E291-3AAA-4457-B32F-5F1B95138091}" type="datetimeFigureOut">
               <a:rPr lang="en-US" smtClean="0"/>
-              <a:t>2/5/2022</a:t>
+              <a:t>2/8/2022</a:t>
             </a:fld>
             <a:endParaRPr lang="en-US"/>
           </a:p>
@@ -1410,7 +1410,7 @@
           <a:p>
             <a:fld id="{57E8E291-3AAA-4457-B32F-5F1B95138091}" type="datetimeFigureOut">
               <a:rPr lang="en-US" smtClean="0"/>
-              <a:t>2/5/2022</a:t>
+              <a:t>2/8/2022</a:t>
             </a:fld>
             <a:endParaRPr lang="en-US"/>
           </a:p>
@@ -1822,7 +1822,7 @@
           <a:p>
             <a:fld id="{57E8E291-3AAA-4457-B32F-5F1B95138091}" type="datetimeFigureOut">
               <a:rPr lang="en-US" smtClean="0"/>
-              <a:t>2/5/2022</a:t>
+              <a:t>2/8/2022</a:t>
             </a:fld>
             <a:endParaRPr lang="en-US"/>
           </a:p>
@@ -1963,7 +1963,7 @@
           <a:p>
             <a:fld id="{57E8E291-3AAA-4457-B32F-5F1B95138091}" type="datetimeFigureOut">
               <a:rPr lang="en-US" smtClean="0"/>
-              <a:t>2/5/2022</a:t>
+              <a:t>2/8/2022</a:t>
             </a:fld>
             <a:endParaRPr lang="en-US"/>
           </a:p>
@@ -2076,7 +2076,7 @@
           <a:p>
             <a:fld id="{57E8E291-3AAA-4457-B32F-5F1B95138091}" type="datetimeFigureOut">
               <a:rPr lang="en-US" smtClean="0"/>
-              <a:t>2/5/2022</a:t>
+              <a:t>2/8/2022</a:t>
             </a:fld>
             <a:endParaRPr lang="en-US"/>
           </a:p>
@@ -2387,7 +2387,7 @@
           <a:p>
             <a:fld id="{57E8E291-3AAA-4457-B32F-5F1B95138091}" type="datetimeFigureOut">
               <a:rPr lang="en-US" smtClean="0"/>
-              <a:t>2/5/2022</a:t>
+              <a:t>2/8/2022</a:t>
             </a:fld>
             <a:endParaRPr lang="en-US"/>
           </a:p>
@@ -2675,7 +2675,7 @@
           <a:p>
             <a:fld id="{57E8E291-3AAA-4457-B32F-5F1B95138091}" type="datetimeFigureOut">
               <a:rPr lang="en-US" smtClean="0"/>
-              <a:t>2/5/2022</a:t>
+              <a:t>2/8/2022</a:t>
             </a:fld>
             <a:endParaRPr lang="en-US"/>
           </a:p>
@@ -2916,7 +2916,7 @@
           <a:p>
             <a:fld id="{57E8E291-3AAA-4457-B32F-5F1B95138091}" type="datetimeFigureOut">
               <a:rPr lang="en-US" smtClean="0"/>
-              <a:t>2/5/2022</a:t>
+              <a:t>2/8/2022</a:t>
             </a:fld>
             <a:endParaRPr lang="en-US"/>
           </a:p>
@@ -3401,45 +3401,10 @@
       </p:grpSpPr>
       <p:sp>
         <p:nvSpPr>
-          <p:cNvPr id="2" name="Title 1">
-            <a:extLst>
-              <a:ext uri="{FF2B5EF4-FFF2-40B4-BE49-F238E27FC236}">
-                <a16:creationId xmlns:a16="http://schemas.microsoft.com/office/drawing/2014/main" id="{4C909D87-29A0-4C11-9BAD-E6E7B0A2FF24}"/>
-              </a:ext>
-            </a:extLst>
-          </p:cNvPr>
-          <p:cNvSpPr>
-            <a:spLocks noGrp="1"/>
-          </p:cNvSpPr>
-          <p:nvPr>
-            <p:ph type="title"/>
-          </p:nvPr>
-        </p:nvSpPr>
-        <p:spPr>
-          <a:xfrm>
-            <a:off x="838200" y="365126"/>
-            <a:ext cx="10515600" cy="637308"/>
-          </a:xfrm>
-        </p:spPr>
-        <p:txBody>
-          <a:bodyPr>
-            <a:normAutofit fontScale="90000"/>
-          </a:bodyPr>
-          <a:lstStyle/>
-          <a:p>
-            <a:r>
-              <a:rPr lang="en-US" dirty="0"/>
-              <a:t>Technologies</a:t>
-            </a:r>
-          </a:p>
-        </p:txBody>
-      </p:sp>
-      <p:sp>
-        <p:nvSpPr>
-          <p:cNvPr id="4" name="Rectangle 3">
-            <a:extLst>
-              <a:ext uri="{FF2B5EF4-FFF2-40B4-BE49-F238E27FC236}">
-                <a16:creationId xmlns:a16="http://schemas.microsoft.com/office/drawing/2014/main" id="{955A7593-20CE-4003-909B-B4AB732E47C2}"/>
+          <p:cNvPr id="37" name="Rectangle 36">
+            <a:extLst>
+              <a:ext uri="{FF2B5EF4-FFF2-40B4-BE49-F238E27FC236}">
+                <a16:creationId xmlns:a16="http://schemas.microsoft.com/office/drawing/2014/main" id="{EB7EB47E-F685-4176-A5D9-8B60F3A59532}"/>
               </a:ext>
             </a:extLst>
           </p:cNvPr>
@@ -3448,16 +3413,15 @@
         </p:nvSpPr>
         <p:spPr>
           <a:xfrm>
-            <a:off x="508000" y="4476280"/>
-            <a:ext cx="2835564" cy="637309"/>
+            <a:off x="3655719" y="1175814"/>
+            <a:ext cx="4809875" cy="2952656"/>
           </a:xfrm>
           <a:prstGeom prst="rect">
             <a:avLst/>
           </a:prstGeom>
-          <a:noFill/>
-          <a:ln>
-            <a:noFill/>
-          </a:ln>
+          <a:solidFill>
+            <a:schemeClr val="accent2"/>
+          </a:solidFill>
         </p:spPr>
         <p:style>
           <a:lnRef idx="2">
@@ -3480,23 +3444,16 @@
           <a:lstStyle/>
           <a:p>
             <a:pPr algn="ctr"/>
-            <a:r>
-              <a:rPr lang="en-US" dirty="0">
-                <a:solidFill>
-                  <a:schemeClr val="tx1"/>
-                </a:solidFill>
-              </a:rPr>
-              <a:t>Machine Learning</a:t>
-            </a:r>
-          </a:p>
-        </p:txBody>
-      </p:sp>
-      <p:sp>
-        <p:nvSpPr>
-          <p:cNvPr id="5" name="Rectangle 4">
-            <a:extLst>
-              <a:ext uri="{FF2B5EF4-FFF2-40B4-BE49-F238E27FC236}">
-                <a16:creationId xmlns:a16="http://schemas.microsoft.com/office/drawing/2014/main" id="{17174FB7-90E5-4686-AE29-1C39952DC1F9}"/>
+            <a:endParaRPr lang="en-US"/>
+          </a:p>
+        </p:txBody>
+      </p:sp>
+      <p:sp>
+        <p:nvSpPr>
+          <p:cNvPr id="35" name="Rectangle 34">
+            <a:extLst>
+              <a:ext uri="{FF2B5EF4-FFF2-40B4-BE49-F238E27FC236}">
+                <a16:creationId xmlns:a16="http://schemas.microsoft.com/office/drawing/2014/main" id="{BAA0E342-01E3-4DE5-8CE2-2E43544FD45A}"/>
               </a:ext>
             </a:extLst>
           </p:cNvPr>
@@ -3505,16 +3462,15 @@
         </p:nvSpPr>
         <p:spPr>
           <a:xfrm>
-            <a:off x="508000" y="2381718"/>
-            <a:ext cx="2835564" cy="637309"/>
+            <a:off x="7682533" y="4228470"/>
+            <a:ext cx="4460364" cy="2500881"/>
           </a:xfrm>
           <a:prstGeom prst="rect">
             <a:avLst/>
           </a:prstGeom>
-          <a:noFill/>
-          <a:ln>
-            <a:noFill/>
-          </a:ln>
+          <a:solidFill>
+            <a:schemeClr val="accent2"/>
+          </a:solidFill>
         </p:spPr>
         <p:style>
           <a:lnRef idx="2">
@@ -3537,23 +3493,16 @@
           <a:lstStyle/>
           <a:p>
             <a:pPr algn="ctr"/>
-            <a:r>
-              <a:rPr lang="en-US" dirty="0">
-                <a:solidFill>
-                  <a:schemeClr val="tx1"/>
-                </a:solidFill>
-              </a:rPr>
-              <a:t>Database</a:t>
-            </a:r>
-          </a:p>
-        </p:txBody>
-      </p:sp>
-      <p:sp>
-        <p:nvSpPr>
-          <p:cNvPr id="6" name="Rectangle 5">
-            <a:extLst>
-              <a:ext uri="{FF2B5EF4-FFF2-40B4-BE49-F238E27FC236}">
-                <a16:creationId xmlns:a16="http://schemas.microsoft.com/office/drawing/2014/main" id="{341F4DEC-3E12-470F-BEE4-CAA8B0BFBEE8}"/>
+            <a:endParaRPr lang="en-US"/>
+          </a:p>
+        </p:txBody>
+      </p:sp>
+      <p:sp>
+        <p:nvSpPr>
+          <p:cNvPr id="32" name="Rectangle 31">
+            <a:extLst>
+              <a:ext uri="{FF2B5EF4-FFF2-40B4-BE49-F238E27FC236}">
+                <a16:creationId xmlns:a16="http://schemas.microsoft.com/office/drawing/2014/main" id="{C0052F14-DEAC-4A94-B01C-6D88503C7E8D}"/>
               </a:ext>
             </a:extLst>
           </p:cNvPr>
@@ -3562,16 +3511,15 @@
         </p:nvSpPr>
         <p:spPr>
           <a:xfrm>
-            <a:off x="508000" y="1334437"/>
-            <a:ext cx="2835564" cy="637309"/>
+            <a:off x="78083" y="1164918"/>
+            <a:ext cx="3508757" cy="2945955"/>
           </a:xfrm>
           <a:prstGeom prst="rect">
             <a:avLst/>
           </a:prstGeom>
-          <a:noFill/>
-          <a:ln>
-            <a:noFill/>
-          </a:ln>
+          <a:solidFill>
+            <a:schemeClr val="accent2"/>
+          </a:solidFill>
         </p:spPr>
         <p:style>
           <a:lnRef idx="2">
@@ -3594,23 +3542,16 @@
           <a:lstStyle/>
           <a:p>
             <a:pPr algn="ctr"/>
-            <a:r>
-              <a:rPr lang="en-US" dirty="0">
-                <a:solidFill>
-                  <a:schemeClr val="tx1"/>
-                </a:solidFill>
-              </a:rPr>
-              <a:t>Data Cleaning &amp; Analysis</a:t>
-            </a:r>
-          </a:p>
-        </p:txBody>
-      </p:sp>
-      <p:sp>
-        <p:nvSpPr>
-          <p:cNvPr id="7" name="Rectangle 6">
-            <a:extLst>
-              <a:ext uri="{FF2B5EF4-FFF2-40B4-BE49-F238E27FC236}">
-                <a16:creationId xmlns:a16="http://schemas.microsoft.com/office/drawing/2014/main" id="{0B199367-DD65-4AAF-A899-7D845120BB4C}"/>
+            <a:endParaRPr lang="en-US"/>
+          </a:p>
+        </p:txBody>
+      </p:sp>
+      <p:sp>
+        <p:nvSpPr>
+          <p:cNvPr id="6" name="Rectangle 5">
+            <a:extLst>
+              <a:ext uri="{FF2B5EF4-FFF2-40B4-BE49-F238E27FC236}">
+                <a16:creationId xmlns:a16="http://schemas.microsoft.com/office/drawing/2014/main" id="{47C157FB-18F0-4AEF-B536-724F9D199886}"/>
               </a:ext>
             </a:extLst>
           </p:cNvPr>
@@ -3619,16 +3560,15 @@
         </p:nvSpPr>
         <p:spPr>
           <a:xfrm>
-            <a:off x="508000" y="5523563"/>
-            <a:ext cx="2835564" cy="637309"/>
+            <a:off x="3167200" y="4208193"/>
+            <a:ext cx="4460364" cy="2500881"/>
           </a:xfrm>
           <a:prstGeom prst="rect">
             <a:avLst/>
           </a:prstGeom>
-          <a:noFill/>
-          <a:ln>
-            <a:noFill/>
-          </a:ln>
+          <a:solidFill>
+            <a:schemeClr val="accent2"/>
+          </a:solidFill>
         </p:spPr>
         <p:style>
           <a:lnRef idx="2">
@@ -3651,137 +3591,16 @@
           <a:lstStyle/>
           <a:p>
             <a:pPr algn="ctr"/>
-            <a:r>
-              <a:rPr lang="en-US" dirty="0">
-                <a:solidFill>
-                  <a:schemeClr val="tx1"/>
-                </a:solidFill>
-              </a:rPr>
-              <a:t>Visualization</a:t>
-            </a:r>
-          </a:p>
-        </p:txBody>
-      </p:sp>
-      <p:cxnSp>
-        <p:nvCxnSpPr>
-          <p:cNvPr id="9" name="Straight Connector 8">
-            <a:extLst>
-              <a:ext uri="{FF2B5EF4-FFF2-40B4-BE49-F238E27FC236}">
-                <a16:creationId xmlns:a16="http://schemas.microsoft.com/office/drawing/2014/main" id="{5B1316ED-CFEC-4617-A141-F7BC743407D3}"/>
-              </a:ext>
-            </a:extLst>
-          </p:cNvPr>
-          <p:cNvCxnSpPr>
-            <a:cxnSpLocks/>
-          </p:cNvCxnSpPr>
-          <p:nvPr/>
-        </p:nvCxnSpPr>
-        <p:spPr>
-          <a:xfrm>
-            <a:off x="498762" y="2141409"/>
-            <a:ext cx="10427855" cy="0"/>
-          </a:xfrm>
-          <a:prstGeom prst="line">
-            <a:avLst/>
-          </a:prstGeom>
-        </p:spPr>
-        <p:style>
-          <a:lnRef idx="1">
-            <a:schemeClr val="accent1"/>
-          </a:lnRef>
-          <a:fillRef idx="0">
-            <a:schemeClr val="accent1"/>
-          </a:fillRef>
-          <a:effectRef idx="0">
-            <a:schemeClr val="accent1"/>
-          </a:effectRef>
-          <a:fontRef idx="minor">
-            <a:schemeClr val="tx1"/>
-          </a:fontRef>
-        </p:style>
-      </p:cxnSp>
-      <p:cxnSp>
-        <p:nvCxnSpPr>
-          <p:cNvPr id="10" name="Straight Connector 9">
-            <a:extLst>
-              <a:ext uri="{FF2B5EF4-FFF2-40B4-BE49-F238E27FC236}">
-                <a16:creationId xmlns:a16="http://schemas.microsoft.com/office/drawing/2014/main" id="{8B388613-4D92-46B3-B54D-C85E91BCB620}"/>
-              </a:ext>
-            </a:extLst>
-          </p:cNvPr>
-          <p:cNvCxnSpPr>
-            <a:cxnSpLocks/>
-          </p:cNvCxnSpPr>
-          <p:nvPr/>
-        </p:nvCxnSpPr>
-        <p:spPr>
-          <a:xfrm>
-            <a:off x="498762" y="3253327"/>
-            <a:ext cx="10427855" cy="0"/>
-          </a:xfrm>
-          <a:prstGeom prst="line">
-            <a:avLst/>
-          </a:prstGeom>
-        </p:spPr>
-        <p:style>
-          <a:lnRef idx="1">
-            <a:schemeClr val="accent1"/>
-          </a:lnRef>
-          <a:fillRef idx="0">
-            <a:schemeClr val="accent1"/>
-          </a:fillRef>
-          <a:effectRef idx="0">
-            <a:schemeClr val="accent1"/>
-          </a:effectRef>
-          <a:fontRef idx="minor">
-            <a:schemeClr val="tx1"/>
-          </a:fontRef>
-        </p:style>
-      </p:cxnSp>
-      <p:cxnSp>
-        <p:nvCxnSpPr>
-          <p:cNvPr id="11" name="Straight Connector 10">
-            <a:extLst>
-              <a:ext uri="{FF2B5EF4-FFF2-40B4-BE49-F238E27FC236}">
-                <a16:creationId xmlns:a16="http://schemas.microsoft.com/office/drawing/2014/main" id="{100202AD-67B5-4016-833D-58CFD9545ABE}"/>
-              </a:ext>
-            </a:extLst>
-          </p:cNvPr>
-          <p:cNvCxnSpPr>
-            <a:cxnSpLocks/>
-          </p:cNvCxnSpPr>
-          <p:nvPr/>
-        </p:nvCxnSpPr>
-        <p:spPr>
-          <a:xfrm>
-            <a:off x="498762" y="5477164"/>
-            <a:ext cx="10427855" cy="0"/>
-          </a:xfrm>
-          <a:prstGeom prst="line">
-            <a:avLst/>
-          </a:prstGeom>
-        </p:spPr>
-        <p:style>
-          <a:lnRef idx="1">
-            <a:schemeClr val="accent1"/>
-          </a:lnRef>
-          <a:fillRef idx="0">
-            <a:schemeClr val="accent1"/>
-          </a:fillRef>
-          <a:effectRef idx="0">
-            <a:schemeClr val="accent1"/>
-          </a:effectRef>
-          <a:fontRef idx="minor">
-            <a:schemeClr val="tx1"/>
-          </a:fontRef>
-        </p:style>
-      </p:cxnSp>
-      <p:sp>
-        <p:nvSpPr>
-          <p:cNvPr id="12" name="Rectangle 11">
-            <a:extLst>
-              <a:ext uri="{FF2B5EF4-FFF2-40B4-BE49-F238E27FC236}">
-                <a16:creationId xmlns:a16="http://schemas.microsoft.com/office/drawing/2014/main" id="{F9390E70-C5AB-4585-9F05-E53D2A9AD28F}"/>
+            <a:endParaRPr lang="en-US"/>
+          </a:p>
+        </p:txBody>
+      </p:sp>
+      <p:sp>
+        <p:nvSpPr>
+          <p:cNvPr id="19" name="Rectangle: Rounded Corners 18">
+            <a:extLst>
+              <a:ext uri="{FF2B5EF4-FFF2-40B4-BE49-F238E27FC236}">
+                <a16:creationId xmlns:a16="http://schemas.microsoft.com/office/drawing/2014/main" id="{1D81220D-D998-4DD1-B329-FC683526BCDF}"/>
               </a:ext>
             </a:extLst>
           </p:cNvPr>
@@ -3790,12 +3609,17 @@
         </p:nvSpPr>
         <p:spPr>
           <a:xfrm>
-            <a:off x="3925454" y="1224922"/>
-            <a:ext cx="1967346" cy="637303"/>
-          </a:xfrm>
-          <a:prstGeom prst="rect">
-            <a:avLst/>
-          </a:prstGeom>
+            <a:off x="8204312" y="4497802"/>
+            <a:ext cx="3488607" cy="1824343"/>
+          </a:xfrm>
+          <a:prstGeom prst="roundRect">
+            <a:avLst/>
+          </a:prstGeom>
+          <a:solidFill>
+            <a:schemeClr val="accent1">
+              <a:alpha val="20000"/>
+            </a:schemeClr>
+          </a:solidFill>
         </p:spPr>
         <p:style>
           <a:lnRef idx="2">
@@ -3814,23 +3638,689 @@
           </a:fontRef>
         </p:style>
         <p:txBody>
-          <a:bodyPr rtlCol="0" anchor="ctr"/>
+          <a:bodyPr rtlCol="0" anchor="t"/>
           <a:lstStyle/>
           <a:p>
             <a:pPr algn="ctr"/>
             <a:r>
+              <a:rPr lang="en-US" b="1" dirty="0">
+                <a:solidFill>
+                  <a:schemeClr val="tx1"/>
+                </a:solidFill>
+              </a:rPr>
+              <a:t>VIZ</a:t>
+            </a:r>
+          </a:p>
+        </p:txBody>
+      </p:sp>
+      <p:pic>
+        <p:nvPicPr>
+          <p:cNvPr id="2058" name="Picture 10" descr="Cloud-Icon - Voonami, Inc.">
+            <a:extLst>
+              <a:ext uri="{FF2B5EF4-FFF2-40B4-BE49-F238E27FC236}">
+                <a16:creationId xmlns:a16="http://schemas.microsoft.com/office/drawing/2014/main" id="{597B786D-67D5-4B97-A150-102C72DE43F8}"/>
+              </a:ext>
+            </a:extLst>
+          </p:cNvPr>
+          <p:cNvPicPr>
+            <a:picLocks noChangeAspect="1" noChangeArrowheads="1"/>
+          </p:cNvPicPr>
+          <p:nvPr/>
+        </p:nvPicPr>
+        <p:blipFill>
+          <a:blip r:embed="rId2">
+            <a:extLst>
+              <a:ext uri="{28A0092B-C50C-407E-A947-70E740481C1C}">
+                <a14:useLocalDpi xmlns:a14="http://schemas.microsoft.com/office/drawing/2010/main" val="0"/>
+              </a:ext>
+            </a:extLst>
+          </a:blip>
+          <a:srcRect/>
+          <a:stretch>
+            <a:fillRect/>
+          </a:stretch>
+        </p:blipFill>
+        <p:spPr bwMode="auto">
+          <a:xfrm>
+            <a:off x="-114011" y="1175814"/>
+            <a:ext cx="3857232" cy="3007066"/>
+          </a:xfrm>
+          <a:prstGeom prst="rect">
+            <a:avLst/>
+          </a:prstGeom>
+          <a:noFill/>
+          <a:extLst>
+            <a:ext uri="{909E8E84-426E-40DD-AFC4-6F175D3DCCD1}">
+              <a14:hiddenFill xmlns:a14="http://schemas.microsoft.com/office/drawing/2010/main">
+                <a:solidFill>
+                  <a:srgbClr val="FFFFFF"/>
+                </a:solidFill>
+              </a14:hiddenFill>
+            </a:ext>
+          </a:extLst>
+        </p:spPr>
+      </p:pic>
+      <p:sp>
+        <p:nvSpPr>
+          <p:cNvPr id="2" name="Title 1">
+            <a:extLst>
+              <a:ext uri="{FF2B5EF4-FFF2-40B4-BE49-F238E27FC236}">
+                <a16:creationId xmlns:a16="http://schemas.microsoft.com/office/drawing/2014/main" id="{4C909D87-29A0-4C11-9BAD-E6E7B0A2FF24}"/>
+              </a:ext>
+            </a:extLst>
+          </p:cNvPr>
+          <p:cNvSpPr>
+            <a:spLocks noGrp="1"/>
+          </p:cNvSpPr>
+          <p:nvPr>
+            <p:ph type="title"/>
+          </p:nvPr>
+        </p:nvSpPr>
+        <p:spPr>
+          <a:xfrm>
+            <a:off x="838200" y="148925"/>
+            <a:ext cx="10515600" cy="637308"/>
+          </a:xfrm>
+        </p:spPr>
+        <p:txBody>
+          <a:bodyPr>
+            <a:normAutofit fontScale="90000"/>
+          </a:bodyPr>
+          <a:lstStyle/>
+          <a:p>
+            <a:r>
               <a:rPr lang="en-US" dirty="0"/>
-              <a:t>Pandas</a:t>
-            </a:r>
-          </a:p>
-        </p:txBody>
-      </p:sp>
-      <p:sp>
-        <p:nvSpPr>
-          <p:cNvPr id="13" name="Rectangle 12">
-            <a:extLst>
-              <a:ext uri="{FF2B5EF4-FFF2-40B4-BE49-F238E27FC236}">
-                <a16:creationId xmlns:a16="http://schemas.microsoft.com/office/drawing/2014/main" id="{FC80AF41-9A49-4EE6-899E-2EDCE1AA8030}"/>
+              <a:t>High - Level Architecture Draft</a:t>
+            </a:r>
+          </a:p>
+        </p:txBody>
+      </p:sp>
+      <p:pic>
+        <p:nvPicPr>
+          <p:cNvPr id="2050" name="Picture 2" descr="Yahoo Finance API to get Stocks tickers data in python. | by R Junaid Raza  | Medium">
+            <a:extLst>
+              <a:ext uri="{FF2B5EF4-FFF2-40B4-BE49-F238E27FC236}">
+                <a16:creationId xmlns:a16="http://schemas.microsoft.com/office/drawing/2014/main" id="{E5C0B7F5-3744-4955-9482-83E542E736D3}"/>
+              </a:ext>
+            </a:extLst>
+          </p:cNvPr>
+          <p:cNvPicPr>
+            <a:picLocks noChangeAspect="1" noChangeArrowheads="1"/>
+          </p:cNvPicPr>
+          <p:nvPr/>
+        </p:nvPicPr>
+        <p:blipFill>
+          <a:blip r:embed="rId3">
+            <a:extLst>
+              <a:ext uri="{28A0092B-C50C-407E-A947-70E740481C1C}">
+                <a14:useLocalDpi xmlns:a14="http://schemas.microsoft.com/office/drawing/2010/main" val="0"/>
+              </a:ext>
+            </a:extLst>
+          </a:blip>
+          <a:srcRect/>
+          <a:stretch>
+            <a:fillRect/>
+          </a:stretch>
+        </p:blipFill>
+        <p:spPr bwMode="auto">
+          <a:xfrm>
+            <a:off x="838200" y="5646251"/>
+            <a:ext cx="1413028" cy="706514"/>
+          </a:xfrm>
+          <a:prstGeom prst="rect">
+            <a:avLst/>
+          </a:prstGeom>
+          <a:noFill/>
+          <a:extLst>
+            <a:ext uri="{909E8E84-426E-40DD-AFC4-6F175D3DCCD1}">
+              <a14:hiddenFill xmlns:a14="http://schemas.microsoft.com/office/drawing/2010/main">
+                <a:solidFill>
+                  <a:srgbClr val="FFFFFF"/>
+                </a:solidFill>
+              </a14:hiddenFill>
+            </a:ext>
+          </a:extLst>
+        </p:spPr>
+      </p:pic>
+      <p:pic>
+        <p:nvPicPr>
+          <p:cNvPr id="2052" name="Picture 4" descr="Pandas DataFrame (Python): 10 useful tricks | by Maurizio Sluijmers | Level  Up Coding">
+            <a:extLst>
+              <a:ext uri="{FF2B5EF4-FFF2-40B4-BE49-F238E27FC236}">
+                <a16:creationId xmlns:a16="http://schemas.microsoft.com/office/drawing/2014/main" id="{FE7F1FAD-2AC8-4010-B3A8-222E6327FE3E}"/>
+              </a:ext>
+            </a:extLst>
+          </p:cNvPr>
+          <p:cNvPicPr>
+            <a:picLocks noChangeAspect="1" noChangeArrowheads="1"/>
+          </p:cNvPicPr>
+          <p:nvPr/>
+        </p:nvPicPr>
+        <p:blipFill rotWithShape="1">
+          <a:blip r:embed="rId4">
+            <a:extLst>
+              <a:ext uri="{28A0092B-C50C-407E-A947-70E740481C1C}">
+                <a14:useLocalDpi xmlns:a14="http://schemas.microsoft.com/office/drawing/2010/main" val="0"/>
+              </a:ext>
+            </a:extLst>
+          </a:blip>
+          <a:srcRect l="4458" t="6241" r="3997" b="6791"/>
+          <a:stretch/>
+        </p:blipFill>
+        <p:spPr bwMode="auto">
+          <a:xfrm>
+            <a:off x="485400" y="4182879"/>
+            <a:ext cx="1956619" cy="776749"/>
+          </a:xfrm>
+          <a:prstGeom prst="rect">
+            <a:avLst/>
+          </a:prstGeom>
+          <a:noFill/>
+          <a:ln>
+            <a:noFill/>
+          </a:ln>
+          <a:extLst>
+            <a:ext uri="{909E8E84-426E-40DD-AFC4-6F175D3DCCD1}">
+              <a14:hiddenFill xmlns:a14="http://schemas.microsoft.com/office/drawing/2010/main">
+                <a:solidFill>
+                  <a:srgbClr val="FFFFFF"/>
+                </a:solidFill>
+              </a14:hiddenFill>
+            </a:ext>
+          </a:extLst>
+        </p:spPr>
+      </p:pic>
+      <p:cxnSp>
+        <p:nvCxnSpPr>
+          <p:cNvPr id="4" name="Connector: Elbow 3">
+            <a:extLst>
+              <a:ext uri="{FF2B5EF4-FFF2-40B4-BE49-F238E27FC236}">
+                <a16:creationId xmlns:a16="http://schemas.microsoft.com/office/drawing/2014/main" id="{B69E9C98-29C1-47E2-AEC8-460B90F26B94}"/>
+              </a:ext>
+            </a:extLst>
+          </p:cNvPr>
+          <p:cNvCxnSpPr>
+            <a:stCxn id="2050" idx="0"/>
+            <a:endCxn id="2052" idx="2"/>
+          </p:cNvCxnSpPr>
+          <p:nvPr/>
+        </p:nvCxnSpPr>
+        <p:spPr>
+          <a:xfrm rot="16200000" flipV="1">
+            <a:off x="1160901" y="5262438"/>
+            <a:ext cx="686623" cy="81004"/>
+          </a:xfrm>
+          <a:prstGeom prst="bentConnector3">
+            <a:avLst/>
+          </a:prstGeom>
+          <a:ln>
+            <a:tailEnd type="triangle"/>
+          </a:ln>
+        </p:spPr>
+        <p:style>
+          <a:lnRef idx="1">
+            <a:schemeClr val="accent1"/>
+          </a:lnRef>
+          <a:fillRef idx="0">
+            <a:schemeClr val="accent1"/>
+          </a:fillRef>
+          <a:effectRef idx="0">
+            <a:schemeClr val="accent1"/>
+          </a:effectRef>
+          <a:fontRef idx="minor">
+            <a:schemeClr val="tx1"/>
+          </a:fontRef>
+        </p:style>
+      </p:cxnSp>
+      <p:sp>
+        <p:nvSpPr>
+          <p:cNvPr id="5" name="TextBox 4">
+            <a:extLst>
+              <a:ext uri="{FF2B5EF4-FFF2-40B4-BE49-F238E27FC236}">
+                <a16:creationId xmlns:a16="http://schemas.microsoft.com/office/drawing/2014/main" id="{7D891D2A-B179-4A03-AF92-2E7DA638EDBE}"/>
+              </a:ext>
+            </a:extLst>
+          </p:cNvPr>
+          <p:cNvSpPr txBox="1"/>
+          <p:nvPr/>
+        </p:nvSpPr>
+        <p:spPr>
+          <a:xfrm>
+            <a:off x="1705195" y="5136967"/>
+            <a:ext cx="668593" cy="369332"/>
+          </a:xfrm>
+          <a:prstGeom prst="rect">
+            <a:avLst/>
+          </a:prstGeom>
+          <a:noFill/>
+        </p:spPr>
+        <p:txBody>
+          <a:bodyPr wrap="square" rtlCol="0">
+            <a:spAutoFit/>
+          </a:bodyPr>
+          <a:lstStyle/>
+          <a:p>
+            <a:pPr algn="ctr"/>
+            <a:r>
+              <a:rPr lang="en-US" dirty="0"/>
+              <a:t>API</a:t>
+            </a:r>
+          </a:p>
+        </p:txBody>
+      </p:sp>
+      <p:pic>
+        <p:nvPicPr>
+          <p:cNvPr id="2054" name="Picture 6" descr="Has the time finally come for PostgreSQL? | ZDNet">
+            <a:extLst>
+              <a:ext uri="{FF2B5EF4-FFF2-40B4-BE49-F238E27FC236}">
+                <a16:creationId xmlns:a16="http://schemas.microsoft.com/office/drawing/2014/main" id="{6C8A66D8-34BE-405D-8109-97F9B4B11628}"/>
+              </a:ext>
+            </a:extLst>
+          </p:cNvPr>
+          <p:cNvPicPr>
+            <a:picLocks noChangeAspect="1" noChangeArrowheads="1"/>
+          </p:cNvPicPr>
+          <p:nvPr/>
+        </p:nvPicPr>
+        <p:blipFill>
+          <a:blip r:embed="rId5">
+            <a:extLst>
+              <a:ext uri="{28A0092B-C50C-407E-A947-70E740481C1C}">
+                <a14:useLocalDpi xmlns:a14="http://schemas.microsoft.com/office/drawing/2010/main" val="0"/>
+              </a:ext>
+            </a:extLst>
+          </a:blip>
+          <a:srcRect/>
+          <a:stretch>
+            <a:fillRect/>
+          </a:stretch>
+        </p:blipFill>
+        <p:spPr bwMode="auto">
+          <a:xfrm>
+            <a:off x="953256" y="1859077"/>
+            <a:ext cx="1235634" cy="926725"/>
+          </a:xfrm>
+          <a:prstGeom prst="rect">
+            <a:avLst/>
+          </a:prstGeom>
+          <a:noFill/>
+          <a:extLst>
+            <a:ext uri="{909E8E84-426E-40DD-AFC4-6F175D3DCCD1}">
+              <a14:hiddenFill xmlns:a14="http://schemas.microsoft.com/office/drawing/2010/main">
+                <a:solidFill>
+                  <a:srgbClr val="FFFFFF"/>
+                </a:solidFill>
+              </a14:hiddenFill>
+            </a:ext>
+          </a:extLst>
+        </p:spPr>
+      </p:pic>
+      <p:cxnSp>
+        <p:nvCxnSpPr>
+          <p:cNvPr id="13" name="Connector: Elbow 12">
+            <a:extLst>
+              <a:ext uri="{FF2B5EF4-FFF2-40B4-BE49-F238E27FC236}">
+                <a16:creationId xmlns:a16="http://schemas.microsoft.com/office/drawing/2014/main" id="{27A5D78A-58F8-44A9-A3F8-B3A9ACD68FFC}"/>
+              </a:ext>
+            </a:extLst>
+          </p:cNvPr>
+          <p:cNvCxnSpPr>
+            <a:cxnSpLocks/>
+            <a:stCxn id="2052" idx="0"/>
+            <a:endCxn id="2054" idx="1"/>
+          </p:cNvCxnSpPr>
+          <p:nvPr/>
+        </p:nvCxnSpPr>
+        <p:spPr>
+          <a:xfrm rot="16200000" flipV="1">
+            <a:off x="278264" y="2997433"/>
+            <a:ext cx="1860439" cy="510454"/>
+          </a:xfrm>
+          <a:prstGeom prst="bentConnector4">
+            <a:avLst>
+              <a:gd name="adj1" fmla="val 32262"/>
+              <a:gd name="adj2" fmla="val 236439"/>
+            </a:avLst>
+          </a:prstGeom>
+          <a:ln>
+            <a:tailEnd type="triangle"/>
+          </a:ln>
+        </p:spPr>
+        <p:style>
+          <a:lnRef idx="1">
+            <a:schemeClr val="accent1"/>
+          </a:lnRef>
+          <a:fillRef idx="0">
+            <a:schemeClr val="accent1"/>
+          </a:fillRef>
+          <a:effectRef idx="0">
+            <a:schemeClr val="accent1"/>
+          </a:effectRef>
+          <a:fontRef idx="minor">
+            <a:schemeClr val="tx1"/>
+          </a:fontRef>
+        </p:style>
+      </p:cxnSp>
+      <p:sp>
+        <p:nvSpPr>
+          <p:cNvPr id="16" name="TextBox 15">
+            <a:extLst>
+              <a:ext uri="{FF2B5EF4-FFF2-40B4-BE49-F238E27FC236}">
+                <a16:creationId xmlns:a16="http://schemas.microsoft.com/office/drawing/2014/main" id="{859BC895-77CB-4E95-9A4D-1D0AC669B89A}"/>
+              </a:ext>
+            </a:extLst>
+          </p:cNvPr>
+          <p:cNvSpPr txBox="1"/>
+          <p:nvPr/>
+        </p:nvSpPr>
+        <p:spPr>
+          <a:xfrm>
+            <a:off x="591729" y="3654902"/>
+            <a:ext cx="668593" cy="369332"/>
+          </a:xfrm>
+          <a:prstGeom prst="rect">
+            <a:avLst/>
+          </a:prstGeom>
+          <a:noFill/>
+        </p:spPr>
+        <p:txBody>
+          <a:bodyPr wrap="square" rtlCol="0">
+            <a:spAutoFit/>
+          </a:bodyPr>
+          <a:lstStyle/>
+          <a:p>
+            <a:pPr algn="ctr"/>
+            <a:r>
+              <a:rPr lang="en-US" dirty="0"/>
+              <a:t>ETL</a:t>
+            </a:r>
+          </a:p>
+        </p:txBody>
+      </p:sp>
+      <p:pic>
+        <p:nvPicPr>
+          <p:cNvPr id="2056" name="Picture 8" descr="How to Evaluate AWS RDS Pricing and Features - ParkMyCloud">
+            <a:extLst>
+              <a:ext uri="{FF2B5EF4-FFF2-40B4-BE49-F238E27FC236}">
+                <a16:creationId xmlns:a16="http://schemas.microsoft.com/office/drawing/2014/main" id="{B6D823A8-D917-49EB-9F7B-3E96900F321A}"/>
+              </a:ext>
+            </a:extLst>
+          </p:cNvPr>
+          <p:cNvPicPr>
+            <a:picLocks noChangeAspect="1" noChangeArrowheads="1"/>
+          </p:cNvPicPr>
+          <p:nvPr/>
+        </p:nvPicPr>
+        <p:blipFill>
+          <a:blip r:embed="rId6">
+            <a:extLst>
+              <a:ext uri="{28A0092B-C50C-407E-A947-70E740481C1C}">
+                <a14:useLocalDpi xmlns:a14="http://schemas.microsoft.com/office/drawing/2010/main" val="0"/>
+              </a:ext>
+            </a:extLst>
+          </a:blip>
+          <a:srcRect/>
+          <a:stretch>
+            <a:fillRect/>
+          </a:stretch>
+        </p:blipFill>
+        <p:spPr bwMode="auto">
+          <a:xfrm>
+            <a:off x="12369968" y="1505118"/>
+            <a:ext cx="1132665" cy="707915"/>
+          </a:xfrm>
+          <a:prstGeom prst="rect">
+            <a:avLst/>
+          </a:prstGeom>
+          <a:noFill/>
+          <a:extLst>
+            <a:ext uri="{909E8E84-426E-40DD-AFC4-6F175D3DCCD1}">
+              <a14:hiddenFill xmlns:a14="http://schemas.microsoft.com/office/drawing/2010/main">
+                <a:solidFill>
+                  <a:srgbClr val="FFFFFF"/>
+                </a:solidFill>
+              </a14:hiddenFill>
+            </a:ext>
+          </a:extLst>
+        </p:spPr>
+      </p:pic>
+      <p:pic>
+        <p:nvPicPr>
+          <p:cNvPr id="2060" name="Picture 12" descr="Flask Logo Icon - Download in Flat Style">
+            <a:extLst>
+              <a:ext uri="{FF2B5EF4-FFF2-40B4-BE49-F238E27FC236}">
+                <a16:creationId xmlns:a16="http://schemas.microsoft.com/office/drawing/2014/main" id="{494E90CE-518B-476E-9F9D-E2BDE32DBD4C}"/>
+              </a:ext>
+            </a:extLst>
+          </p:cNvPr>
+          <p:cNvPicPr>
+            <a:picLocks noChangeAspect="1" noChangeArrowheads="1"/>
+          </p:cNvPicPr>
+          <p:nvPr/>
+        </p:nvPicPr>
+        <p:blipFill>
+          <a:blip r:embed="rId7">
+            <a:extLst>
+              <a:ext uri="{28A0092B-C50C-407E-A947-70E740481C1C}">
+                <a14:useLocalDpi xmlns:a14="http://schemas.microsoft.com/office/drawing/2010/main" val="0"/>
+              </a:ext>
+            </a:extLst>
+          </a:blip>
+          <a:srcRect/>
+          <a:stretch>
+            <a:fillRect/>
+          </a:stretch>
+        </p:blipFill>
+        <p:spPr bwMode="auto">
+          <a:xfrm>
+            <a:off x="5458580" y="2396913"/>
+            <a:ext cx="854645" cy="854645"/>
+          </a:xfrm>
+          <a:prstGeom prst="rect">
+            <a:avLst/>
+          </a:prstGeom>
+          <a:noFill/>
+          <a:extLst>
+            <a:ext uri="{909E8E84-426E-40DD-AFC4-6F175D3DCCD1}">
+              <a14:hiddenFill xmlns:a14="http://schemas.microsoft.com/office/drawing/2010/main">
+                <a:solidFill>
+                  <a:srgbClr val="FFFFFF"/>
+                </a:solidFill>
+              </a14:hiddenFill>
+            </a:ext>
+          </a:extLst>
+        </p:spPr>
+      </p:pic>
+      <p:cxnSp>
+        <p:nvCxnSpPr>
+          <p:cNvPr id="10" name="Connector: Elbow 9">
+            <a:extLst>
+              <a:ext uri="{FF2B5EF4-FFF2-40B4-BE49-F238E27FC236}">
+                <a16:creationId xmlns:a16="http://schemas.microsoft.com/office/drawing/2014/main" id="{583DE5B3-2923-49ED-87F6-A89045EE1311}"/>
+              </a:ext>
+            </a:extLst>
+          </p:cNvPr>
+          <p:cNvCxnSpPr>
+            <a:cxnSpLocks/>
+            <a:stCxn id="52" idx="1"/>
+            <a:endCxn id="2054" idx="0"/>
+          </p:cNvCxnSpPr>
+          <p:nvPr/>
+        </p:nvCxnSpPr>
+        <p:spPr>
+          <a:xfrm rot="10800000">
+            <a:off x="1571074" y="1859078"/>
+            <a:ext cx="3239415" cy="232389"/>
+          </a:xfrm>
+          <a:prstGeom prst="bentConnector4">
+            <a:avLst>
+              <a:gd name="adj1" fmla="val 40464"/>
+              <a:gd name="adj2" fmla="val 198370"/>
+            </a:avLst>
+          </a:prstGeom>
+          <a:ln>
+            <a:headEnd type="triangle"/>
+            <a:tailEnd type="triangle"/>
+          </a:ln>
+        </p:spPr>
+        <p:style>
+          <a:lnRef idx="1">
+            <a:schemeClr val="accent1"/>
+          </a:lnRef>
+          <a:fillRef idx="0">
+            <a:schemeClr val="accent1"/>
+          </a:fillRef>
+          <a:effectRef idx="0">
+            <a:schemeClr val="accent1"/>
+          </a:effectRef>
+          <a:fontRef idx="minor">
+            <a:schemeClr val="tx1"/>
+          </a:fontRef>
+        </p:style>
+      </p:cxnSp>
+      <p:pic>
+        <p:nvPicPr>
+          <p:cNvPr id="2064" name="Picture 16" descr="Javascript Icon #103936 - Free Icons Library">
+            <a:extLst>
+              <a:ext uri="{FF2B5EF4-FFF2-40B4-BE49-F238E27FC236}">
+                <a16:creationId xmlns:a16="http://schemas.microsoft.com/office/drawing/2014/main" id="{AD8FF608-DED7-4E94-8897-3EBB2029D326}"/>
+              </a:ext>
+            </a:extLst>
+          </p:cNvPr>
+          <p:cNvPicPr>
+            <a:picLocks noChangeAspect="1" noChangeArrowheads="1"/>
+          </p:cNvPicPr>
+          <p:nvPr/>
+        </p:nvPicPr>
+        <p:blipFill>
+          <a:blip r:embed="rId8">
+            <a:extLst>
+              <a:ext uri="{28A0092B-C50C-407E-A947-70E740481C1C}">
+                <a14:useLocalDpi xmlns:a14="http://schemas.microsoft.com/office/drawing/2010/main" val="0"/>
+              </a:ext>
+            </a:extLst>
+          </a:blip>
+          <a:srcRect/>
+          <a:stretch>
+            <a:fillRect/>
+          </a:stretch>
+        </p:blipFill>
+        <p:spPr bwMode="auto">
+          <a:xfrm>
+            <a:off x="8832411" y="5086211"/>
+            <a:ext cx="854645" cy="854645"/>
+          </a:xfrm>
+          <a:prstGeom prst="rect">
+            <a:avLst/>
+          </a:prstGeom>
+          <a:noFill/>
+          <a:extLst>
+            <a:ext uri="{909E8E84-426E-40DD-AFC4-6F175D3DCCD1}">
+              <a14:hiddenFill xmlns:a14="http://schemas.microsoft.com/office/drawing/2010/main">
+                <a:solidFill>
+                  <a:srgbClr val="FFFFFF"/>
+                </a:solidFill>
+              </a14:hiddenFill>
+            </a:ext>
+          </a:extLst>
+        </p:spPr>
+      </p:pic>
+      <p:pic>
+        <p:nvPicPr>
+          <p:cNvPr id="2066" name="Picture 18" descr="HTML Icon Flat - Icon Shop - Download free icons for commercial use">
+            <a:extLst>
+              <a:ext uri="{FF2B5EF4-FFF2-40B4-BE49-F238E27FC236}">
+                <a16:creationId xmlns:a16="http://schemas.microsoft.com/office/drawing/2014/main" id="{F08275BE-81EF-4C65-82F6-841E6B3172F7}"/>
+              </a:ext>
+            </a:extLst>
+          </p:cNvPr>
+          <p:cNvPicPr>
+            <a:picLocks noChangeAspect="1" noChangeArrowheads="1"/>
+          </p:cNvPicPr>
+          <p:nvPr/>
+        </p:nvPicPr>
+        <p:blipFill>
+          <a:blip r:embed="rId9">
+            <a:extLst>
+              <a:ext uri="{28A0092B-C50C-407E-A947-70E740481C1C}">
+                <a14:useLocalDpi xmlns:a14="http://schemas.microsoft.com/office/drawing/2010/main" val="0"/>
+              </a:ext>
+            </a:extLst>
+          </a:blip>
+          <a:srcRect/>
+          <a:stretch>
+            <a:fillRect/>
+          </a:stretch>
+        </p:blipFill>
+        <p:spPr bwMode="auto">
+          <a:xfrm>
+            <a:off x="10176062" y="5056814"/>
+            <a:ext cx="940109" cy="940109"/>
+          </a:xfrm>
+          <a:prstGeom prst="rect">
+            <a:avLst/>
+          </a:prstGeom>
+          <a:noFill/>
+          <a:extLst>
+            <a:ext uri="{909E8E84-426E-40DD-AFC4-6F175D3DCCD1}">
+              <a14:hiddenFill xmlns:a14="http://schemas.microsoft.com/office/drawing/2010/main">
+                <a:solidFill>
+                  <a:srgbClr val="FFFFFF"/>
+                </a:solidFill>
+              </a14:hiddenFill>
+            </a:ext>
+          </a:extLst>
+        </p:spPr>
+      </p:pic>
+      <p:cxnSp>
+        <p:nvCxnSpPr>
+          <p:cNvPr id="34" name="Connector: Elbow 33">
+            <a:extLst>
+              <a:ext uri="{FF2B5EF4-FFF2-40B4-BE49-F238E27FC236}">
+                <a16:creationId xmlns:a16="http://schemas.microsoft.com/office/drawing/2014/main" id="{F017ABE9-3539-402B-8C64-B3922925084A}"/>
+              </a:ext>
+            </a:extLst>
+          </p:cNvPr>
+          <p:cNvCxnSpPr>
+            <a:cxnSpLocks/>
+            <a:endCxn id="19" idx="0"/>
+          </p:cNvCxnSpPr>
+          <p:nvPr/>
+        </p:nvCxnSpPr>
+        <p:spPr>
+          <a:xfrm>
+            <a:off x="7398327" y="2785802"/>
+            <a:ext cx="2550289" cy="1712000"/>
+          </a:xfrm>
+          <a:prstGeom prst="bentConnector2">
+            <a:avLst/>
+          </a:prstGeom>
+          <a:ln>
+            <a:headEnd type="triangle"/>
+            <a:tailEnd type="triangle"/>
+          </a:ln>
+        </p:spPr>
+        <p:style>
+          <a:lnRef idx="1">
+            <a:schemeClr val="accent1"/>
+          </a:lnRef>
+          <a:fillRef idx="0">
+            <a:schemeClr val="accent1"/>
+          </a:fillRef>
+          <a:effectRef idx="0">
+            <a:schemeClr val="accent1"/>
+          </a:effectRef>
+          <a:fontRef idx="minor">
+            <a:schemeClr val="tx1"/>
+          </a:fontRef>
+        </p:style>
+      </p:cxnSp>
+      <p:sp>
+        <p:nvSpPr>
+          <p:cNvPr id="40" name="Rectangle: Rounded Corners 39">
+            <a:extLst>
+              <a:ext uri="{FF2B5EF4-FFF2-40B4-BE49-F238E27FC236}">
+                <a16:creationId xmlns:a16="http://schemas.microsoft.com/office/drawing/2014/main" id="{CCF24E85-4150-4E45-8F0E-F7736A0AB6F7}"/>
               </a:ext>
             </a:extLst>
           </p:cNvPr>
@@ -3839,12 +4329,24 @@
         </p:nvSpPr>
         <p:spPr>
           <a:xfrm>
-            <a:off x="5989782" y="1224704"/>
-            <a:ext cx="1967346" cy="637303"/>
-          </a:xfrm>
-          <a:prstGeom prst="rect">
-            <a:avLst/>
-          </a:prstGeom>
+            <a:off x="3356931" y="4497802"/>
+            <a:ext cx="4109939" cy="1824343"/>
+          </a:xfrm>
+          <a:prstGeom prst="roundRect">
+            <a:avLst/>
+          </a:prstGeom>
+          <a:solidFill>
+            <a:srgbClr val="92D050">
+              <a:alpha val="20000"/>
+            </a:srgbClr>
+          </a:solidFill>
+          <a:ln>
+            <a:solidFill>
+              <a:schemeClr val="accent1">
+                <a:shade val="50000"/>
+              </a:schemeClr>
+            </a:solidFill>
+          </a:ln>
         </p:spPr>
         <p:style>
           <a:lnRef idx="2">
@@ -3863,195 +4365,144 @@
           </a:fontRef>
         </p:style>
         <p:txBody>
-          <a:bodyPr rtlCol="0" anchor="ctr"/>
+          <a:bodyPr rtlCol="0" anchor="t"/>
           <a:lstStyle/>
           <a:p>
             <a:pPr algn="ctr"/>
             <a:r>
-              <a:rPr lang="en-US" dirty="0" err="1"/>
-              <a:t>PySpark</a:t>
-            </a:r>
-            <a:endParaRPr lang="en-US" dirty="0"/>
-          </a:p>
-        </p:txBody>
-      </p:sp>
-      <p:sp>
-        <p:nvSpPr>
-          <p:cNvPr id="14" name="Rectangle 13">
-            <a:extLst>
-              <a:ext uri="{FF2B5EF4-FFF2-40B4-BE49-F238E27FC236}">
-                <a16:creationId xmlns:a16="http://schemas.microsoft.com/office/drawing/2014/main" id="{49B581F3-6094-4BF3-8CD1-1C4CA6E0C05E}"/>
-              </a:ext>
-            </a:extLst>
-          </p:cNvPr>
-          <p:cNvSpPr/>
-          <p:nvPr/>
-        </p:nvSpPr>
-        <p:spPr>
-          <a:xfrm>
-            <a:off x="3925454" y="2384166"/>
-            <a:ext cx="1967346" cy="637303"/>
-          </a:xfrm>
-          <a:prstGeom prst="rect">
-            <a:avLst/>
-          </a:prstGeom>
-        </p:spPr>
-        <p:style>
-          <a:lnRef idx="2">
-            <a:schemeClr val="accent1">
-              <a:shade val="50000"/>
-            </a:schemeClr>
-          </a:lnRef>
-          <a:fillRef idx="1">
-            <a:schemeClr val="accent1"/>
-          </a:fillRef>
-          <a:effectRef idx="0">
-            <a:schemeClr val="accent1"/>
-          </a:effectRef>
-          <a:fontRef idx="minor">
-            <a:schemeClr val="lt1"/>
-          </a:fontRef>
-        </p:style>
-        <p:txBody>
-          <a:bodyPr rtlCol="0" anchor="ctr"/>
-          <a:lstStyle/>
-          <a:p>
-            <a:pPr algn="ctr"/>
-            <a:r>
-              <a:rPr lang="en-US" dirty="0"/>
-              <a:t>PostgreSQL</a:t>
-            </a:r>
-          </a:p>
-        </p:txBody>
-      </p:sp>
-      <p:sp>
-        <p:nvSpPr>
-          <p:cNvPr id="15" name="Rectangle 14">
-            <a:extLst>
-              <a:ext uri="{FF2B5EF4-FFF2-40B4-BE49-F238E27FC236}">
-                <a16:creationId xmlns:a16="http://schemas.microsoft.com/office/drawing/2014/main" id="{50C1AF91-81CC-4910-922E-F8573EABE1B5}"/>
-              </a:ext>
-            </a:extLst>
-          </p:cNvPr>
-          <p:cNvSpPr/>
-          <p:nvPr/>
-        </p:nvSpPr>
-        <p:spPr>
-          <a:xfrm>
-            <a:off x="5989782" y="2384166"/>
-            <a:ext cx="1967346" cy="637303"/>
-          </a:xfrm>
-          <a:prstGeom prst="rect">
-            <a:avLst/>
-          </a:prstGeom>
-        </p:spPr>
-        <p:style>
-          <a:lnRef idx="2">
-            <a:schemeClr val="accent1">
-              <a:shade val="50000"/>
-            </a:schemeClr>
-          </a:lnRef>
-          <a:fillRef idx="1">
-            <a:schemeClr val="accent1"/>
-          </a:fillRef>
-          <a:effectRef idx="0">
-            <a:schemeClr val="accent1"/>
-          </a:effectRef>
-          <a:fontRef idx="minor">
-            <a:schemeClr val="lt1"/>
-          </a:fontRef>
-        </p:style>
-        <p:txBody>
-          <a:bodyPr rtlCol="0" anchor="ctr"/>
-          <a:lstStyle/>
-          <a:p>
-            <a:pPr algn="ctr"/>
-            <a:r>
-              <a:rPr lang="en-US" dirty="0"/>
-              <a:t>MongoDB</a:t>
-            </a:r>
-          </a:p>
-        </p:txBody>
-      </p:sp>
-      <p:sp>
-        <p:nvSpPr>
-          <p:cNvPr id="16" name="Rectangle 15">
-            <a:extLst>
-              <a:ext uri="{FF2B5EF4-FFF2-40B4-BE49-F238E27FC236}">
-                <a16:creationId xmlns:a16="http://schemas.microsoft.com/office/drawing/2014/main" id="{16036D38-393B-4146-8BCB-258327D00E4A}"/>
-              </a:ext>
-            </a:extLst>
-          </p:cNvPr>
-          <p:cNvSpPr/>
-          <p:nvPr/>
-        </p:nvSpPr>
-        <p:spPr>
-          <a:xfrm>
-            <a:off x="508000" y="3428999"/>
-            <a:ext cx="2835564" cy="637309"/>
-          </a:xfrm>
-          <a:prstGeom prst="rect">
-            <a:avLst/>
-          </a:prstGeom>
-          <a:noFill/>
-          <a:ln>
-            <a:noFill/>
-          </a:ln>
-        </p:spPr>
-        <p:style>
-          <a:lnRef idx="2">
-            <a:schemeClr val="accent1">
-              <a:shade val="50000"/>
-            </a:schemeClr>
-          </a:lnRef>
-          <a:fillRef idx="1">
-            <a:schemeClr val="accent1"/>
-          </a:fillRef>
-          <a:effectRef idx="0">
-            <a:schemeClr val="accent1"/>
-          </a:effectRef>
-          <a:fontRef idx="minor">
-            <a:schemeClr val="lt1"/>
-          </a:fontRef>
-        </p:style>
-        <p:txBody>
-          <a:bodyPr rtlCol="0" anchor="ctr"/>
-          <a:lstStyle/>
-          <a:p>
-            <a:pPr algn="ctr"/>
-            <a:r>
-              <a:rPr lang="en-US" dirty="0">
+              <a:rPr lang="en-US" b="1" dirty="0">
                 <a:solidFill>
                   <a:schemeClr val="tx1"/>
                 </a:solidFill>
               </a:rPr>
-              <a:t>Data Storage / Hosting</a:t>
-            </a:r>
-          </a:p>
-        </p:txBody>
-      </p:sp>
+              <a:t>ML</a:t>
+            </a:r>
+          </a:p>
+        </p:txBody>
+      </p:sp>
+      <p:pic>
+        <p:nvPicPr>
+          <p:cNvPr id="2068" name="Picture 20">
+            <a:extLst>
+              <a:ext uri="{FF2B5EF4-FFF2-40B4-BE49-F238E27FC236}">
+                <a16:creationId xmlns:a16="http://schemas.microsoft.com/office/drawing/2014/main" id="{9B5B78B3-CB16-46A0-94DC-A4F3CC0E40AD}"/>
+              </a:ext>
+            </a:extLst>
+          </p:cNvPr>
+          <p:cNvPicPr>
+            <a:picLocks noChangeAspect="1" noChangeArrowheads="1"/>
+          </p:cNvPicPr>
+          <p:nvPr/>
+        </p:nvPicPr>
+        <p:blipFill>
+          <a:blip r:embed="rId10">
+            <a:extLst>
+              <a:ext uri="{28A0092B-C50C-407E-A947-70E740481C1C}">
+                <a14:useLocalDpi xmlns:a14="http://schemas.microsoft.com/office/drawing/2010/main" val="0"/>
+              </a:ext>
+            </a:extLst>
+          </a:blip>
+          <a:srcRect/>
+          <a:stretch>
+            <a:fillRect/>
+          </a:stretch>
+        </p:blipFill>
+        <p:spPr bwMode="auto">
+          <a:xfrm>
+            <a:off x="3599108" y="5108410"/>
+            <a:ext cx="1361581" cy="732914"/>
+          </a:xfrm>
+          <a:prstGeom prst="rect">
+            <a:avLst/>
+          </a:prstGeom>
+          <a:noFill/>
+          <a:extLst>
+            <a:ext uri="{909E8E84-426E-40DD-AFC4-6F175D3DCCD1}">
+              <a14:hiddenFill xmlns:a14="http://schemas.microsoft.com/office/drawing/2010/main">
+                <a:solidFill>
+                  <a:srgbClr val="FFFFFF"/>
+                </a:solidFill>
+              </a14:hiddenFill>
+            </a:ext>
+          </a:extLst>
+        </p:spPr>
+      </p:pic>
+      <p:pic>
+        <p:nvPicPr>
+          <p:cNvPr id="2070" name="Picture 22" descr="Tensorflow Logo [ Download - Logo - icon ] png svg">
+            <a:extLst>
+              <a:ext uri="{FF2B5EF4-FFF2-40B4-BE49-F238E27FC236}">
+                <a16:creationId xmlns:a16="http://schemas.microsoft.com/office/drawing/2014/main" id="{C87052B0-5384-43BB-B236-E701D2FB579B}"/>
+              </a:ext>
+            </a:extLst>
+          </p:cNvPr>
+          <p:cNvPicPr>
+            <a:picLocks noChangeAspect="1" noChangeArrowheads="1"/>
+          </p:cNvPicPr>
+          <p:nvPr/>
+        </p:nvPicPr>
+        <p:blipFill>
+          <a:blip r:embed="rId11">
+            <a:extLst>
+              <a:ext uri="{28A0092B-C50C-407E-A947-70E740481C1C}">
+                <a14:useLocalDpi xmlns:a14="http://schemas.microsoft.com/office/drawing/2010/main" val="0"/>
+              </a:ext>
+            </a:extLst>
+          </a:blip>
+          <a:srcRect/>
+          <a:stretch>
+            <a:fillRect/>
+          </a:stretch>
+        </p:blipFill>
+        <p:spPr bwMode="auto">
+          <a:xfrm>
+            <a:off x="5407287" y="4925246"/>
+            <a:ext cx="1612985" cy="1091452"/>
+          </a:xfrm>
+          <a:prstGeom prst="rect">
+            <a:avLst/>
+          </a:prstGeom>
+          <a:noFill/>
+          <a:extLst>
+            <a:ext uri="{909E8E84-426E-40DD-AFC4-6F175D3DCCD1}">
+              <a14:hiddenFill xmlns:a14="http://schemas.microsoft.com/office/drawing/2010/main">
+                <a:solidFill>
+                  <a:srgbClr val="FFFFFF"/>
+                </a:solidFill>
+              </a14:hiddenFill>
+            </a:ext>
+          </a:extLst>
+        </p:spPr>
+      </p:pic>
       <p:cxnSp>
         <p:nvCxnSpPr>
-          <p:cNvPr id="17" name="Straight Connector 16">
-            <a:extLst>
-              <a:ext uri="{FF2B5EF4-FFF2-40B4-BE49-F238E27FC236}">
-                <a16:creationId xmlns:a16="http://schemas.microsoft.com/office/drawing/2014/main" id="{628AA5AD-71ED-44C2-A5EB-37CCDB829C66}"/>
+          <p:cNvPr id="43" name="Connector: Elbow 42">
+            <a:extLst>
+              <a:ext uri="{FF2B5EF4-FFF2-40B4-BE49-F238E27FC236}">
+                <a16:creationId xmlns:a16="http://schemas.microsoft.com/office/drawing/2014/main" id="{AA2E90B7-D731-40C2-9A1A-09946978F645}"/>
               </a:ext>
             </a:extLst>
           </p:cNvPr>
           <p:cNvCxnSpPr>
             <a:cxnSpLocks/>
+            <a:endCxn id="40" idx="0"/>
           </p:cNvCxnSpPr>
           <p:nvPr/>
         </p:nvCxnSpPr>
         <p:spPr>
-          <a:xfrm>
-            <a:off x="498762" y="4365245"/>
-            <a:ext cx="10427855" cy="0"/>
-          </a:xfrm>
-          <a:prstGeom prst="line">
-            <a:avLst/>
-          </a:prstGeom>
+          <a:xfrm rot="16200000" flipH="1">
+            <a:off x="4681751" y="3767651"/>
+            <a:ext cx="995459" cy="464842"/>
+          </a:xfrm>
+          <a:prstGeom prst="bentConnector3">
+            <a:avLst>
+              <a:gd name="adj1" fmla="val 50000"/>
+            </a:avLst>
+          </a:prstGeom>
+          <a:ln>
+            <a:headEnd type="triangle"/>
+            <a:tailEnd type="triangle"/>
+          </a:ln>
         </p:spPr>
         <p:style>
           <a:lnRef idx="1">
@@ -4068,750 +4519,234 @@
           </a:fontRef>
         </p:style>
       </p:cxnSp>
-      <p:sp>
-        <p:nvSpPr>
-          <p:cNvPr id="18" name="Rectangle 17">
-            <a:extLst>
-              <a:ext uri="{FF2B5EF4-FFF2-40B4-BE49-F238E27FC236}">
-                <a16:creationId xmlns:a16="http://schemas.microsoft.com/office/drawing/2014/main" id="{107F97FF-9B95-4945-876D-2D651B857846}"/>
-              </a:ext>
-            </a:extLst>
-          </p:cNvPr>
-          <p:cNvSpPr/>
-          <p:nvPr/>
-        </p:nvSpPr>
-        <p:spPr>
-          <a:xfrm>
-            <a:off x="3925454" y="3468644"/>
-            <a:ext cx="1967346" cy="637303"/>
+      <p:pic>
+        <p:nvPicPr>
+          <p:cNvPr id="50" name="Picture 10" descr="Cloud-Icon - Voonami, Inc.">
+            <a:extLst>
+              <a:ext uri="{FF2B5EF4-FFF2-40B4-BE49-F238E27FC236}">
+                <a16:creationId xmlns:a16="http://schemas.microsoft.com/office/drawing/2014/main" id="{E4C5302C-87AC-4ECF-A518-5D77513D40C4}"/>
+              </a:ext>
+            </a:extLst>
+          </p:cNvPr>
+          <p:cNvPicPr>
+            <a:picLocks noChangeAspect="1" noChangeArrowheads="1"/>
+          </p:cNvPicPr>
+          <p:nvPr/>
+        </p:nvPicPr>
+        <p:blipFill>
+          <a:blip r:embed="rId2">
+            <a:extLst>
+              <a:ext uri="{28A0092B-C50C-407E-A947-70E740481C1C}">
+                <a14:useLocalDpi xmlns:a14="http://schemas.microsoft.com/office/drawing/2010/main" val="0"/>
+              </a:ext>
+            </a:extLst>
+          </a:blip>
+          <a:srcRect/>
+          <a:stretch>
+            <a:fillRect/>
+          </a:stretch>
+        </p:blipFill>
+        <p:spPr bwMode="auto">
+          <a:xfrm>
+            <a:off x="3706071" y="1221404"/>
+            <a:ext cx="3857232" cy="3007066"/>
           </a:xfrm>
           <a:prstGeom prst="rect">
             <a:avLst/>
           </a:prstGeom>
+          <a:noFill/>
+          <a:extLst>
+            <a:ext uri="{909E8E84-426E-40DD-AFC4-6F175D3DCCD1}">
+              <a14:hiddenFill xmlns:a14="http://schemas.microsoft.com/office/drawing/2010/main">
+                <a:solidFill>
+                  <a:srgbClr val="FFFFFF"/>
+                </a:solidFill>
+              </a14:hiddenFill>
+            </a:ext>
+          </a:extLst>
+        </p:spPr>
+      </p:pic>
+      <p:cxnSp>
+        <p:nvCxnSpPr>
+          <p:cNvPr id="57" name="Connector: Elbow 56">
+            <a:extLst>
+              <a:ext uri="{FF2B5EF4-FFF2-40B4-BE49-F238E27FC236}">
+                <a16:creationId xmlns:a16="http://schemas.microsoft.com/office/drawing/2014/main" id="{6CC78C2C-404C-456B-A056-9541163D10F7}"/>
+              </a:ext>
+            </a:extLst>
+          </p:cNvPr>
+          <p:cNvCxnSpPr>
+            <a:cxnSpLocks/>
+            <a:stCxn id="52" idx="3"/>
+          </p:cNvCxnSpPr>
+          <p:nvPr/>
+        </p:nvCxnSpPr>
+        <p:spPr>
+          <a:xfrm flipH="1">
+            <a:off x="6096000" y="2091466"/>
+            <a:ext cx="577953" cy="516312"/>
+          </a:xfrm>
+          <a:prstGeom prst="bentConnector3">
+            <a:avLst>
+              <a:gd name="adj1" fmla="val -109870"/>
+            </a:avLst>
+          </a:prstGeom>
+          <a:ln>
+            <a:headEnd type="triangle"/>
+            <a:tailEnd type="triangle"/>
+          </a:ln>
         </p:spPr>
         <p:style>
-          <a:lnRef idx="2">
-            <a:schemeClr val="accent1">
-              <a:shade val="50000"/>
-            </a:schemeClr>
+          <a:lnRef idx="1">
+            <a:schemeClr val="accent1"/>
           </a:lnRef>
-          <a:fillRef idx="1">
+          <a:fillRef idx="0">
             <a:schemeClr val="accent1"/>
           </a:fillRef>
           <a:effectRef idx="0">
             <a:schemeClr val="accent1"/>
           </a:effectRef>
           <a:fontRef idx="minor">
-            <a:schemeClr val="lt1"/>
+            <a:schemeClr val="tx1"/>
           </a:fontRef>
         </p:style>
-        <p:txBody>
-          <a:bodyPr rtlCol="0" anchor="ctr"/>
-          <a:lstStyle/>
-          <a:p>
-            <a:pPr algn="ctr"/>
-            <a:r>
-              <a:rPr lang="en-US" dirty="0"/>
-              <a:t>AWS</a:t>
-            </a:r>
-          </a:p>
-        </p:txBody>
-      </p:sp>
-      <p:sp>
-        <p:nvSpPr>
-          <p:cNvPr id="19" name="Rectangle 18">
-            <a:extLst>
-              <a:ext uri="{FF2B5EF4-FFF2-40B4-BE49-F238E27FC236}">
-                <a16:creationId xmlns:a16="http://schemas.microsoft.com/office/drawing/2014/main" id="{63A01FF3-456A-41EE-890B-AFDBF9CCBECF}"/>
-              </a:ext>
-            </a:extLst>
-          </p:cNvPr>
-          <p:cNvSpPr/>
-          <p:nvPr/>
-        </p:nvSpPr>
-        <p:spPr>
-          <a:xfrm>
-            <a:off x="5989782" y="3464809"/>
-            <a:ext cx="1967346" cy="637303"/>
+      </p:cxnSp>
+      <p:sp>
+        <p:nvSpPr>
+          <p:cNvPr id="2073" name="TextBox 2072">
+            <a:extLst>
+              <a:ext uri="{FF2B5EF4-FFF2-40B4-BE49-F238E27FC236}">
+                <a16:creationId xmlns:a16="http://schemas.microsoft.com/office/drawing/2014/main" id="{CA0C433C-B0FB-4A93-A0E0-51125C2C5D0E}"/>
+              </a:ext>
+            </a:extLst>
+          </p:cNvPr>
+          <p:cNvSpPr txBox="1"/>
+          <p:nvPr/>
+        </p:nvSpPr>
+        <p:spPr>
+          <a:xfrm>
+            <a:off x="1737189" y="3502343"/>
+            <a:ext cx="1409660" cy="369332"/>
           </a:xfrm>
           <a:prstGeom prst="rect">
             <a:avLst/>
           </a:prstGeom>
-        </p:spPr>
-        <p:style>
-          <a:lnRef idx="2">
-            <a:schemeClr val="accent1">
-              <a:shade val="50000"/>
-            </a:schemeClr>
-          </a:lnRef>
-          <a:fillRef idx="1">
-            <a:schemeClr val="accent1"/>
-          </a:fillRef>
-          <a:effectRef idx="0">
-            <a:schemeClr val="accent1"/>
-          </a:effectRef>
-          <a:fontRef idx="minor">
-            <a:schemeClr val="lt1"/>
-          </a:fontRef>
-        </p:style>
-        <p:txBody>
-          <a:bodyPr rtlCol="0" anchor="ctr"/>
-          <a:lstStyle/>
-          <a:p>
-            <a:pPr algn="ctr"/>
-            <a:r>
-              <a:rPr lang="en-US" dirty="0"/>
-              <a:t>Local DB</a:t>
-            </a:r>
-          </a:p>
-        </p:txBody>
-      </p:sp>
-      <p:sp>
-        <p:nvSpPr>
-          <p:cNvPr id="20" name="Rectangle 19">
-            <a:extLst>
-              <a:ext uri="{FF2B5EF4-FFF2-40B4-BE49-F238E27FC236}">
-                <a16:creationId xmlns:a16="http://schemas.microsoft.com/office/drawing/2014/main" id="{EE5F657C-C176-453C-A146-FCAEC52E8CE5}"/>
-              </a:ext>
-            </a:extLst>
-          </p:cNvPr>
-          <p:cNvSpPr/>
-          <p:nvPr/>
-        </p:nvSpPr>
-        <p:spPr>
-          <a:xfrm>
-            <a:off x="3925454" y="4602553"/>
-            <a:ext cx="1967346" cy="637303"/>
-          </a:xfrm>
-          <a:prstGeom prst="rect">
-            <a:avLst/>
-          </a:prstGeom>
-        </p:spPr>
-        <p:style>
-          <a:lnRef idx="2">
-            <a:schemeClr val="accent1">
-              <a:shade val="50000"/>
-            </a:schemeClr>
-          </a:lnRef>
-          <a:fillRef idx="1">
-            <a:schemeClr val="accent1"/>
-          </a:fillRef>
-          <a:effectRef idx="0">
-            <a:schemeClr val="accent1"/>
-          </a:effectRef>
-          <a:fontRef idx="minor">
-            <a:schemeClr val="lt1"/>
-          </a:fontRef>
-        </p:style>
-        <p:txBody>
-          <a:bodyPr rtlCol="0" anchor="ctr"/>
-          <a:lstStyle/>
-          <a:p>
-            <a:pPr algn="ctr"/>
-            <a:r>
-              <a:rPr lang="en-US" dirty="0"/>
-              <a:t>Sci Kit Learn</a:t>
-            </a:r>
-          </a:p>
-        </p:txBody>
-      </p:sp>
-      <p:sp>
-        <p:nvSpPr>
-          <p:cNvPr id="21" name="Rectangle 20">
-            <a:extLst>
-              <a:ext uri="{FF2B5EF4-FFF2-40B4-BE49-F238E27FC236}">
-                <a16:creationId xmlns:a16="http://schemas.microsoft.com/office/drawing/2014/main" id="{22A88DF5-8F7E-4CC6-995A-CCC8D12D9AC8}"/>
-              </a:ext>
-            </a:extLst>
-          </p:cNvPr>
-          <p:cNvSpPr/>
-          <p:nvPr/>
-        </p:nvSpPr>
-        <p:spPr>
-          <a:xfrm>
-            <a:off x="5989782" y="4602356"/>
-            <a:ext cx="1967346" cy="637303"/>
-          </a:xfrm>
-          <a:prstGeom prst="rect">
-            <a:avLst/>
-          </a:prstGeom>
-        </p:spPr>
-        <p:style>
-          <a:lnRef idx="2">
-            <a:schemeClr val="accent1">
-              <a:shade val="50000"/>
-            </a:schemeClr>
-          </a:lnRef>
-          <a:fillRef idx="1">
-            <a:schemeClr val="accent1"/>
-          </a:fillRef>
-          <a:effectRef idx="0">
-            <a:schemeClr val="accent1"/>
-          </a:effectRef>
-          <a:fontRef idx="minor">
-            <a:schemeClr val="lt1"/>
-          </a:fontRef>
-        </p:style>
-        <p:txBody>
-          <a:bodyPr rtlCol="0" anchor="ctr"/>
-          <a:lstStyle/>
-          <a:p>
-            <a:pPr algn="ctr"/>
-            <a:r>
-              <a:rPr lang="en-US" dirty="0"/>
-              <a:t>Tensor Flow</a:t>
-            </a:r>
-          </a:p>
-        </p:txBody>
-      </p:sp>
-      <p:sp>
-        <p:nvSpPr>
-          <p:cNvPr id="22" name="Rectangle 21">
-            <a:extLst>
-              <a:ext uri="{FF2B5EF4-FFF2-40B4-BE49-F238E27FC236}">
-                <a16:creationId xmlns:a16="http://schemas.microsoft.com/office/drawing/2014/main" id="{5A838AED-04C3-4231-B0EE-810590807C32}"/>
-              </a:ext>
-            </a:extLst>
-          </p:cNvPr>
-          <p:cNvSpPr/>
-          <p:nvPr/>
-        </p:nvSpPr>
-        <p:spPr>
-          <a:xfrm>
-            <a:off x="3925454" y="5649397"/>
-            <a:ext cx="1967346" cy="637303"/>
-          </a:xfrm>
-          <a:prstGeom prst="rect">
-            <a:avLst/>
-          </a:prstGeom>
-        </p:spPr>
-        <p:style>
-          <a:lnRef idx="2">
-            <a:schemeClr val="accent1">
-              <a:shade val="50000"/>
-            </a:schemeClr>
-          </a:lnRef>
-          <a:fillRef idx="1">
-            <a:schemeClr val="accent1"/>
-          </a:fillRef>
-          <a:effectRef idx="0">
-            <a:schemeClr val="accent1"/>
-          </a:effectRef>
-          <a:fontRef idx="minor">
-            <a:schemeClr val="lt1"/>
-          </a:fontRef>
-        </p:style>
-        <p:txBody>
-          <a:bodyPr rtlCol="0" anchor="ctr"/>
-          <a:lstStyle/>
-          <a:p>
-            <a:pPr algn="ctr"/>
-            <a:r>
-              <a:rPr lang="en-US" dirty="0"/>
-              <a:t>Java Script</a:t>
-            </a:r>
-          </a:p>
-        </p:txBody>
-      </p:sp>
-      <p:sp>
-        <p:nvSpPr>
-          <p:cNvPr id="23" name="Rectangle 22">
-            <a:extLst>
-              <a:ext uri="{FF2B5EF4-FFF2-40B4-BE49-F238E27FC236}">
-                <a16:creationId xmlns:a16="http://schemas.microsoft.com/office/drawing/2014/main" id="{147D439A-33D0-42BE-B8AB-F99EAD962590}"/>
-              </a:ext>
-            </a:extLst>
-          </p:cNvPr>
-          <p:cNvSpPr/>
-          <p:nvPr/>
-        </p:nvSpPr>
-        <p:spPr>
-          <a:xfrm>
-            <a:off x="5989782" y="5649397"/>
-            <a:ext cx="1967346" cy="637303"/>
-          </a:xfrm>
-          <a:prstGeom prst="rect">
-            <a:avLst/>
-          </a:prstGeom>
-        </p:spPr>
-        <p:style>
-          <a:lnRef idx="2">
-            <a:schemeClr val="accent1">
-              <a:shade val="50000"/>
-            </a:schemeClr>
-          </a:lnRef>
-          <a:fillRef idx="1">
-            <a:schemeClr val="accent1"/>
-          </a:fillRef>
-          <a:effectRef idx="0">
-            <a:schemeClr val="accent1"/>
-          </a:effectRef>
-          <a:fontRef idx="minor">
-            <a:schemeClr val="lt1"/>
-          </a:fontRef>
-        </p:style>
-        <p:txBody>
-          <a:bodyPr rtlCol="0" anchor="ctr"/>
-          <a:lstStyle/>
-          <a:p>
-            <a:pPr algn="ctr"/>
-            <a:r>
-              <a:rPr lang="en-US" dirty="0"/>
-              <a:t>Tableau</a:t>
-            </a:r>
-          </a:p>
-        </p:txBody>
-      </p:sp>
-      <p:sp>
-        <p:nvSpPr>
-          <p:cNvPr id="24" name="Rectangle 23">
-            <a:extLst>
-              <a:ext uri="{FF2B5EF4-FFF2-40B4-BE49-F238E27FC236}">
-                <a16:creationId xmlns:a16="http://schemas.microsoft.com/office/drawing/2014/main" id="{C975C5C6-6F01-4E6C-8D41-4A3E57D3AB46}"/>
-              </a:ext>
-            </a:extLst>
-          </p:cNvPr>
-          <p:cNvSpPr/>
-          <p:nvPr/>
-        </p:nvSpPr>
-        <p:spPr>
-          <a:xfrm>
-            <a:off x="8054110" y="5649397"/>
-            <a:ext cx="1967346" cy="637303"/>
-          </a:xfrm>
-          <a:prstGeom prst="rect">
-            <a:avLst/>
-          </a:prstGeom>
-        </p:spPr>
-        <p:style>
-          <a:lnRef idx="2">
-            <a:schemeClr val="accent1">
-              <a:shade val="50000"/>
-            </a:schemeClr>
-          </a:lnRef>
-          <a:fillRef idx="1">
-            <a:schemeClr val="accent1"/>
-          </a:fillRef>
-          <a:effectRef idx="0">
-            <a:schemeClr val="accent1"/>
-          </a:effectRef>
-          <a:fontRef idx="minor">
-            <a:schemeClr val="lt1"/>
-          </a:fontRef>
-        </p:style>
-        <p:txBody>
-          <a:bodyPr rtlCol="0" anchor="ctr"/>
-          <a:lstStyle/>
-          <a:p>
-            <a:pPr algn="ctr"/>
-            <a:r>
-              <a:rPr lang="en-US" dirty="0"/>
-              <a:t>Flask Web Server/ </a:t>
-            </a:r>
-            <a:r>
-              <a:rPr lang="en-US" dirty="0" err="1"/>
-              <a:t>SQLAlchemy</a:t>
-            </a:r>
-            <a:endParaRPr lang="en-US" dirty="0"/>
-          </a:p>
-        </p:txBody>
-      </p:sp>
-      <p:sp>
-        <p:nvSpPr>
-          <p:cNvPr id="25" name="Rectangle 24">
-            <a:extLst>
-              <a:ext uri="{FF2B5EF4-FFF2-40B4-BE49-F238E27FC236}">
-                <a16:creationId xmlns:a16="http://schemas.microsoft.com/office/drawing/2014/main" id="{223EBC58-8C52-4A61-8CA5-BE4CC24AECB3}"/>
-              </a:ext>
-            </a:extLst>
-          </p:cNvPr>
-          <p:cNvSpPr/>
-          <p:nvPr/>
-        </p:nvSpPr>
-        <p:spPr>
-          <a:xfrm>
-            <a:off x="8054110" y="1222179"/>
-            <a:ext cx="1967346" cy="637303"/>
-          </a:xfrm>
-          <a:prstGeom prst="rect">
-            <a:avLst/>
-          </a:prstGeom>
-        </p:spPr>
-        <p:style>
-          <a:lnRef idx="2">
-            <a:schemeClr val="accent1">
-              <a:shade val="50000"/>
-            </a:schemeClr>
-          </a:lnRef>
-          <a:fillRef idx="1">
-            <a:schemeClr val="accent1"/>
-          </a:fillRef>
-          <a:effectRef idx="0">
-            <a:schemeClr val="accent1"/>
-          </a:effectRef>
-          <a:fontRef idx="minor">
-            <a:schemeClr val="lt1"/>
-          </a:fontRef>
-        </p:style>
-        <p:txBody>
-          <a:bodyPr rtlCol="0" anchor="ctr"/>
-          <a:lstStyle/>
-          <a:p>
-            <a:pPr algn="ctr"/>
-            <a:r>
-              <a:rPr lang="en-US" dirty="0"/>
-              <a:t>Java Script</a:t>
-            </a:r>
-          </a:p>
-        </p:txBody>
-      </p:sp>
-      <p:sp>
-        <p:nvSpPr>
-          <p:cNvPr id="26" name="Rectangle 25">
-            <a:extLst>
-              <a:ext uri="{FF2B5EF4-FFF2-40B4-BE49-F238E27FC236}">
-                <a16:creationId xmlns:a16="http://schemas.microsoft.com/office/drawing/2014/main" id="{72DC9029-1ABD-4471-AFD8-8899FD7A5473}"/>
-              </a:ext>
-            </a:extLst>
-          </p:cNvPr>
-          <p:cNvSpPr/>
-          <p:nvPr/>
-        </p:nvSpPr>
-        <p:spPr>
-          <a:xfrm>
-            <a:off x="8054110" y="2381718"/>
-            <a:ext cx="1967346" cy="637303"/>
-          </a:xfrm>
-          <a:prstGeom prst="rect">
-            <a:avLst/>
-          </a:prstGeom>
-        </p:spPr>
-        <p:style>
-          <a:lnRef idx="2">
-            <a:schemeClr val="accent1">
-              <a:shade val="50000"/>
-            </a:schemeClr>
-          </a:lnRef>
-          <a:fillRef idx="1">
-            <a:schemeClr val="accent1"/>
-          </a:fillRef>
-          <a:effectRef idx="0">
-            <a:schemeClr val="accent1"/>
-          </a:effectRef>
-          <a:fontRef idx="minor">
-            <a:schemeClr val="lt1"/>
-          </a:fontRef>
-        </p:style>
-        <p:txBody>
-          <a:bodyPr rtlCol="0" anchor="ctr"/>
-          <a:lstStyle/>
-          <a:p>
-            <a:pPr algn="ctr"/>
-            <a:r>
-              <a:rPr lang="en-US" dirty="0"/>
-              <a:t>SQLite</a:t>
-            </a:r>
-          </a:p>
-        </p:txBody>
-      </p:sp>
-      <p:sp>
-        <p:nvSpPr>
-          <p:cNvPr id="28" name="Rectangle: Rounded Corners 27">
-            <a:extLst>
-              <a:ext uri="{FF2B5EF4-FFF2-40B4-BE49-F238E27FC236}">
-                <a16:creationId xmlns:a16="http://schemas.microsoft.com/office/drawing/2014/main" id="{92BC8738-7FBC-4057-A7B4-93E49AA8AAFE}"/>
-              </a:ext>
-            </a:extLst>
-          </p:cNvPr>
-          <p:cNvSpPr/>
-          <p:nvPr/>
-        </p:nvSpPr>
-        <p:spPr>
-          <a:xfrm>
-            <a:off x="3811192" y="1163843"/>
-            <a:ext cx="2178589" cy="762250"/>
-          </a:xfrm>
-          <a:prstGeom prst="roundRect">
-            <a:avLst/>
-          </a:prstGeom>
           <a:noFill/>
-          <a:ln w="25400">
-            <a:solidFill>
-              <a:srgbClr val="00B050"/>
-            </a:solidFill>
-          </a:ln>
-        </p:spPr>
-        <p:style>
-          <a:lnRef idx="2">
-            <a:schemeClr val="accent1">
-              <a:shade val="50000"/>
-            </a:schemeClr>
-          </a:lnRef>
-          <a:fillRef idx="1">
-            <a:schemeClr val="accent1"/>
-          </a:fillRef>
-          <a:effectRef idx="0">
-            <a:schemeClr val="accent1"/>
-          </a:effectRef>
-          <a:fontRef idx="minor">
-            <a:schemeClr val="lt1"/>
-          </a:fontRef>
-        </p:style>
-        <p:txBody>
-          <a:bodyPr rtlCol="0" anchor="ctr"/>
-          <a:lstStyle/>
-          <a:p>
-            <a:pPr algn="ctr"/>
-            <a:endParaRPr lang="en-US"/>
-          </a:p>
-        </p:txBody>
-      </p:sp>
-      <p:sp>
-        <p:nvSpPr>
-          <p:cNvPr id="29" name="Rectangle: Rounded Corners 28">
-            <a:extLst>
-              <a:ext uri="{FF2B5EF4-FFF2-40B4-BE49-F238E27FC236}">
-                <a16:creationId xmlns:a16="http://schemas.microsoft.com/office/drawing/2014/main" id="{F43B66A3-F4B3-4477-B249-333EE4145F25}"/>
-              </a:ext>
-            </a:extLst>
-          </p:cNvPr>
-          <p:cNvSpPr/>
-          <p:nvPr/>
-        </p:nvSpPr>
-        <p:spPr>
-          <a:xfrm>
-            <a:off x="3819832" y="3408594"/>
-            <a:ext cx="2178589" cy="762250"/>
-          </a:xfrm>
-          <a:prstGeom prst="roundRect">
-            <a:avLst/>
-          </a:prstGeom>
-          <a:noFill/>
-          <a:ln w="25400">
-            <a:solidFill>
-              <a:srgbClr val="00B050"/>
-            </a:solidFill>
-          </a:ln>
-        </p:spPr>
-        <p:style>
-          <a:lnRef idx="2">
-            <a:schemeClr val="accent1">
-              <a:shade val="50000"/>
-            </a:schemeClr>
-          </a:lnRef>
-          <a:fillRef idx="1">
-            <a:schemeClr val="accent1"/>
-          </a:fillRef>
-          <a:effectRef idx="0">
-            <a:schemeClr val="accent1"/>
-          </a:effectRef>
-          <a:fontRef idx="minor">
-            <a:schemeClr val="lt1"/>
-          </a:fontRef>
-        </p:style>
-        <p:txBody>
-          <a:bodyPr rtlCol="0" anchor="ctr"/>
-          <a:lstStyle/>
-          <a:p>
-            <a:pPr algn="ctr"/>
-            <a:endParaRPr lang="en-US"/>
-          </a:p>
-        </p:txBody>
-      </p:sp>
-      <p:sp>
-        <p:nvSpPr>
-          <p:cNvPr id="30" name="Rectangle: Rounded Corners 29">
-            <a:extLst>
-              <a:ext uri="{FF2B5EF4-FFF2-40B4-BE49-F238E27FC236}">
-                <a16:creationId xmlns:a16="http://schemas.microsoft.com/office/drawing/2014/main" id="{AF7F7A3B-9064-4B78-920E-63B7F0E15F8A}"/>
-              </a:ext>
-            </a:extLst>
-          </p:cNvPr>
-          <p:cNvSpPr/>
-          <p:nvPr/>
-        </p:nvSpPr>
-        <p:spPr>
-          <a:xfrm>
-            <a:off x="3811192" y="4555958"/>
-            <a:ext cx="4242918" cy="762250"/>
-          </a:xfrm>
-          <a:prstGeom prst="roundRect">
-            <a:avLst/>
-          </a:prstGeom>
-          <a:noFill/>
-          <a:ln w="25400">
-            <a:solidFill>
-              <a:srgbClr val="00B050"/>
-            </a:solidFill>
-          </a:ln>
-        </p:spPr>
-        <p:style>
-          <a:lnRef idx="2">
-            <a:schemeClr val="accent1">
-              <a:shade val="50000"/>
-            </a:schemeClr>
-          </a:lnRef>
-          <a:fillRef idx="1">
-            <a:schemeClr val="accent1"/>
-          </a:fillRef>
-          <a:effectRef idx="0">
-            <a:schemeClr val="accent1"/>
-          </a:effectRef>
-          <a:fontRef idx="minor">
-            <a:schemeClr val="lt1"/>
-          </a:fontRef>
-        </p:style>
-        <p:txBody>
-          <a:bodyPr rtlCol="0" anchor="ctr"/>
-          <a:lstStyle/>
-          <a:p>
-            <a:pPr algn="ctr"/>
-            <a:endParaRPr lang="en-US"/>
-          </a:p>
-        </p:txBody>
-      </p:sp>
-      <p:sp>
-        <p:nvSpPr>
-          <p:cNvPr id="31" name="Rectangle: Rounded Corners 30">
-            <a:extLst>
-              <a:ext uri="{FF2B5EF4-FFF2-40B4-BE49-F238E27FC236}">
-                <a16:creationId xmlns:a16="http://schemas.microsoft.com/office/drawing/2014/main" id="{E3ABA9BC-96A1-4A66-B975-C49EE5E59B7A}"/>
-              </a:ext>
-            </a:extLst>
-          </p:cNvPr>
-          <p:cNvSpPr/>
-          <p:nvPr/>
-        </p:nvSpPr>
-        <p:spPr>
-          <a:xfrm>
-            <a:off x="3811192" y="5586924"/>
-            <a:ext cx="2178589" cy="762250"/>
-          </a:xfrm>
-          <a:prstGeom prst="roundRect">
-            <a:avLst/>
-          </a:prstGeom>
-          <a:noFill/>
-          <a:ln w="25400">
-            <a:solidFill>
-              <a:srgbClr val="00B050"/>
-            </a:solidFill>
-          </a:ln>
-        </p:spPr>
-        <p:style>
-          <a:lnRef idx="2">
-            <a:schemeClr val="accent1">
-              <a:shade val="50000"/>
-            </a:schemeClr>
-          </a:lnRef>
-          <a:fillRef idx="1">
-            <a:schemeClr val="accent1"/>
-          </a:fillRef>
-          <a:effectRef idx="0">
-            <a:schemeClr val="accent1"/>
-          </a:effectRef>
-          <a:fontRef idx="minor">
-            <a:schemeClr val="lt1"/>
-          </a:fontRef>
-        </p:style>
-        <p:txBody>
-          <a:bodyPr rtlCol="0" anchor="ctr"/>
-          <a:lstStyle/>
-          <a:p>
-            <a:pPr algn="ctr"/>
-            <a:endParaRPr lang="en-US"/>
-          </a:p>
-        </p:txBody>
-      </p:sp>
-      <p:sp>
-        <p:nvSpPr>
-          <p:cNvPr id="33" name="Rectangle 32">
-            <a:extLst>
-              <a:ext uri="{FF2B5EF4-FFF2-40B4-BE49-F238E27FC236}">
-                <a16:creationId xmlns:a16="http://schemas.microsoft.com/office/drawing/2014/main" id="{46BD391A-AA4A-49C8-BDD7-22939F70081D}"/>
-              </a:ext>
-            </a:extLst>
-          </p:cNvPr>
-          <p:cNvSpPr/>
-          <p:nvPr/>
-        </p:nvSpPr>
-        <p:spPr>
-          <a:xfrm>
-            <a:off x="8062750" y="3464171"/>
-            <a:ext cx="1967346" cy="637303"/>
-          </a:xfrm>
-          <a:prstGeom prst="rect">
-            <a:avLst/>
-          </a:prstGeom>
-        </p:spPr>
-        <p:style>
-          <a:lnRef idx="2">
-            <a:schemeClr val="accent1">
-              <a:shade val="50000"/>
-            </a:schemeClr>
-          </a:lnRef>
-          <a:fillRef idx="1">
-            <a:schemeClr val="accent1"/>
-          </a:fillRef>
-          <a:effectRef idx="0">
-            <a:schemeClr val="accent1"/>
-          </a:effectRef>
-          <a:fontRef idx="minor">
-            <a:schemeClr val="lt1"/>
-          </a:fontRef>
-        </p:style>
-        <p:txBody>
-          <a:bodyPr rtlCol="0" anchor="ctr"/>
-          <a:lstStyle/>
-          <a:p>
-            <a:pPr algn="ctr"/>
-            <a:r>
-              <a:rPr lang="en-US" dirty="0"/>
-              <a:t>Google Collab</a:t>
-            </a:r>
-          </a:p>
-        </p:txBody>
-      </p:sp>
-      <p:sp>
-        <p:nvSpPr>
-          <p:cNvPr id="35" name="TextBox 34">
-            <a:extLst>
-              <a:ext uri="{FF2B5EF4-FFF2-40B4-BE49-F238E27FC236}">
-                <a16:creationId xmlns:a16="http://schemas.microsoft.com/office/drawing/2014/main" id="{B1E6BC0F-8D79-4FAD-8C8E-453388BD16F4}"/>
-              </a:ext>
-            </a:extLst>
-          </p:cNvPr>
-          <p:cNvSpPr txBox="1"/>
-          <p:nvPr/>
-        </p:nvSpPr>
-        <p:spPr>
-          <a:xfrm>
-            <a:off x="10135718" y="3547495"/>
-            <a:ext cx="1482880" cy="461665"/>
-          </a:xfrm>
-          <a:prstGeom prst="rect">
-            <a:avLst/>
-          </a:prstGeom>
-          <a:noFill/>
-        </p:spPr>
-        <p:txBody>
-          <a:bodyPr wrap="square">
+        </p:spPr>
+        <p:txBody>
+          <a:bodyPr wrap="square" rtlCol="0">
             <a:spAutoFit/>
           </a:bodyPr>
           <a:lstStyle/>
           <a:p>
-            <a:r>
-              <a:rPr lang="en-US" sz="800" dirty="0"/>
-              <a:t>https://www.geeksforgeeks.org/how-to-run-flask-app-on-google-colab/</a:t>
-            </a:r>
-          </a:p>
-        </p:txBody>
-      </p:sp>
-      <p:sp>
-        <p:nvSpPr>
-          <p:cNvPr id="37" name="TextBox 36">
-            <a:extLst>
-              <a:ext uri="{FF2B5EF4-FFF2-40B4-BE49-F238E27FC236}">
-                <a16:creationId xmlns:a16="http://schemas.microsoft.com/office/drawing/2014/main" id="{453B9ED5-CE8C-48F6-AADE-D5DEA69E61E7}"/>
+            <a:pPr algn="ctr"/>
+            <a:r>
+              <a:rPr lang="en-US" b="1" dirty="0"/>
+              <a:t>DB</a:t>
+            </a:r>
+          </a:p>
+        </p:txBody>
+      </p:sp>
+      <p:pic>
+        <p:nvPicPr>
+          <p:cNvPr id="52" name="Picture 24" descr="GitHub - Mantej-Singh/The-SQL-Alchemist: SQLAlchemy miniproject">
+            <a:extLst>
+              <a:ext uri="{FF2B5EF4-FFF2-40B4-BE49-F238E27FC236}">
+                <a16:creationId xmlns:a16="http://schemas.microsoft.com/office/drawing/2014/main" id="{60FE0A24-F2D9-48D0-BEE8-92DE4575D180}"/>
+              </a:ext>
+            </a:extLst>
+          </p:cNvPr>
+          <p:cNvPicPr>
+            <a:picLocks noChangeAspect="1" noChangeArrowheads="1"/>
+          </p:cNvPicPr>
+          <p:nvPr/>
+        </p:nvPicPr>
+        <p:blipFill>
+          <a:blip r:embed="rId12">
+            <a:extLst>
+              <a:ext uri="{28A0092B-C50C-407E-A947-70E740481C1C}">
+                <a14:useLocalDpi xmlns:a14="http://schemas.microsoft.com/office/drawing/2010/main" val="0"/>
+              </a:ext>
+            </a:extLst>
+          </a:blip>
+          <a:srcRect/>
+          <a:stretch>
+            <a:fillRect/>
+          </a:stretch>
+        </p:blipFill>
+        <p:spPr bwMode="auto">
+          <a:xfrm>
+            <a:off x="4810488" y="1847151"/>
+            <a:ext cx="1863465" cy="488629"/>
+          </a:xfrm>
+          <a:prstGeom prst="rect">
+            <a:avLst/>
+          </a:prstGeom>
+          <a:noFill/>
+          <a:extLst>
+            <a:ext uri="{909E8E84-426E-40DD-AFC4-6F175D3DCCD1}">
+              <a14:hiddenFill xmlns:a14="http://schemas.microsoft.com/office/drawing/2010/main">
+                <a:solidFill>
+                  <a:srgbClr val="FFFFFF"/>
+                </a:solidFill>
+              </a14:hiddenFill>
+            </a:ext>
+          </a:extLst>
+        </p:spPr>
+      </p:pic>
+      <p:pic>
+        <p:nvPicPr>
+          <p:cNvPr id="1025" name="Picture 26" descr="Google Colab - A Step-by-step Guide - AlgoTrading101 Blog">
+            <a:extLst>
+              <a:ext uri="{FF2B5EF4-FFF2-40B4-BE49-F238E27FC236}">
+                <a16:creationId xmlns:a16="http://schemas.microsoft.com/office/drawing/2014/main" id="{BD685960-709C-4443-A476-EE7653E65113}"/>
+              </a:ext>
+            </a:extLst>
+          </p:cNvPr>
+          <p:cNvPicPr>
+            <a:picLocks noChangeAspect="1" noChangeArrowheads="1"/>
+          </p:cNvPicPr>
+          <p:nvPr/>
+        </p:nvPicPr>
+        <p:blipFill>
+          <a:blip r:embed="rId13">
+            <a:extLst>
+              <a:ext uri="{28A0092B-C50C-407E-A947-70E740481C1C}">
+                <a14:useLocalDpi xmlns:a14="http://schemas.microsoft.com/office/drawing/2010/main" val="0"/>
+              </a:ext>
+            </a:extLst>
+          </a:blip>
+          <a:srcRect/>
+          <a:stretch>
+            <a:fillRect/>
+          </a:stretch>
+        </p:blipFill>
+        <p:spPr bwMode="auto">
+          <a:xfrm>
+            <a:off x="12369968" y="176946"/>
+            <a:ext cx="1198190" cy="799185"/>
+          </a:xfrm>
+          <a:prstGeom prst="rect">
+            <a:avLst/>
+          </a:prstGeom>
+          <a:noFill/>
+          <a:extLst>
+            <a:ext uri="{909E8E84-426E-40DD-AFC4-6F175D3DCCD1}">
+              <a14:hiddenFill xmlns:a14="http://schemas.microsoft.com/office/drawing/2010/main">
+                <a:solidFill>
+                  <a:srgbClr val="FFFFFF"/>
+                </a:solidFill>
+              </a14:hiddenFill>
+            </a:ext>
+          </a:extLst>
+        </p:spPr>
+      </p:pic>
+      <p:sp>
+        <p:nvSpPr>
+          <p:cNvPr id="3" name="TextBox 2">
+            <a:extLst>
+              <a:ext uri="{FF2B5EF4-FFF2-40B4-BE49-F238E27FC236}">
+                <a16:creationId xmlns:a16="http://schemas.microsoft.com/office/drawing/2014/main" id="{9B1F8678-AAB2-4716-8200-2870857546B2}"/>
               </a:ext>
             </a:extLst>
           </p:cNvPr>
@@ -4820,23 +4755,240 @@
         </p:nvSpPr>
         <p:spPr>
           <a:xfrm>
-            <a:off x="1137822" y="4136735"/>
-            <a:ext cx="7542608" cy="215444"/>
+            <a:off x="838200" y="2960132"/>
+            <a:ext cx="4326505" cy="369332"/>
           </a:xfrm>
           <a:prstGeom prst="rect">
             <a:avLst/>
           </a:prstGeom>
-          <a:noFill/>
-        </p:spPr>
-        <p:txBody>
-          <a:bodyPr wrap="square">
+          <a:solidFill>
+            <a:srgbClr val="FFC000"/>
+          </a:solidFill>
+        </p:spPr>
+        <p:txBody>
+          <a:bodyPr wrap="square" rtlCol="0">
             <a:spAutoFit/>
           </a:bodyPr>
           <a:lstStyle/>
           <a:p>
-            <a:r>
-              <a:rPr lang="en-US" sz="800" dirty="0"/>
-              <a:t>https://aws.amazon.com/getting-started/hands-on/serve-a-flask-app/#:~:text=Complete%20the%20following%20prerequisites%20before,t%20have%20some%20of%20those.</a:t>
+            <a:pPr algn="ctr"/>
+            <a:r>
+              <a:rPr lang="en-US" dirty="0"/>
+              <a:t>Heroku</a:t>
+            </a:r>
+          </a:p>
+        </p:txBody>
+      </p:sp>
+      <p:sp>
+        <p:nvSpPr>
+          <p:cNvPr id="12" name="TextBox 11">
+            <a:extLst>
+              <a:ext uri="{FF2B5EF4-FFF2-40B4-BE49-F238E27FC236}">
+                <a16:creationId xmlns:a16="http://schemas.microsoft.com/office/drawing/2014/main" id="{5FAB75A9-83F1-4F90-BFC4-F4EB1992FF60}"/>
+              </a:ext>
+            </a:extLst>
+          </p:cNvPr>
+          <p:cNvSpPr txBox="1"/>
+          <p:nvPr/>
+        </p:nvSpPr>
+        <p:spPr>
+          <a:xfrm>
+            <a:off x="12369968" y="2724937"/>
+            <a:ext cx="1132665" cy="369332"/>
+          </a:xfrm>
+          <a:prstGeom prst="rect">
+            <a:avLst/>
+          </a:prstGeom>
+          <a:solidFill>
+            <a:srgbClr val="FFC000"/>
+          </a:solidFill>
+        </p:spPr>
+        <p:txBody>
+          <a:bodyPr wrap="square" rtlCol="0">
+            <a:spAutoFit/>
+          </a:bodyPr>
+          <a:lstStyle/>
+          <a:p>
+            <a:pPr algn="ctr"/>
+            <a:r>
+              <a:rPr lang="en-US" dirty="0"/>
+              <a:t>Atlas Free</a:t>
+            </a:r>
+          </a:p>
+        </p:txBody>
+      </p:sp>
+      <p:sp>
+        <p:nvSpPr>
+          <p:cNvPr id="39" name="TextBox 38">
+            <a:extLst>
+              <a:ext uri="{FF2B5EF4-FFF2-40B4-BE49-F238E27FC236}">
+                <a16:creationId xmlns:a16="http://schemas.microsoft.com/office/drawing/2014/main" id="{D9783ECA-EFCB-4C39-BEE9-3761C1F79287}"/>
+              </a:ext>
+            </a:extLst>
+          </p:cNvPr>
+          <p:cNvSpPr txBox="1"/>
+          <p:nvPr/>
+        </p:nvSpPr>
+        <p:spPr>
+          <a:xfrm>
+            <a:off x="3586841" y="1765544"/>
+            <a:ext cx="668593" cy="369332"/>
+          </a:xfrm>
+          <a:prstGeom prst="rect">
+            <a:avLst/>
+          </a:prstGeom>
+          <a:noFill/>
+        </p:spPr>
+        <p:txBody>
+          <a:bodyPr wrap="square" rtlCol="0">
+            <a:spAutoFit/>
+          </a:bodyPr>
+          <a:lstStyle/>
+          <a:p>
+            <a:pPr algn="ctr"/>
+            <a:r>
+              <a:rPr lang="en-US" dirty="0"/>
+              <a:t>API</a:t>
+            </a:r>
+          </a:p>
+        </p:txBody>
+      </p:sp>
+      <p:sp>
+        <p:nvSpPr>
+          <p:cNvPr id="7" name="TextBox 6">
+            <a:extLst>
+              <a:ext uri="{FF2B5EF4-FFF2-40B4-BE49-F238E27FC236}">
+                <a16:creationId xmlns:a16="http://schemas.microsoft.com/office/drawing/2014/main" id="{36EB1028-2E4B-4F85-AC41-ED493FD0E59E}"/>
+              </a:ext>
+            </a:extLst>
+          </p:cNvPr>
+          <p:cNvSpPr txBox="1"/>
+          <p:nvPr/>
+        </p:nvSpPr>
+        <p:spPr>
+          <a:xfrm>
+            <a:off x="6608925" y="4157526"/>
+            <a:ext cx="885478" cy="369332"/>
+          </a:xfrm>
+          <a:prstGeom prst="rect">
+            <a:avLst/>
+          </a:prstGeom>
+          <a:noFill/>
+        </p:spPr>
+        <p:txBody>
+          <a:bodyPr wrap="square" rtlCol="0">
+            <a:spAutoFit/>
+          </a:bodyPr>
+          <a:lstStyle/>
+          <a:p>
+            <a:r>
+              <a:rPr lang="en-US" dirty="0"/>
+              <a:t>Lev</a:t>
+            </a:r>
+          </a:p>
+        </p:txBody>
+      </p:sp>
+      <p:sp>
+        <p:nvSpPr>
+          <p:cNvPr id="33" name="TextBox 32">
+            <a:extLst>
+              <a:ext uri="{FF2B5EF4-FFF2-40B4-BE49-F238E27FC236}">
+                <a16:creationId xmlns:a16="http://schemas.microsoft.com/office/drawing/2014/main" id="{F839323D-83B5-4FA3-9DB1-66555CAF8AAE}"/>
+              </a:ext>
+            </a:extLst>
+          </p:cNvPr>
+          <p:cNvSpPr txBox="1"/>
+          <p:nvPr/>
+        </p:nvSpPr>
+        <p:spPr>
+          <a:xfrm>
+            <a:off x="2558713" y="1169963"/>
+            <a:ext cx="885478" cy="369332"/>
+          </a:xfrm>
+          <a:prstGeom prst="rect">
+            <a:avLst/>
+          </a:prstGeom>
+          <a:noFill/>
+        </p:spPr>
+        <p:txBody>
+          <a:bodyPr wrap="square" rtlCol="0">
+            <a:spAutoFit/>
+          </a:bodyPr>
+          <a:lstStyle/>
+          <a:p>
+            <a:r>
+              <a:rPr lang="en-US" dirty="0"/>
+              <a:t>Lydia</a:t>
+            </a:r>
+          </a:p>
+        </p:txBody>
+      </p:sp>
+      <p:sp>
+        <p:nvSpPr>
+          <p:cNvPr id="36" name="TextBox 35">
+            <a:extLst>
+              <a:ext uri="{FF2B5EF4-FFF2-40B4-BE49-F238E27FC236}">
+                <a16:creationId xmlns:a16="http://schemas.microsoft.com/office/drawing/2014/main" id="{DC751123-F488-425E-A69E-EAA43C5DD605}"/>
+              </a:ext>
+            </a:extLst>
+          </p:cNvPr>
+          <p:cNvSpPr txBox="1"/>
+          <p:nvPr/>
+        </p:nvSpPr>
+        <p:spPr>
+          <a:xfrm>
+            <a:off x="10746396" y="4178470"/>
+            <a:ext cx="1495131" cy="369332"/>
+          </a:xfrm>
+          <a:prstGeom prst="rect">
+            <a:avLst/>
+          </a:prstGeom>
+          <a:noFill/>
+        </p:spPr>
+        <p:txBody>
+          <a:bodyPr wrap="square" rtlCol="0">
+            <a:spAutoFit/>
+          </a:bodyPr>
+          <a:lstStyle/>
+          <a:p>
+            <a:r>
+              <a:rPr lang="en-US" dirty="0"/>
+              <a:t>Muhammad</a:t>
+            </a:r>
+          </a:p>
+        </p:txBody>
+      </p:sp>
+      <p:sp>
+        <p:nvSpPr>
+          <p:cNvPr id="38" name="TextBox 37">
+            <a:extLst>
+              <a:ext uri="{FF2B5EF4-FFF2-40B4-BE49-F238E27FC236}">
+                <a16:creationId xmlns:a16="http://schemas.microsoft.com/office/drawing/2014/main" id="{D153AA9D-15BA-4F24-853C-E6FFECFCE711}"/>
+              </a:ext>
+            </a:extLst>
+          </p:cNvPr>
+          <p:cNvSpPr txBox="1"/>
+          <p:nvPr/>
+        </p:nvSpPr>
+        <p:spPr>
+          <a:xfrm>
+            <a:off x="7761573" y="1175814"/>
+            <a:ext cx="885478" cy="369332"/>
+          </a:xfrm>
+          <a:prstGeom prst="rect">
+            <a:avLst/>
+          </a:prstGeom>
+          <a:noFill/>
+        </p:spPr>
+        <p:txBody>
+          <a:bodyPr wrap="square" rtlCol="0">
+            <a:spAutoFit/>
+          </a:bodyPr>
+          <a:lstStyle/>
+          <a:p>
+            <a:r>
+              <a:rPr lang="en-US" dirty="0"/>
+              <a:t>Lev</a:t>
             </a:r>
           </a:p>
         </p:txBody>
@@ -4844,7 +4996,7 @@
     </p:spTree>
     <p:extLst>
       <p:ext uri="{BB962C8B-B14F-4D97-AF65-F5344CB8AC3E}">
-        <p14:creationId xmlns:p14="http://schemas.microsoft.com/office/powerpoint/2010/main" val="3609408958"/>
+        <p14:creationId xmlns:p14="http://schemas.microsoft.com/office/powerpoint/2010/main" val="2701959572"/>
       </p:ext>
     </p:extLst>
   </p:cSld>
@@ -4873,307 +5025,6 @@
       </p:grpSpPr>
       <p:sp>
         <p:nvSpPr>
-          <p:cNvPr id="37" name="Rectangle 36">
-            <a:extLst>
-              <a:ext uri="{FF2B5EF4-FFF2-40B4-BE49-F238E27FC236}">
-                <a16:creationId xmlns:a16="http://schemas.microsoft.com/office/drawing/2014/main" id="{EB7EB47E-F685-4176-A5D9-8B60F3A59532}"/>
-              </a:ext>
-            </a:extLst>
-          </p:cNvPr>
-          <p:cNvSpPr/>
-          <p:nvPr/>
-        </p:nvSpPr>
-        <p:spPr>
-          <a:xfrm>
-            <a:off x="3655719" y="1175814"/>
-            <a:ext cx="4809875" cy="2952656"/>
-          </a:xfrm>
-          <a:prstGeom prst="rect">
-            <a:avLst/>
-          </a:prstGeom>
-          <a:solidFill>
-            <a:srgbClr val="FFFF00"/>
-          </a:solidFill>
-        </p:spPr>
-        <p:style>
-          <a:lnRef idx="2">
-            <a:schemeClr val="accent1">
-              <a:shade val="50000"/>
-            </a:schemeClr>
-          </a:lnRef>
-          <a:fillRef idx="1">
-            <a:schemeClr val="accent1"/>
-          </a:fillRef>
-          <a:effectRef idx="0">
-            <a:schemeClr val="accent1"/>
-          </a:effectRef>
-          <a:fontRef idx="minor">
-            <a:schemeClr val="lt1"/>
-          </a:fontRef>
-        </p:style>
-        <p:txBody>
-          <a:bodyPr rtlCol="0" anchor="ctr"/>
-          <a:lstStyle/>
-          <a:p>
-            <a:pPr algn="ctr"/>
-            <a:endParaRPr lang="en-US"/>
-          </a:p>
-        </p:txBody>
-      </p:sp>
-      <p:sp>
-        <p:nvSpPr>
-          <p:cNvPr id="35" name="Rectangle 34">
-            <a:extLst>
-              <a:ext uri="{FF2B5EF4-FFF2-40B4-BE49-F238E27FC236}">
-                <a16:creationId xmlns:a16="http://schemas.microsoft.com/office/drawing/2014/main" id="{BAA0E342-01E3-4DE5-8CE2-2E43544FD45A}"/>
-              </a:ext>
-            </a:extLst>
-          </p:cNvPr>
-          <p:cNvSpPr/>
-          <p:nvPr/>
-        </p:nvSpPr>
-        <p:spPr>
-          <a:xfrm>
-            <a:off x="7682533" y="4228470"/>
-            <a:ext cx="4460364" cy="2500881"/>
-          </a:xfrm>
-          <a:prstGeom prst="rect">
-            <a:avLst/>
-          </a:prstGeom>
-          <a:solidFill>
-            <a:schemeClr val="accent2"/>
-          </a:solidFill>
-        </p:spPr>
-        <p:style>
-          <a:lnRef idx="2">
-            <a:schemeClr val="accent1">
-              <a:shade val="50000"/>
-            </a:schemeClr>
-          </a:lnRef>
-          <a:fillRef idx="1">
-            <a:schemeClr val="accent1"/>
-          </a:fillRef>
-          <a:effectRef idx="0">
-            <a:schemeClr val="accent1"/>
-          </a:effectRef>
-          <a:fontRef idx="minor">
-            <a:schemeClr val="lt1"/>
-          </a:fontRef>
-        </p:style>
-        <p:txBody>
-          <a:bodyPr rtlCol="0" anchor="ctr"/>
-          <a:lstStyle/>
-          <a:p>
-            <a:pPr algn="ctr"/>
-            <a:endParaRPr lang="en-US"/>
-          </a:p>
-        </p:txBody>
-      </p:sp>
-      <p:sp>
-        <p:nvSpPr>
-          <p:cNvPr id="32" name="Rectangle 31">
-            <a:extLst>
-              <a:ext uri="{FF2B5EF4-FFF2-40B4-BE49-F238E27FC236}">
-                <a16:creationId xmlns:a16="http://schemas.microsoft.com/office/drawing/2014/main" id="{C0052F14-DEAC-4A94-B01C-6D88503C7E8D}"/>
-              </a:ext>
-            </a:extLst>
-          </p:cNvPr>
-          <p:cNvSpPr/>
-          <p:nvPr/>
-        </p:nvSpPr>
-        <p:spPr>
-          <a:xfrm>
-            <a:off x="78083" y="1164918"/>
-            <a:ext cx="3508757" cy="2945955"/>
-          </a:xfrm>
-          <a:prstGeom prst="rect">
-            <a:avLst/>
-          </a:prstGeom>
-          <a:solidFill>
-            <a:schemeClr val="accent2"/>
-          </a:solidFill>
-        </p:spPr>
-        <p:style>
-          <a:lnRef idx="2">
-            <a:schemeClr val="accent1">
-              <a:shade val="50000"/>
-            </a:schemeClr>
-          </a:lnRef>
-          <a:fillRef idx="1">
-            <a:schemeClr val="accent1"/>
-          </a:fillRef>
-          <a:effectRef idx="0">
-            <a:schemeClr val="accent1"/>
-          </a:effectRef>
-          <a:fontRef idx="minor">
-            <a:schemeClr val="lt1"/>
-          </a:fontRef>
-        </p:style>
-        <p:txBody>
-          <a:bodyPr rtlCol="0" anchor="ctr"/>
-          <a:lstStyle/>
-          <a:p>
-            <a:pPr algn="ctr"/>
-            <a:endParaRPr lang="en-US"/>
-          </a:p>
-        </p:txBody>
-      </p:sp>
-      <p:sp>
-        <p:nvSpPr>
-          <p:cNvPr id="6" name="Rectangle 5">
-            <a:extLst>
-              <a:ext uri="{FF2B5EF4-FFF2-40B4-BE49-F238E27FC236}">
-                <a16:creationId xmlns:a16="http://schemas.microsoft.com/office/drawing/2014/main" id="{47C157FB-18F0-4AEF-B536-724F9D199886}"/>
-              </a:ext>
-            </a:extLst>
-          </p:cNvPr>
-          <p:cNvSpPr/>
-          <p:nvPr/>
-        </p:nvSpPr>
-        <p:spPr>
-          <a:xfrm>
-            <a:off x="3167200" y="4208193"/>
-            <a:ext cx="4460364" cy="2500881"/>
-          </a:xfrm>
-          <a:prstGeom prst="rect">
-            <a:avLst/>
-          </a:prstGeom>
-          <a:solidFill>
-            <a:schemeClr val="accent2"/>
-          </a:solidFill>
-        </p:spPr>
-        <p:style>
-          <a:lnRef idx="2">
-            <a:schemeClr val="accent1">
-              <a:shade val="50000"/>
-            </a:schemeClr>
-          </a:lnRef>
-          <a:fillRef idx="1">
-            <a:schemeClr val="accent1"/>
-          </a:fillRef>
-          <a:effectRef idx="0">
-            <a:schemeClr val="accent1"/>
-          </a:effectRef>
-          <a:fontRef idx="minor">
-            <a:schemeClr val="lt1"/>
-          </a:fontRef>
-        </p:style>
-        <p:txBody>
-          <a:bodyPr rtlCol="0" anchor="ctr"/>
-          <a:lstStyle/>
-          <a:p>
-            <a:pPr algn="ctr"/>
-            <a:endParaRPr lang="en-US"/>
-          </a:p>
-        </p:txBody>
-      </p:sp>
-      <p:sp>
-        <p:nvSpPr>
-          <p:cNvPr id="19" name="Rectangle: Rounded Corners 18">
-            <a:extLst>
-              <a:ext uri="{FF2B5EF4-FFF2-40B4-BE49-F238E27FC236}">
-                <a16:creationId xmlns:a16="http://schemas.microsoft.com/office/drawing/2014/main" id="{1D81220D-D998-4DD1-B329-FC683526BCDF}"/>
-              </a:ext>
-            </a:extLst>
-          </p:cNvPr>
-          <p:cNvSpPr/>
-          <p:nvPr/>
-        </p:nvSpPr>
-        <p:spPr>
-          <a:xfrm>
-            <a:off x="8204312" y="4497802"/>
-            <a:ext cx="3488607" cy="1824343"/>
-          </a:xfrm>
-          <a:prstGeom prst="roundRect">
-            <a:avLst/>
-          </a:prstGeom>
-          <a:solidFill>
-            <a:schemeClr val="accent1">
-              <a:alpha val="20000"/>
-            </a:schemeClr>
-          </a:solidFill>
-        </p:spPr>
-        <p:style>
-          <a:lnRef idx="2">
-            <a:schemeClr val="accent1">
-              <a:shade val="50000"/>
-            </a:schemeClr>
-          </a:lnRef>
-          <a:fillRef idx="1">
-            <a:schemeClr val="accent1"/>
-          </a:fillRef>
-          <a:effectRef idx="0">
-            <a:schemeClr val="accent1"/>
-          </a:effectRef>
-          <a:fontRef idx="minor">
-            <a:schemeClr val="lt1"/>
-          </a:fontRef>
-        </p:style>
-        <p:txBody>
-          <a:bodyPr rtlCol="0" anchor="t"/>
-          <a:lstStyle/>
-          <a:p>
-            <a:pPr algn="ctr"/>
-            <a:r>
-              <a:rPr lang="en-US" b="1" dirty="0">
-                <a:solidFill>
-                  <a:schemeClr val="tx1"/>
-                </a:solidFill>
-              </a:rPr>
-              <a:t>VIZ</a:t>
-            </a:r>
-          </a:p>
-        </p:txBody>
-      </p:sp>
-      <p:pic>
-        <p:nvPicPr>
-          <p:cNvPr id="2058" name="Picture 10" descr="Cloud-Icon - Voonami, Inc.">
-            <a:extLst>
-              <a:ext uri="{FF2B5EF4-FFF2-40B4-BE49-F238E27FC236}">
-                <a16:creationId xmlns:a16="http://schemas.microsoft.com/office/drawing/2014/main" id="{597B786D-67D5-4B97-A150-102C72DE43F8}"/>
-              </a:ext>
-            </a:extLst>
-          </p:cNvPr>
-          <p:cNvPicPr>
-            <a:picLocks noChangeAspect="1" noChangeArrowheads="1"/>
-          </p:cNvPicPr>
-          <p:nvPr/>
-        </p:nvPicPr>
-        <p:blipFill>
-          <a:blip r:embed="rId2">
-            <a:extLst>
-              <a:ext uri="{28A0092B-C50C-407E-A947-70E740481C1C}">
-                <a14:useLocalDpi xmlns:a14="http://schemas.microsoft.com/office/drawing/2010/main" val="0"/>
-              </a:ext>
-            </a:extLst>
-          </a:blip>
-          <a:srcRect/>
-          <a:stretch>
-            <a:fillRect/>
-          </a:stretch>
-        </p:blipFill>
-        <p:spPr bwMode="auto">
-          <a:xfrm>
-            <a:off x="-114011" y="1175814"/>
-            <a:ext cx="3857232" cy="3007066"/>
-          </a:xfrm>
-          <a:prstGeom prst="rect">
-            <a:avLst/>
-          </a:prstGeom>
-          <a:noFill/>
-          <a:extLst>
-            <a:ext uri="{909E8E84-426E-40DD-AFC4-6F175D3DCCD1}">
-              <a14:hiddenFill xmlns:a14="http://schemas.microsoft.com/office/drawing/2010/main">
-                <a:solidFill>
-                  <a:srgbClr val="FFFFFF"/>
-                </a:solidFill>
-              </a14:hiddenFill>
-            </a:ext>
-          </a:extLst>
-        </p:spPr>
-      </p:pic>
-      <p:sp>
-        <p:nvSpPr>
           <p:cNvPr id="2" name="Title 1">
             <a:extLst>
               <a:ext uri="{FF2B5EF4-FFF2-40B4-BE49-F238E27FC236}">
@@ -5190,7 +5041,7 @@
         </p:nvSpPr>
         <p:spPr>
           <a:xfrm>
-            <a:off x="838200" y="148925"/>
+            <a:off x="1015181" y="3029668"/>
             <a:ext cx="10515600" cy="637308"/>
           </a:xfrm>
         </p:spPr>
@@ -5200,1232 +5051,10 @@
           </a:bodyPr>
           <a:lstStyle/>
           <a:p>
+            <a:pPr algn="ctr"/>
             <a:r>
               <a:rPr lang="en-US" dirty="0"/>
-              <a:t>High - Level Architecture Draft</a:t>
-            </a:r>
-          </a:p>
-        </p:txBody>
-      </p:sp>
-      <p:pic>
-        <p:nvPicPr>
-          <p:cNvPr id="2050" name="Picture 2" descr="Yahoo Finance API to get Stocks tickers data in python. | by R Junaid Raza  | Medium">
-            <a:extLst>
-              <a:ext uri="{FF2B5EF4-FFF2-40B4-BE49-F238E27FC236}">
-                <a16:creationId xmlns:a16="http://schemas.microsoft.com/office/drawing/2014/main" id="{E5C0B7F5-3744-4955-9482-83E542E736D3}"/>
-              </a:ext>
-            </a:extLst>
-          </p:cNvPr>
-          <p:cNvPicPr>
-            <a:picLocks noChangeAspect="1" noChangeArrowheads="1"/>
-          </p:cNvPicPr>
-          <p:nvPr/>
-        </p:nvPicPr>
-        <p:blipFill>
-          <a:blip r:embed="rId3">
-            <a:extLst>
-              <a:ext uri="{28A0092B-C50C-407E-A947-70E740481C1C}">
-                <a14:useLocalDpi xmlns:a14="http://schemas.microsoft.com/office/drawing/2010/main" val="0"/>
-              </a:ext>
-            </a:extLst>
-          </a:blip>
-          <a:srcRect/>
-          <a:stretch>
-            <a:fillRect/>
-          </a:stretch>
-        </p:blipFill>
-        <p:spPr bwMode="auto">
-          <a:xfrm>
-            <a:off x="838200" y="5646251"/>
-            <a:ext cx="1413028" cy="706514"/>
-          </a:xfrm>
-          <a:prstGeom prst="rect">
-            <a:avLst/>
-          </a:prstGeom>
-          <a:noFill/>
-          <a:extLst>
-            <a:ext uri="{909E8E84-426E-40DD-AFC4-6F175D3DCCD1}">
-              <a14:hiddenFill xmlns:a14="http://schemas.microsoft.com/office/drawing/2010/main">
-                <a:solidFill>
-                  <a:srgbClr val="FFFFFF"/>
-                </a:solidFill>
-              </a14:hiddenFill>
-            </a:ext>
-          </a:extLst>
-        </p:spPr>
-      </p:pic>
-      <p:pic>
-        <p:nvPicPr>
-          <p:cNvPr id="2052" name="Picture 4" descr="Pandas DataFrame (Python): 10 useful tricks | by Maurizio Sluijmers | Level  Up Coding">
-            <a:extLst>
-              <a:ext uri="{FF2B5EF4-FFF2-40B4-BE49-F238E27FC236}">
-                <a16:creationId xmlns:a16="http://schemas.microsoft.com/office/drawing/2014/main" id="{FE7F1FAD-2AC8-4010-B3A8-222E6327FE3E}"/>
-              </a:ext>
-            </a:extLst>
-          </p:cNvPr>
-          <p:cNvPicPr>
-            <a:picLocks noChangeAspect="1" noChangeArrowheads="1"/>
-          </p:cNvPicPr>
-          <p:nvPr/>
-        </p:nvPicPr>
-        <p:blipFill rotWithShape="1">
-          <a:blip r:embed="rId4">
-            <a:extLst>
-              <a:ext uri="{28A0092B-C50C-407E-A947-70E740481C1C}">
-                <a14:useLocalDpi xmlns:a14="http://schemas.microsoft.com/office/drawing/2010/main" val="0"/>
-              </a:ext>
-            </a:extLst>
-          </a:blip>
-          <a:srcRect l="4458" t="6241" r="3997" b="6791"/>
-          <a:stretch/>
-        </p:blipFill>
-        <p:spPr bwMode="auto">
-          <a:xfrm>
-            <a:off x="485400" y="4182879"/>
-            <a:ext cx="1956619" cy="776749"/>
-          </a:xfrm>
-          <a:prstGeom prst="rect">
-            <a:avLst/>
-          </a:prstGeom>
-          <a:noFill/>
-          <a:ln>
-            <a:noFill/>
-          </a:ln>
-          <a:extLst>
-            <a:ext uri="{909E8E84-426E-40DD-AFC4-6F175D3DCCD1}">
-              <a14:hiddenFill xmlns:a14="http://schemas.microsoft.com/office/drawing/2010/main">
-                <a:solidFill>
-                  <a:srgbClr val="FFFFFF"/>
-                </a:solidFill>
-              </a14:hiddenFill>
-            </a:ext>
-          </a:extLst>
-        </p:spPr>
-      </p:pic>
-      <p:cxnSp>
-        <p:nvCxnSpPr>
-          <p:cNvPr id="4" name="Connector: Elbow 3">
-            <a:extLst>
-              <a:ext uri="{FF2B5EF4-FFF2-40B4-BE49-F238E27FC236}">
-                <a16:creationId xmlns:a16="http://schemas.microsoft.com/office/drawing/2014/main" id="{B69E9C98-29C1-47E2-AEC8-460B90F26B94}"/>
-              </a:ext>
-            </a:extLst>
-          </p:cNvPr>
-          <p:cNvCxnSpPr>
-            <a:stCxn id="2050" idx="0"/>
-            <a:endCxn id="2052" idx="2"/>
-          </p:cNvCxnSpPr>
-          <p:nvPr/>
-        </p:nvCxnSpPr>
-        <p:spPr>
-          <a:xfrm rot="16200000" flipV="1">
-            <a:off x="1160901" y="5262438"/>
-            <a:ext cx="686623" cy="81004"/>
-          </a:xfrm>
-          <a:prstGeom prst="bentConnector3">
-            <a:avLst/>
-          </a:prstGeom>
-          <a:ln>
-            <a:tailEnd type="triangle"/>
-          </a:ln>
-        </p:spPr>
-        <p:style>
-          <a:lnRef idx="1">
-            <a:schemeClr val="accent1"/>
-          </a:lnRef>
-          <a:fillRef idx="0">
-            <a:schemeClr val="accent1"/>
-          </a:fillRef>
-          <a:effectRef idx="0">
-            <a:schemeClr val="accent1"/>
-          </a:effectRef>
-          <a:fontRef idx="minor">
-            <a:schemeClr val="tx1"/>
-          </a:fontRef>
-        </p:style>
-      </p:cxnSp>
-      <p:sp>
-        <p:nvSpPr>
-          <p:cNvPr id="5" name="TextBox 4">
-            <a:extLst>
-              <a:ext uri="{FF2B5EF4-FFF2-40B4-BE49-F238E27FC236}">
-                <a16:creationId xmlns:a16="http://schemas.microsoft.com/office/drawing/2014/main" id="{7D891D2A-B179-4A03-AF92-2E7DA638EDBE}"/>
-              </a:ext>
-            </a:extLst>
-          </p:cNvPr>
-          <p:cNvSpPr txBox="1"/>
-          <p:nvPr/>
-        </p:nvSpPr>
-        <p:spPr>
-          <a:xfrm>
-            <a:off x="1705195" y="5136967"/>
-            <a:ext cx="668593" cy="369332"/>
-          </a:xfrm>
-          <a:prstGeom prst="rect">
-            <a:avLst/>
-          </a:prstGeom>
-          <a:noFill/>
-        </p:spPr>
-        <p:txBody>
-          <a:bodyPr wrap="square" rtlCol="0">
-            <a:spAutoFit/>
-          </a:bodyPr>
-          <a:lstStyle/>
-          <a:p>
-            <a:pPr algn="ctr"/>
-            <a:r>
-              <a:rPr lang="en-US" dirty="0"/>
-              <a:t>API</a:t>
-            </a:r>
-          </a:p>
-        </p:txBody>
-      </p:sp>
-      <p:pic>
-        <p:nvPicPr>
-          <p:cNvPr id="2054" name="Picture 6" descr="Has the time finally come for PostgreSQL? | ZDNet">
-            <a:extLst>
-              <a:ext uri="{FF2B5EF4-FFF2-40B4-BE49-F238E27FC236}">
-                <a16:creationId xmlns:a16="http://schemas.microsoft.com/office/drawing/2014/main" id="{6C8A66D8-34BE-405D-8109-97F9B4B11628}"/>
-              </a:ext>
-            </a:extLst>
-          </p:cNvPr>
-          <p:cNvPicPr>
-            <a:picLocks noChangeAspect="1" noChangeArrowheads="1"/>
-          </p:cNvPicPr>
-          <p:nvPr/>
-        </p:nvPicPr>
-        <p:blipFill>
-          <a:blip r:embed="rId5">
-            <a:extLst>
-              <a:ext uri="{28A0092B-C50C-407E-A947-70E740481C1C}">
-                <a14:useLocalDpi xmlns:a14="http://schemas.microsoft.com/office/drawing/2010/main" val="0"/>
-              </a:ext>
-            </a:extLst>
-          </a:blip>
-          <a:srcRect/>
-          <a:stretch>
-            <a:fillRect/>
-          </a:stretch>
-        </p:blipFill>
-        <p:spPr bwMode="auto">
-          <a:xfrm>
-            <a:off x="953256" y="1859077"/>
-            <a:ext cx="1235634" cy="926725"/>
-          </a:xfrm>
-          <a:prstGeom prst="rect">
-            <a:avLst/>
-          </a:prstGeom>
-          <a:noFill/>
-          <a:extLst>
-            <a:ext uri="{909E8E84-426E-40DD-AFC4-6F175D3DCCD1}">
-              <a14:hiddenFill xmlns:a14="http://schemas.microsoft.com/office/drawing/2010/main">
-                <a:solidFill>
-                  <a:srgbClr val="FFFFFF"/>
-                </a:solidFill>
-              </a14:hiddenFill>
-            </a:ext>
-          </a:extLst>
-        </p:spPr>
-      </p:pic>
-      <p:cxnSp>
-        <p:nvCxnSpPr>
-          <p:cNvPr id="13" name="Connector: Elbow 12">
-            <a:extLst>
-              <a:ext uri="{FF2B5EF4-FFF2-40B4-BE49-F238E27FC236}">
-                <a16:creationId xmlns:a16="http://schemas.microsoft.com/office/drawing/2014/main" id="{27A5D78A-58F8-44A9-A3F8-B3A9ACD68FFC}"/>
-              </a:ext>
-            </a:extLst>
-          </p:cNvPr>
-          <p:cNvCxnSpPr>
-            <a:cxnSpLocks/>
-            <a:stCxn id="2052" idx="0"/>
-            <a:endCxn id="2054" idx="1"/>
-          </p:cNvCxnSpPr>
-          <p:nvPr/>
-        </p:nvCxnSpPr>
-        <p:spPr>
-          <a:xfrm rot="16200000" flipV="1">
-            <a:off x="278264" y="2997433"/>
-            <a:ext cx="1860439" cy="510454"/>
-          </a:xfrm>
-          <a:prstGeom prst="bentConnector4">
-            <a:avLst>
-              <a:gd name="adj1" fmla="val 32262"/>
-              <a:gd name="adj2" fmla="val 236439"/>
-            </a:avLst>
-          </a:prstGeom>
-          <a:ln>
-            <a:tailEnd type="triangle"/>
-          </a:ln>
-        </p:spPr>
-        <p:style>
-          <a:lnRef idx="1">
-            <a:schemeClr val="accent1"/>
-          </a:lnRef>
-          <a:fillRef idx="0">
-            <a:schemeClr val="accent1"/>
-          </a:fillRef>
-          <a:effectRef idx="0">
-            <a:schemeClr val="accent1"/>
-          </a:effectRef>
-          <a:fontRef idx="minor">
-            <a:schemeClr val="tx1"/>
-          </a:fontRef>
-        </p:style>
-      </p:cxnSp>
-      <p:sp>
-        <p:nvSpPr>
-          <p:cNvPr id="16" name="TextBox 15">
-            <a:extLst>
-              <a:ext uri="{FF2B5EF4-FFF2-40B4-BE49-F238E27FC236}">
-                <a16:creationId xmlns:a16="http://schemas.microsoft.com/office/drawing/2014/main" id="{859BC895-77CB-4E95-9A4D-1D0AC669B89A}"/>
-              </a:ext>
-            </a:extLst>
-          </p:cNvPr>
-          <p:cNvSpPr txBox="1"/>
-          <p:nvPr/>
-        </p:nvSpPr>
-        <p:spPr>
-          <a:xfrm>
-            <a:off x="591729" y="3654902"/>
-            <a:ext cx="668593" cy="369332"/>
-          </a:xfrm>
-          <a:prstGeom prst="rect">
-            <a:avLst/>
-          </a:prstGeom>
-          <a:noFill/>
-        </p:spPr>
-        <p:txBody>
-          <a:bodyPr wrap="square" rtlCol="0">
-            <a:spAutoFit/>
-          </a:bodyPr>
-          <a:lstStyle/>
-          <a:p>
-            <a:pPr algn="ctr"/>
-            <a:r>
-              <a:rPr lang="en-US" dirty="0"/>
-              <a:t>ETL</a:t>
-            </a:r>
-          </a:p>
-        </p:txBody>
-      </p:sp>
-      <p:pic>
-        <p:nvPicPr>
-          <p:cNvPr id="2056" name="Picture 8" descr="How to Evaluate AWS RDS Pricing and Features - ParkMyCloud">
-            <a:extLst>
-              <a:ext uri="{FF2B5EF4-FFF2-40B4-BE49-F238E27FC236}">
-                <a16:creationId xmlns:a16="http://schemas.microsoft.com/office/drawing/2014/main" id="{B6D823A8-D917-49EB-9F7B-3E96900F321A}"/>
-              </a:ext>
-            </a:extLst>
-          </p:cNvPr>
-          <p:cNvPicPr>
-            <a:picLocks noChangeAspect="1" noChangeArrowheads="1"/>
-          </p:cNvPicPr>
-          <p:nvPr/>
-        </p:nvPicPr>
-        <p:blipFill>
-          <a:blip r:embed="rId6">
-            <a:extLst>
-              <a:ext uri="{28A0092B-C50C-407E-A947-70E740481C1C}">
-                <a14:useLocalDpi xmlns:a14="http://schemas.microsoft.com/office/drawing/2010/main" val="0"/>
-              </a:ext>
-            </a:extLst>
-          </a:blip>
-          <a:srcRect/>
-          <a:stretch>
-            <a:fillRect/>
-          </a:stretch>
-        </p:blipFill>
-        <p:spPr bwMode="auto">
-          <a:xfrm>
-            <a:off x="12369968" y="1505118"/>
-            <a:ext cx="1132665" cy="707915"/>
-          </a:xfrm>
-          <a:prstGeom prst="rect">
-            <a:avLst/>
-          </a:prstGeom>
-          <a:noFill/>
-          <a:extLst>
-            <a:ext uri="{909E8E84-426E-40DD-AFC4-6F175D3DCCD1}">
-              <a14:hiddenFill xmlns:a14="http://schemas.microsoft.com/office/drawing/2010/main">
-                <a:solidFill>
-                  <a:srgbClr val="FFFFFF"/>
-                </a:solidFill>
-              </a14:hiddenFill>
-            </a:ext>
-          </a:extLst>
-        </p:spPr>
-      </p:pic>
-      <p:pic>
-        <p:nvPicPr>
-          <p:cNvPr id="2060" name="Picture 12" descr="Flask Logo Icon - Download in Flat Style">
-            <a:extLst>
-              <a:ext uri="{FF2B5EF4-FFF2-40B4-BE49-F238E27FC236}">
-                <a16:creationId xmlns:a16="http://schemas.microsoft.com/office/drawing/2014/main" id="{494E90CE-518B-476E-9F9D-E2BDE32DBD4C}"/>
-              </a:ext>
-            </a:extLst>
-          </p:cNvPr>
-          <p:cNvPicPr>
-            <a:picLocks noChangeAspect="1" noChangeArrowheads="1"/>
-          </p:cNvPicPr>
-          <p:nvPr/>
-        </p:nvPicPr>
-        <p:blipFill>
-          <a:blip r:embed="rId7">
-            <a:extLst>
-              <a:ext uri="{28A0092B-C50C-407E-A947-70E740481C1C}">
-                <a14:useLocalDpi xmlns:a14="http://schemas.microsoft.com/office/drawing/2010/main" val="0"/>
-              </a:ext>
-            </a:extLst>
-          </a:blip>
-          <a:srcRect/>
-          <a:stretch>
-            <a:fillRect/>
-          </a:stretch>
-        </p:blipFill>
-        <p:spPr bwMode="auto">
-          <a:xfrm>
-            <a:off x="5458580" y="2396913"/>
-            <a:ext cx="854645" cy="854645"/>
-          </a:xfrm>
-          <a:prstGeom prst="rect">
-            <a:avLst/>
-          </a:prstGeom>
-          <a:noFill/>
-          <a:extLst>
-            <a:ext uri="{909E8E84-426E-40DD-AFC4-6F175D3DCCD1}">
-              <a14:hiddenFill xmlns:a14="http://schemas.microsoft.com/office/drawing/2010/main">
-                <a:solidFill>
-                  <a:srgbClr val="FFFFFF"/>
-                </a:solidFill>
-              </a14:hiddenFill>
-            </a:ext>
-          </a:extLst>
-        </p:spPr>
-      </p:pic>
-      <p:cxnSp>
-        <p:nvCxnSpPr>
-          <p:cNvPr id="10" name="Connector: Elbow 9">
-            <a:extLst>
-              <a:ext uri="{FF2B5EF4-FFF2-40B4-BE49-F238E27FC236}">
-                <a16:creationId xmlns:a16="http://schemas.microsoft.com/office/drawing/2014/main" id="{583DE5B3-2923-49ED-87F6-A89045EE1311}"/>
-              </a:ext>
-            </a:extLst>
-          </p:cNvPr>
-          <p:cNvCxnSpPr>
-            <a:cxnSpLocks/>
-            <a:stCxn id="52" idx="1"/>
-            <a:endCxn id="2054" idx="0"/>
-          </p:cNvCxnSpPr>
-          <p:nvPr/>
-        </p:nvCxnSpPr>
-        <p:spPr>
-          <a:xfrm rot="10800000">
-            <a:off x="1571074" y="1859078"/>
-            <a:ext cx="3239415" cy="232389"/>
-          </a:xfrm>
-          <a:prstGeom prst="bentConnector4">
-            <a:avLst>
-              <a:gd name="adj1" fmla="val 40464"/>
-              <a:gd name="adj2" fmla="val 198370"/>
-            </a:avLst>
-          </a:prstGeom>
-          <a:ln>
-            <a:headEnd type="triangle"/>
-            <a:tailEnd type="triangle"/>
-          </a:ln>
-        </p:spPr>
-        <p:style>
-          <a:lnRef idx="1">
-            <a:schemeClr val="accent1"/>
-          </a:lnRef>
-          <a:fillRef idx="0">
-            <a:schemeClr val="accent1"/>
-          </a:fillRef>
-          <a:effectRef idx="0">
-            <a:schemeClr val="accent1"/>
-          </a:effectRef>
-          <a:fontRef idx="minor">
-            <a:schemeClr val="tx1"/>
-          </a:fontRef>
-        </p:style>
-      </p:cxnSp>
-      <p:pic>
-        <p:nvPicPr>
-          <p:cNvPr id="2064" name="Picture 16" descr="Javascript Icon #103936 - Free Icons Library">
-            <a:extLst>
-              <a:ext uri="{FF2B5EF4-FFF2-40B4-BE49-F238E27FC236}">
-                <a16:creationId xmlns:a16="http://schemas.microsoft.com/office/drawing/2014/main" id="{AD8FF608-DED7-4E94-8897-3EBB2029D326}"/>
-              </a:ext>
-            </a:extLst>
-          </p:cNvPr>
-          <p:cNvPicPr>
-            <a:picLocks noChangeAspect="1" noChangeArrowheads="1"/>
-          </p:cNvPicPr>
-          <p:nvPr/>
-        </p:nvPicPr>
-        <p:blipFill>
-          <a:blip r:embed="rId8">
-            <a:extLst>
-              <a:ext uri="{28A0092B-C50C-407E-A947-70E740481C1C}">
-                <a14:useLocalDpi xmlns:a14="http://schemas.microsoft.com/office/drawing/2010/main" val="0"/>
-              </a:ext>
-            </a:extLst>
-          </a:blip>
-          <a:srcRect/>
-          <a:stretch>
-            <a:fillRect/>
-          </a:stretch>
-        </p:blipFill>
-        <p:spPr bwMode="auto">
-          <a:xfrm>
-            <a:off x="8832411" y="5086211"/>
-            <a:ext cx="854645" cy="854645"/>
-          </a:xfrm>
-          <a:prstGeom prst="rect">
-            <a:avLst/>
-          </a:prstGeom>
-          <a:noFill/>
-          <a:extLst>
-            <a:ext uri="{909E8E84-426E-40DD-AFC4-6F175D3DCCD1}">
-              <a14:hiddenFill xmlns:a14="http://schemas.microsoft.com/office/drawing/2010/main">
-                <a:solidFill>
-                  <a:srgbClr val="FFFFFF"/>
-                </a:solidFill>
-              </a14:hiddenFill>
-            </a:ext>
-          </a:extLst>
-        </p:spPr>
-      </p:pic>
-      <p:pic>
-        <p:nvPicPr>
-          <p:cNvPr id="2066" name="Picture 18" descr="HTML Icon Flat - Icon Shop - Download free icons for commercial use">
-            <a:extLst>
-              <a:ext uri="{FF2B5EF4-FFF2-40B4-BE49-F238E27FC236}">
-                <a16:creationId xmlns:a16="http://schemas.microsoft.com/office/drawing/2014/main" id="{F08275BE-81EF-4C65-82F6-841E6B3172F7}"/>
-              </a:ext>
-            </a:extLst>
-          </p:cNvPr>
-          <p:cNvPicPr>
-            <a:picLocks noChangeAspect="1" noChangeArrowheads="1"/>
-          </p:cNvPicPr>
-          <p:nvPr/>
-        </p:nvPicPr>
-        <p:blipFill>
-          <a:blip r:embed="rId9">
-            <a:extLst>
-              <a:ext uri="{28A0092B-C50C-407E-A947-70E740481C1C}">
-                <a14:useLocalDpi xmlns:a14="http://schemas.microsoft.com/office/drawing/2010/main" val="0"/>
-              </a:ext>
-            </a:extLst>
-          </a:blip>
-          <a:srcRect/>
-          <a:stretch>
-            <a:fillRect/>
-          </a:stretch>
-        </p:blipFill>
-        <p:spPr bwMode="auto">
-          <a:xfrm>
-            <a:off x="10176062" y="5056814"/>
-            <a:ext cx="940109" cy="940109"/>
-          </a:xfrm>
-          <a:prstGeom prst="rect">
-            <a:avLst/>
-          </a:prstGeom>
-          <a:noFill/>
-          <a:extLst>
-            <a:ext uri="{909E8E84-426E-40DD-AFC4-6F175D3DCCD1}">
-              <a14:hiddenFill xmlns:a14="http://schemas.microsoft.com/office/drawing/2010/main">
-                <a:solidFill>
-                  <a:srgbClr val="FFFFFF"/>
-                </a:solidFill>
-              </a14:hiddenFill>
-            </a:ext>
-          </a:extLst>
-        </p:spPr>
-      </p:pic>
-      <p:cxnSp>
-        <p:nvCxnSpPr>
-          <p:cNvPr id="34" name="Connector: Elbow 33">
-            <a:extLst>
-              <a:ext uri="{FF2B5EF4-FFF2-40B4-BE49-F238E27FC236}">
-                <a16:creationId xmlns:a16="http://schemas.microsoft.com/office/drawing/2014/main" id="{F017ABE9-3539-402B-8C64-B3922925084A}"/>
-              </a:ext>
-            </a:extLst>
-          </p:cNvPr>
-          <p:cNvCxnSpPr>
-            <a:cxnSpLocks/>
-            <a:endCxn id="19" idx="0"/>
-          </p:cNvCxnSpPr>
-          <p:nvPr/>
-        </p:nvCxnSpPr>
-        <p:spPr>
-          <a:xfrm>
-            <a:off x="7398327" y="2785802"/>
-            <a:ext cx="2550289" cy="1712000"/>
-          </a:xfrm>
-          <a:prstGeom prst="bentConnector2">
-            <a:avLst/>
-          </a:prstGeom>
-          <a:ln>
-            <a:headEnd type="triangle"/>
-            <a:tailEnd type="triangle"/>
-          </a:ln>
-        </p:spPr>
-        <p:style>
-          <a:lnRef idx="1">
-            <a:schemeClr val="accent1"/>
-          </a:lnRef>
-          <a:fillRef idx="0">
-            <a:schemeClr val="accent1"/>
-          </a:fillRef>
-          <a:effectRef idx="0">
-            <a:schemeClr val="accent1"/>
-          </a:effectRef>
-          <a:fontRef idx="minor">
-            <a:schemeClr val="tx1"/>
-          </a:fontRef>
-        </p:style>
-      </p:cxnSp>
-      <p:sp>
-        <p:nvSpPr>
-          <p:cNvPr id="40" name="Rectangle: Rounded Corners 39">
-            <a:extLst>
-              <a:ext uri="{FF2B5EF4-FFF2-40B4-BE49-F238E27FC236}">
-                <a16:creationId xmlns:a16="http://schemas.microsoft.com/office/drawing/2014/main" id="{CCF24E85-4150-4E45-8F0E-F7736A0AB6F7}"/>
-              </a:ext>
-            </a:extLst>
-          </p:cNvPr>
-          <p:cNvSpPr/>
-          <p:nvPr/>
-        </p:nvSpPr>
-        <p:spPr>
-          <a:xfrm>
-            <a:off x="3356931" y="4497802"/>
-            <a:ext cx="4109939" cy="1824343"/>
-          </a:xfrm>
-          <a:prstGeom prst="roundRect">
-            <a:avLst/>
-          </a:prstGeom>
-          <a:solidFill>
-            <a:srgbClr val="92D050">
-              <a:alpha val="20000"/>
-            </a:srgbClr>
-          </a:solidFill>
-          <a:ln>
-            <a:solidFill>
-              <a:schemeClr val="accent1">
-                <a:shade val="50000"/>
-              </a:schemeClr>
-            </a:solidFill>
-          </a:ln>
-        </p:spPr>
-        <p:style>
-          <a:lnRef idx="2">
-            <a:schemeClr val="accent1">
-              <a:shade val="50000"/>
-            </a:schemeClr>
-          </a:lnRef>
-          <a:fillRef idx="1">
-            <a:schemeClr val="accent1"/>
-          </a:fillRef>
-          <a:effectRef idx="0">
-            <a:schemeClr val="accent1"/>
-          </a:effectRef>
-          <a:fontRef idx="minor">
-            <a:schemeClr val="lt1"/>
-          </a:fontRef>
-        </p:style>
-        <p:txBody>
-          <a:bodyPr rtlCol="0" anchor="t"/>
-          <a:lstStyle/>
-          <a:p>
-            <a:pPr algn="ctr"/>
-            <a:r>
-              <a:rPr lang="en-US" b="1" dirty="0">
-                <a:solidFill>
-                  <a:schemeClr val="tx1"/>
-                </a:solidFill>
-              </a:rPr>
-              <a:t>ML</a:t>
-            </a:r>
-          </a:p>
-        </p:txBody>
-      </p:sp>
-      <p:pic>
-        <p:nvPicPr>
-          <p:cNvPr id="2068" name="Picture 20">
-            <a:extLst>
-              <a:ext uri="{FF2B5EF4-FFF2-40B4-BE49-F238E27FC236}">
-                <a16:creationId xmlns:a16="http://schemas.microsoft.com/office/drawing/2014/main" id="{9B5B78B3-CB16-46A0-94DC-A4F3CC0E40AD}"/>
-              </a:ext>
-            </a:extLst>
-          </p:cNvPr>
-          <p:cNvPicPr>
-            <a:picLocks noChangeAspect="1" noChangeArrowheads="1"/>
-          </p:cNvPicPr>
-          <p:nvPr/>
-        </p:nvPicPr>
-        <p:blipFill>
-          <a:blip r:embed="rId10">
-            <a:extLst>
-              <a:ext uri="{28A0092B-C50C-407E-A947-70E740481C1C}">
-                <a14:useLocalDpi xmlns:a14="http://schemas.microsoft.com/office/drawing/2010/main" val="0"/>
-              </a:ext>
-            </a:extLst>
-          </a:blip>
-          <a:srcRect/>
-          <a:stretch>
-            <a:fillRect/>
-          </a:stretch>
-        </p:blipFill>
-        <p:spPr bwMode="auto">
-          <a:xfrm>
-            <a:off x="3599108" y="5108410"/>
-            <a:ext cx="1361581" cy="732914"/>
-          </a:xfrm>
-          <a:prstGeom prst="rect">
-            <a:avLst/>
-          </a:prstGeom>
-          <a:noFill/>
-          <a:extLst>
-            <a:ext uri="{909E8E84-426E-40DD-AFC4-6F175D3DCCD1}">
-              <a14:hiddenFill xmlns:a14="http://schemas.microsoft.com/office/drawing/2010/main">
-                <a:solidFill>
-                  <a:srgbClr val="FFFFFF"/>
-                </a:solidFill>
-              </a14:hiddenFill>
-            </a:ext>
-          </a:extLst>
-        </p:spPr>
-      </p:pic>
-      <p:pic>
-        <p:nvPicPr>
-          <p:cNvPr id="2070" name="Picture 22" descr="Tensorflow Logo [ Download - Logo - icon ] png svg">
-            <a:extLst>
-              <a:ext uri="{FF2B5EF4-FFF2-40B4-BE49-F238E27FC236}">
-                <a16:creationId xmlns:a16="http://schemas.microsoft.com/office/drawing/2014/main" id="{C87052B0-5384-43BB-B236-E701D2FB579B}"/>
-              </a:ext>
-            </a:extLst>
-          </p:cNvPr>
-          <p:cNvPicPr>
-            <a:picLocks noChangeAspect="1" noChangeArrowheads="1"/>
-          </p:cNvPicPr>
-          <p:nvPr/>
-        </p:nvPicPr>
-        <p:blipFill>
-          <a:blip r:embed="rId11">
-            <a:extLst>
-              <a:ext uri="{28A0092B-C50C-407E-A947-70E740481C1C}">
-                <a14:useLocalDpi xmlns:a14="http://schemas.microsoft.com/office/drawing/2010/main" val="0"/>
-              </a:ext>
-            </a:extLst>
-          </a:blip>
-          <a:srcRect/>
-          <a:stretch>
-            <a:fillRect/>
-          </a:stretch>
-        </p:blipFill>
-        <p:spPr bwMode="auto">
-          <a:xfrm>
-            <a:off x="5407287" y="4925246"/>
-            <a:ext cx="1612985" cy="1091452"/>
-          </a:xfrm>
-          <a:prstGeom prst="rect">
-            <a:avLst/>
-          </a:prstGeom>
-          <a:noFill/>
-          <a:extLst>
-            <a:ext uri="{909E8E84-426E-40DD-AFC4-6F175D3DCCD1}">
-              <a14:hiddenFill xmlns:a14="http://schemas.microsoft.com/office/drawing/2010/main">
-                <a:solidFill>
-                  <a:srgbClr val="FFFFFF"/>
-                </a:solidFill>
-              </a14:hiddenFill>
-            </a:ext>
-          </a:extLst>
-        </p:spPr>
-      </p:pic>
-      <p:cxnSp>
-        <p:nvCxnSpPr>
-          <p:cNvPr id="43" name="Connector: Elbow 42">
-            <a:extLst>
-              <a:ext uri="{FF2B5EF4-FFF2-40B4-BE49-F238E27FC236}">
-                <a16:creationId xmlns:a16="http://schemas.microsoft.com/office/drawing/2014/main" id="{AA2E90B7-D731-40C2-9A1A-09946978F645}"/>
-              </a:ext>
-            </a:extLst>
-          </p:cNvPr>
-          <p:cNvCxnSpPr>
-            <a:cxnSpLocks/>
-            <a:endCxn id="40" idx="0"/>
-          </p:cNvCxnSpPr>
-          <p:nvPr/>
-        </p:nvCxnSpPr>
-        <p:spPr>
-          <a:xfrm rot="16200000" flipH="1">
-            <a:off x="4681751" y="3767651"/>
-            <a:ext cx="995459" cy="464842"/>
-          </a:xfrm>
-          <a:prstGeom prst="bentConnector3">
-            <a:avLst>
-              <a:gd name="adj1" fmla="val 50000"/>
-            </a:avLst>
-          </a:prstGeom>
-          <a:ln>
-            <a:headEnd type="triangle"/>
-            <a:tailEnd type="triangle"/>
-          </a:ln>
-        </p:spPr>
-        <p:style>
-          <a:lnRef idx="1">
-            <a:schemeClr val="accent1"/>
-          </a:lnRef>
-          <a:fillRef idx="0">
-            <a:schemeClr val="accent1"/>
-          </a:fillRef>
-          <a:effectRef idx="0">
-            <a:schemeClr val="accent1"/>
-          </a:effectRef>
-          <a:fontRef idx="minor">
-            <a:schemeClr val="tx1"/>
-          </a:fontRef>
-        </p:style>
-      </p:cxnSp>
-      <p:pic>
-        <p:nvPicPr>
-          <p:cNvPr id="50" name="Picture 10" descr="Cloud-Icon - Voonami, Inc.">
-            <a:extLst>
-              <a:ext uri="{FF2B5EF4-FFF2-40B4-BE49-F238E27FC236}">
-                <a16:creationId xmlns:a16="http://schemas.microsoft.com/office/drawing/2014/main" id="{E4C5302C-87AC-4ECF-A518-5D77513D40C4}"/>
-              </a:ext>
-            </a:extLst>
-          </p:cNvPr>
-          <p:cNvPicPr>
-            <a:picLocks noChangeAspect="1" noChangeArrowheads="1"/>
-          </p:cNvPicPr>
-          <p:nvPr/>
-        </p:nvPicPr>
-        <p:blipFill>
-          <a:blip r:embed="rId2">
-            <a:extLst>
-              <a:ext uri="{28A0092B-C50C-407E-A947-70E740481C1C}">
-                <a14:useLocalDpi xmlns:a14="http://schemas.microsoft.com/office/drawing/2010/main" val="0"/>
-              </a:ext>
-            </a:extLst>
-          </a:blip>
-          <a:srcRect/>
-          <a:stretch>
-            <a:fillRect/>
-          </a:stretch>
-        </p:blipFill>
-        <p:spPr bwMode="auto">
-          <a:xfrm>
-            <a:off x="3706071" y="1221404"/>
-            <a:ext cx="3857232" cy="3007066"/>
-          </a:xfrm>
-          <a:prstGeom prst="rect">
-            <a:avLst/>
-          </a:prstGeom>
-          <a:noFill/>
-          <a:extLst>
-            <a:ext uri="{909E8E84-426E-40DD-AFC4-6F175D3DCCD1}">
-              <a14:hiddenFill xmlns:a14="http://schemas.microsoft.com/office/drawing/2010/main">
-                <a:solidFill>
-                  <a:srgbClr val="FFFFFF"/>
-                </a:solidFill>
-              </a14:hiddenFill>
-            </a:ext>
-          </a:extLst>
-        </p:spPr>
-      </p:pic>
-      <p:cxnSp>
-        <p:nvCxnSpPr>
-          <p:cNvPr id="57" name="Connector: Elbow 56">
-            <a:extLst>
-              <a:ext uri="{FF2B5EF4-FFF2-40B4-BE49-F238E27FC236}">
-                <a16:creationId xmlns:a16="http://schemas.microsoft.com/office/drawing/2014/main" id="{6CC78C2C-404C-456B-A056-9541163D10F7}"/>
-              </a:ext>
-            </a:extLst>
-          </p:cNvPr>
-          <p:cNvCxnSpPr>
-            <a:cxnSpLocks/>
-            <a:stCxn id="52" idx="3"/>
-          </p:cNvCxnSpPr>
-          <p:nvPr/>
-        </p:nvCxnSpPr>
-        <p:spPr>
-          <a:xfrm flipH="1">
-            <a:off x="6096000" y="2091466"/>
-            <a:ext cx="577953" cy="516312"/>
-          </a:xfrm>
-          <a:prstGeom prst="bentConnector3">
-            <a:avLst>
-              <a:gd name="adj1" fmla="val -109870"/>
-            </a:avLst>
-          </a:prstGeom>
-          <a:ln>
-            <a:headEnd type="triangle"/>
-            <a:tailEnd type="triangle"/>
-          </a:ln>
-        </p:spPr>
-        <p:style>
-          <a:lnRef idx="1">
-            <a:schemeClr val="accent1"/>
-          </a:lnRef>
-          <a:fillRef idx="0">
-            <a:schemeClr val="accent1"/>
-          </a:fillRef>
-          <a:effectRef idx="0">
-            <a:schemeClr val="accent1"/>
-          </a:effectRef>
-          <a:fontRef idx="minor">
-            <a:schemeClr val="tx1"/>
-          </a:fontRef>
-        </p:style>
-      </p:cxnSp>
-      <p:sp>
-        <p:nvSpPr>
-          <p:cNvPr id="2073" name="TextBox 2072">
-            <a:extLst>
-              <a:ext uri="{FF2B5EF4-FFF2-40B4-BE49-F238E27FC236}">
-                <a16:creationId xmlns:a16="http://schemas.microsoft.com/office/drawing/2014/main" id="{CA0C433C-B0FB-4A93-A0E0-51125C2C5D0E}"/>
-              </a:ext>
-            </a:extLst>
-          </p:cNvPr>
-          <p:cNvSpPr txBox="1"/>
-          <p:nvPr/>
-        </p:nvSpPr>
-        <p:spPr>
-          <a:xfrm>
-            <a:off x="1737189" y="3502343"/>
-            <a:ext cx="1409660" cy="369332"/>
-          </a:xfrm>
-          <a:prstGeom prst="rect">
-            <a:avLst/>
-          </a:prstGeom>
-          <a:noFill/>
-        </p:spPr>
-        <p:txBody>
-          <a:bodyPr wrap="square" rtlCol="0">
-            <a:spAutoFit/>
-          </a:bodyPr>
-          <a:lstStyle/>
-          <a:p>
-            <a:pPr algn="ctr"/>
-            <a:r>
-              <a:rPr lang="en-US" b="1" dirty="0"/>
-              <a:t>DB</a:t>
-            </a:r>
-          </a:p>
-        </p:txBody>
-      </p:sp>
-      <p:pic>
-        <p:nvPicPr>
-          <p:cNvPr id="52" name="Picture 24" descr="GitHub - Mantej-Singh/The-SQL-Alchemist: SQLAlchemy miniproject">
-            <a:extLst>
-              <a:ext uri="{FF2B5EF4-FFF2-40B4-BE49-F238E27FC236}">
-                <a16:creationId xmlns:a16="http://schemas.microsoft.com/office/drawing/2014/main" id="{60FE0A24-F2D9-48D0-BEE8-92DE4575D180}"/>
-              </a:ext>
-            </a:extLst>
-          </p:cNvPr>
-          <p:cNvPicPr>
-            <a:picLocks noChangeAspect="1" noChangeArrowheads="1"/>
-          </p:cNvPicPr>
-          <p:nvPr/>
-        </p:nvPicPr>
-        <p:blipFill>
-          <a:blip r:embed="rId12">
-            <a:extLst>
-              <a:ext uri="{28A0092B-C50C-407E-A947-70E740481C1C}">
-                <a14:useLocalDpi xmlns:a14="http://schemas.microsoft.com/office/drawing/2010/main" val="0"/>
-              </a:ext>
-            </a:extLst>
-          </a:blip>
-          <a:srcRect/>
-          <a:stretch>
-            <a:fillRect/>
-          </a:stretch>
-        </p:blipFill>
-        <p:spPr bwMode="auto">
-          <a:xfrm>
-            <a:off x="4810488" y="1847151"/>
-            <a:ext cx="1863465" cy="488629"/>
-          </a:xfrm>
-          <a:prstGeom prst="rect">
-            <a:avLst/>
-          </a:prstGeom>
-          <a:noFill/>
-          <a:extLst>
-            <a:ext uri="{909E8E84-426E-40DD-AFC4-6F175D3DCCD1}">
-              <a14:hiddenFill xmlns:a14="http://schemas.microsoft.com/office/drawing/2010/main">
-                <a:solidFill>
-                  <a:srgbClr val="FFFFFF"/>
-                </a:solidFill>
-              </a14:hiddenFill>
-            </a:ext>
-          </a:extLst>
-        </p:spPr>
-      </p:pic>
-      <p:pic>
-        <p:nvPicPr>
-          <p:cNvPr id="1025" name="Picture 26" descr="Google Colab - A Step-by-step Guide - AlgoTrading101 Blog">
-            <a:extLst>
-              <a:ext uri="{FF2B5EF4-FFF2-40B4-BE49-F238E27FC236}">
-                <a16:creationId xmlns:a16="http://schemas.microsoft.com/office/drawing/2014/main" id="{BD685960-709C-4443-A476-EE7653E65113}"/>
-              </a:ext>
-            </a:extLst>
-          </p:cNvPr>
-          <p:cNvPicPr>
-            <a:picLocks noChangeAspect="1" noChangeArrowheads="1"/>
-          </p:cNvPicPr>
-          <p:nvPr/>
-        </p:nvPicPr>
-        <p:blipFill>
-          <a:blip r:embed="rId13">
-            <a:extLst>
-              <a:ext uri="{28A0092B-C50C-407E-A947-70E740481C1C}">
-                <a14:useLocalDpi xmlns:a14="http://schemas.microsoft.com/office/drawing/2010/main" val="0"/>
-              </a:ext>
-            </a:extLst>
-          </a:blip>
-          <a:srcRect/>
-          <a:stretch>
-            <a:fillRect/>
-          </a:stretch>
-        </p:blipFill>
-        <p:spPr bwMode="auto">
-          <a:xfrm>
-            <a:off x="12369968" y="176946"/>
-            <a:ext cx="1198190" cy="799185"/>
-          </a:xfrm>
-          <a:prstGeom prst="rect">
-            <a:avLst/>
-          </a:prstGeom>
-          <a:noFill/>
-          <a:extLst>
-            <a:ext uri="{909E8E84-426E-40DD-AFC4-6F175D3DCCD1}">
-              <a14:hiddenFill xmlns:a14="http://schemas.microsoft.com/office/drawing/2010/main">
-                <a:solidFill>
-                  <a:srgbClr val="FFFFFF"/>
-                </a:solidFill>
-              </a14:hiddenFill>
-            </a:ext>
-          </a:extLst>
-        </p:spPr>
-      </p:pic>
-      <p:sp>
-        <p:nvSpPr>
-          <p:cNvPr id="3" name="TextBox 2">
-            <a:extLst>
-              <a:ext uri="{FF2B5EF4-FFF2-40B4-BE49-F238E27FC236}">
-                <a16:creationId xmlns:a16="http://schemas.microsoft.com/office/drawing/2014/main" id="{9B1F8678-AAB2-4716-8200-2870857546B2}"/>
-              </a:ext>
-            </a:extLst>
-          </p:cNvPr>
-          <p:cNvSpPr txBox="1"/>
-          <p:nvPr/>
-        </p:nvSpPr>
-        <p:spPr>
-          <a:xfrm>
-            <a:off x="838200" y="2960132"/>
-            <a:ext cx="4326505" cy="369332"/>
-          </a:xfrm>
-          <a:prstGeom prst="rect">
-            <a:avLst/>
-          </a:prstGeom>
-          <a:solidFill>
-            <a:srgbClr val="FFC000"/>
-          </a:solidFill>
-        </p:spPr>
-        <p:txBody>
-          <a:bodyPr wrap="square" rtlCol="0">
-            <a:spAutoFit/>
-          </a:bodyPr>
-          <a:lstStyle/>
-          <a:p>
-            <a:pPr algn="ctr"/>
-            <a:r>
-              <a:rPr lang="en-US" dirty="0"/>
-              <a:t>Heroku</a:t>
-            </a:r>
-          </a:p>
-        </p:txBody>
-      </p:sp>
-      <p:sp>
-        <p:nvSpPr>
-          <p:cNvPr id="12" name="TextBox 11">
-            <a:extLst>
-              <a:ext uri="{FF2B5EF4-FFF2-40B4-BE49-F238E27FC236}">
-                <a16:creationId xmlns:a16="http://schemas.microsoft.com/office/drawing/2014/main" id="{5FAB75A9-83F1-4F90-BFC4-F4EB1992FF60}"/>
-              </a:ext>
-            </a:extLst>
-          </p:cNvPr>
-          <p:cNvSpPr txBox="1"/>
-          <p:nvPr/>
-        </p:nvSpPr>
-        <p:spPr>
-          <a:xfrm>
-            <a:off x="12369968" y="2724937"/>
-            <a:ext cx="1132665" cy="369332"/>
-          </a:xfrm>
-          <a:prstGeom prst="rect">
-            <a:avLst/>
-          </a:prstGeom>
-          <a:solidFill>
-            <a:srgbClr val="FFC000"/>
-          </a:solidFill>
-        </p:spPr>
-        <p:txBody>
-          <a:bodyPr wrap="square" rtlCol="0">
-            <a:spAutoFit/>
-          </a:bodyPr>
-          <a:lstStyle/>
-          <a:p>
-            <a:pPr algn="ctr"/>
-            <a:r>
-              <a:rPr lang="en-US" dirty="0"/>
-              <a:t>Atlas Free</a:t>
-            </a:r>
-          </a:p>
-        </p:txBody>
-      </p:sp>
-      <p:sp>
-        <p:nvSpPr>
-          <p:cNvPr id="39" name="TextBox 38">
-            <a:extLst>
-              <a:ext uri="{FF2B5EF4-FFF2-40B4-BE49-F238E27FC236}">
-                <a16:creationId xmlns:a16="http://schemas.microsoft.com/office/drawing/2014/main" id="{D9783ECA-EFCB-4C39-BEE9-3761C1F79287}"/>
-              </a:ext>
-            </a:extLst>
-          </p:cNvPr>
-          <p:cNvSpPr txBox="1"/>
-          <p:nvPr/>
-        </p:nvSpPr>
-        <p:spPr>
-          <a:xfrm>
-            <a:off x="3586841" y="1765544"/>
-            <a:ext cx="668593" cy="369332"/>
-          </a:xfrm>
-          <a:prstGeom prst="rect">
-            <a:avLst/>
-          </a:prstGeom>
-          <a:noFill/>
-        </p:spPr>
-        <p:txBody>
-          <a:bodyPr wrap="square" rtlCol="0">
-            <a:spAutoFit/>
-          </a:bodyPr>
-          <a:lstStyle/>
-          <a:p>
-            <a:pPr algn="ctr"/>
-            <a:r>
-              <a:rPr lang="en-US" dirty="0"/>
-              <a:t>API</a:t>
-            </a:r>
-          </a:p>
-        </p:txBody>
-      </p:sp>
-      <p:sp>
-        <p:nvSpPr>
-          <p:cNvPr id="7" name="TextBox 6">
-            <a:extLst>
-              <a:ext uri="{FF2B5EF4-FFF2-40B4-BE49-F238E27FC236}">
-                <a16:creationId xmlns:a16="http://schemas.microsoft.com/office/drawing/2014/main" id="{36EB1028-2E4B-4F85-AC41-ED493FD0E59E}"/>
-              </a:ext>
-            </a:extLst>
-          </p:cNvPr>
-          <p:cNvSpPr txBox="1"/>
-          <p:nvPr/>
-        </p:nvSpPr>
-        <p:spPr>
-          <a:xfrm>
-            <a:off x="6608925" y="4157526"/>
-            <a:ext cx="885478" cy="369332"/>
-          </a:xfrm>
-          <a:prstGeom prst="rect">
-            <a:avLst/>
-          </a:prstGeom>
-          <a:noFill/>
-        </p:spPr>
-        <p:txBody>
-          <a:bodyPr wrap="square" rtlCol="0">
-            <a:spAutoFit/>
-          </a:bodyPr>
-          <a:lstStyle/>
-          <a:p>
-            <a:r>
-              <a:rPr lang="en-US" dirty="0"/>
-              <a:t>Lev</a:t>
-            </a:r>
-          </a:p>
-        </p:txBody>
-      </p:sp>
-      <p:sp>
-        <p:nvSpPr>
-          <p:cNvPr id="33" name="TextBox 32">
-            <a:extLst>
-              <a:ext uri="{FF2B5EF4-FFF2-40B4-BE49-F238E27FC236}">
-                <a16:creationId xmlns:a16="http://schemas.microsoft.com/office/drawing/2014/main" id="{F839323D-83B5-4FA3-9DB1-66555CAF8AAE}"/>
-              </a:ext>
-            </a:extLst>
-          </p:cNvPr>
-          <p:cNvSpPr txBox="1"/>
-          <p:nvPr/>
-        </p:nvSpPr>
-        <p:spPr>
-          <a:xfrm>
-            <a:off x="2558713" y="1169963"/>
-            <a:ext cx="885478" cy="369332"/>
-          </a:xfrm>
-          <a:prstGeom prst="rect">
-            <a:avLst/>
-          </a:prstGeom>
-          <a:noFill/>
-        </p:spPr>
-        <p:txBody>
-          <a:bodyPr wrap="square" rtlCol="0">
-            <a:spAutoFit/>
-          </a:bodyPr>
-          <a:lstStyle/>
-          <a:p>
-            <a:r>
-              <a:rPr lang="en-US" dirty="0"/>
-              <a:t>Lydia</a:t>
-            </a:r>
-          </a:p>
-        </p:txBody>
-      </p:sp>
-      <p:sp>
-        <p:nvSpPr>
-          <p:cNvPr id="36" name="TextBox 35">
-            <a:extLst>
-              <a:ext uri="{FF2B5EF4-FFF2-40B4-BE49-F238E27FC236}">
-                <a16:creationId xmlns:a16="http://schemas.microsoft.com/office/drawing/2014/main" id="{DC751123-F488-425E-A69E-EAA43C5DD605}"/>
-              </a:ext>
-            </a:extLst>
-          </p:cNvPr>
-          <p:cNvSpPr txBox="1"/>
-          <p:nvPr/>
-        </p:nvSpPr>
-        <p:spPr>
-          <a:xfrm>
-            <a:off x="10746396" y="4178470"/>
-            <a:ext cx="1495131" cy="369332"/>
-          </a:xfrm>
-          <a:prstGeom prst="rect">
-            <a:avLst/>
-          </a:prstGeom>
-          <a:noFill/>
-        </p:spPr>
-        <p:txBody>
-          <a:bodyPr wrap="square" rtlCol="0">
-            <a:spAutoFit/>
-          </a:bodyPr>
-          <a:lstStyle/>
-          <a:p>
-            <a:r>
-              <a:rPr lang="en-US" dirty="0"/>
-              <a:t>Muhammad</a:t>
+              <a:t>Back Up</a:t>
             </a:r>
           </a:p>
         </p:txBody>
@@ -6433,7 +5062,7 @@
     </p:spTree>
     <p:extLst>
       <p:ext uri="{BB962C8B-B14F-4D97-AF65-F5344CB8AC3E}">
-        <p14:creationId xmlns:p14="http://schemas.microsoft.com/office/powerpoint/2010/main" val="2701959572"/>
+        <p14:creationId xmlns:p14="http://schemas.microsoft.com/office/powerpoint/2010/main" val="3847749807"/>
       </p:ext>
     </p:extLst>
   </p:cSld>
@@ -6490,17 +5119,1354 @@
           <a:p>
             <a:r>
               <a:rPr lang="en-US" dirty="0"/>
-              <a:t>Datasets</a:t>
-            </a:r>
-          </a:p>
-        </p:txBody>
-      </p:sp>
-      <p:sp>
-        <p:nvSpPr>
-          <p:cNvPr id="8" name="TextBox 7">
-            <a:extLst>
-              <a:ext uri="{FF2B5EF4-FFF2-40B4-BE49-F238E27FC236}">
-                <a16:creationId xmlns:a16="http://schemas.microsoft.com/office/drawing/2014/main" id="{7FEC139D-4A4F-4B95-A1C3-581340C9CC0D}"/>
+              <a:t>Technologies</a:t>
+            </a:r>
+          </a:p>
+        </p:txBody>
+      </p:sp>
+      <p:sp>
+        <p:nvSpPr>
+          <p:cNvPr id="4" name="Rectangle 3">
+            <a:extLst>
+              <a:ext uri="{FF2B5EF4-FFF2-40B4-BE49-F238E27FC236}">
+                <a16:creationId xmlns:a16="http://schemas.microsoft.com/office/drawing/2014/main" id="{955A7593-20CE-4003-909B-B4AB732E47C2}"/>
+              </a:ext>
+            </a:extLst>
+          </p:cNvPr>
+          <p:cNvSpPr/>
+          <p:nvPr/>
+        </p:nvSpPr>
+        <p:spPr>
+          <a:xfrm>
+            <a:off x="508000" y="4476280"/>
+            <a:ext cx="2835564" cy="637309"/>
+          </a:xfrm>
+          <a:prstGeom prst="rect">
+            <a:avLst/>
+          </a:prstGeom>
+          <a:noFill/>
+          <a:ln>
+            <a:noFill/>
+          </a:ln>
+        </p:spPr>
+        <p:style>
+          <a:lnRef idx="2">
+            <a:schemeClr val="accent1">
+              <a:shade val="50000"/>
+            </a:schemeClr>
+          </a:lnRef>
+          <a:fillRef idx="1">
+            <a:schemeClr val="accent1"/>
+          </a:fillRef>
+          <a:effectRef idx="0">
+            <a:schemeClr val="accent1"/>
+          </a:effectRef>
+          <a:fontRef idx="minor">
+            <a:schemeClr val="lt1"/>
+          </a:fontRef>
+        </p:style>
+        <p:txBody>
+          <a:bodyPr rtlCol="0" anchor="ctr"/>
+          <a:lstStyle/>
+          <a:p>
+            <a:pPr algn="ctr"/>
+            <a:r>
+              <a:rPr lang="en-US" dirty="0">
+                <a:solidFill>
+                  <a:schemeClr val="tx1"/>
+                </a:solidFill>
+              </a:rPr>
+              <a:t>Machine Learning</a:t>
+            </a:r>
+          </a:p>
+        </p:txBody>
+      </p:sp>
+      <p:sp>
+        <p:nvSpPr>
+          <p:cNvPr id="5" name="Rectangle 4">
+            <a:extLst>
+              <a:ext uri="{FF2B5EF4-FFF2-40B4-BE49-F238E27FC236}">
+                <a16:creationId xmlns:a16="http://schemas.microsoft.com/office/drawing/2014/main" id="{17174FB7-90E5-4686-AE29-1C39952DC1F9}"/>
+              </a:ext>
+            </a:extLst>
+          </p:cNvPr>
+          <p:cNvSpPr/>
+          <p:nvPr/>
+        </p:nvSpPr>
+        <p:spPr>
+          <a:xfrm>
+            <a:off x="508000" y="2381718"/>
+            <a:ext cx="2835564" cy="637309"/>
+          </a:xfrm>
+          <a:prstGeom prst="rect">
+            <a:avLst/>
+          </a:prstGeom>
+          <a:noFill/>
+          <a:ln>
+            <a:noFill/>
+          </a:ln>
+        </p:spPr>
+        <p:style>
+          <a:lnRef idx="2">
+            <a:schemeClr val="accent1">
+              <a:shade val="50000"/>
+            </a:schemeClr>
+          </a:lnRef>
+          <a:fillRef idx="1">
+            <a:schemeClr val="accent1"/>
+          </a:fillRef>
+          <a:effectRef idx="0">
+            <a:schemeClr val="accent1"/>
+          </a:effectRef>
+          <a:fontRef idx="minor">
+            <a:schemeClr val="lt1"/>
+          </a:fontRef>
+        </p:style>
+        <p:txBody>
+          <a:bodyPr rtlCol="0" anchor="ctr"/>
+          <a:lstStyle/>
+          <a:p>
+            <a:pPr algn="ctr"/>
+            <a:r>
+              <a:rPr lang="en-US" dirty="0">
+                <a:solidFill>
+                  <a:schemeClr val="tx1"/>
+                </a:solidFill>
+              </a:rPr>
+              <a:t>Database</a:t>
+            </a:r>
+          </a:p>
+        </p:txBody>
+      </p:sp>
+      <p:sp>
+        <p:nvSpPr>
+          <p:cNvPr id="6" name="Rectangle 5">
+            <a:extLst>
+              <a:ext uri="{FF2B5EF4-FFF2-40B4-BE49-F238E27FC236}">
+                <a16:creationId xmlns:a16="http://schemas.microsoft.com/office/drawing/2014/main" id="{341F4DEC-3E12-470F-BEE4-CAA8B0BFBEE8}"/>
+              </a:ext>
+            </a:extLst>
+          </p:cNvPr>
+          <p:cNvSpPr/>
+          <p:nvPr/>
+        </p:nvSpPr>
+        <p:spPr>
+          <a:xfrm>
+            <a:off x="508000" y="1334437"/>
+            <a:ext cx="2835564" cy="637309"/>
+          </a:xfrm>
+          <a:prstGeom prst="rect">
+            <a:avLst/>
+          </a:prstGeom>
+          <a:noFill/>
+          <a:ln>
+            <a:noFill/>
+          </a:ln>
+        </p:spPr>
+        <p:style>
+          <a:lnRef idx="2">
+            <a:schemeClr val="accent1">
+              <a:shade val="50000"/>
+            </a:schemeClr>
+          </a:lnRef>
+          <a:fillRef idx="1">
+            <a:schemeClr val="accent1"/>
+          </a:fillRef>
+          <a:effectRef idx="0">
+            <a:schemeClr val="accent1"/>
+          </a:effectRef>
+          <a:fontRef idx="minor">
+            <a:schemeClr val="lt1"/>
+          </a:fontRef>
+        </p:style>
+        <p:txBody>
+          <a:bodyPr rtlCol="0" anchor="ctr"/>
+          <a:lstStyle/>
+          <a:p>
+            <a:pPr algn="ctr"/>
+            <a:r>
+              <a:rPr lang="en-US" dirty="0">
+                <a:solidFill>
+                  <a:schemeClr val="tx1"/>
+                </a:solidFill>
+              </a:rPr>
+              <a:t>Data Cleaning &amp; Analysis</a:t>
+            </a:r>
+          </a:p>
+        </p:txBody>
+      </p:sp>
+      <p:sp>
+        <p:nvSpPr>
+          <p:cNvPr id="7" name="Rectangle 6">
+            <a:extLst>
+              <a:ext uri="{FF2B5EF4-FFF2-40B4-BE49-F238E27FC236}">
+                <a16:creationId xmlns:a16="http://schemas.microsoft.com/office/drawing/2014/main" id="{0B199367-DD65-4AAF-A899-7D845120BB4C}"/>
+              </a:ext>
+            </a:extLst>
+          </p:cNvPr>
+          <p:cNvSpPr/>
+          <p:nvPr/>
+        </p:nvSpPr>
+        <p:spPr>
+          <a:xfrm>
+            <a:off x="508000" y="5523563"/>
+            <a:ext cx="2835564" cy="637309"/>
+          </a:xfrm>
+          <a:prstGeom prst="rect">
+            <a:avLst/>
+          </a:prstGeom>
+          <a:noFill/>
+          <a:ln>
+            <a:noFill/>
+          </a:ln>
+        </p:spPr>
+        <p:style>
+          <a:lnRef idx="2">
+            <a:schemeClr val="accent1">
+              <a:shade val="50000"/>
+            </a:schemeClr>
+          </a:lnRef>
+          <a:fillRef idx="1">
+            <a:schemeClr val="accent1"/>
+          </a:fillRef>
+          <a:effectRef idx="0">
+            <a:schemeClr val="accent1"/>
+          </a:effectRef>
+          <a:fontRef idx="minor">
+            <a:schemeClr val="lt1"/>
+          </a:fontRef>
+        </p:style>
+        <p:txBody>
+          <a:bodyPr rtlCol="0" anchor="ctr"/>
+          <a:lstStyle/>
+          <a:p>
+            <a:pPr algn="ctr"/>
+            <a:r>
+              <a:rPr lang="en-US" dirty="0">
+                <a:solidFill>
+                  <a:schemeClr val="tx1"/>
+                </a:solidFill>
+              </a:rPr>
+              <a:t>Visualization</a:t>
+            </a:r>
+          </a:p>
+        </p:txBody>
+      </p:sp>
+      <p:cxnSp>
+        <p:nvCxnSpPr>
+          <p:cNvPr id="9" name="Straight Connector 8">
+            <a:extLst>
+              <a:ext uri="{FF2B5EF4-FFF2-40B4-BE49-F238E27FC236}">
+                <a16:creationId xmlns:a16="http://schemas.microsoft.com/office/drawing/2014/main" id="{5B1316ED-CFEC-4617-A141-F7BC743407D3}"/>
+              </a:ext>
+            </a:extLst>
+          </p:cNvPr>
+          <p:cNvCxnSpPr>
+            <a:cxnSpLocks/>
+          </p:cNvCxnSpPr>
+          <p:nvPr/>
+        </p:nvCxnSpPr>
+        <p:spPr>
+          <a:xfrm>
+            <a:off x="498762" y="2141409"/>
+            <a:ext cx="10427855" cy="0"/>
+          </a:xfrm>
+          <a:prstGeom prst="line">
+            <a:avLst/>
+          </a:prstGeom>
+        </p:spPr>
+        <p:style>
+          <a:lnRef idx="1">
+            <a:schemeClr val="accent1"/>
+          </a:lnRef>
+          <a:fillRef idx="0">
+            <a:schemeClr val="accent1"/>
+          </a:fillRef>
+          <a:effectRef idx="0">
+            <a:schemeClr val="accent1"/>
+          </a:effectRef>
+          <a:fontRef idx="minor">
+            <a:schemeClr val="tx1"/>
+          </a:fontRef>
+        </p:style>
+      </p:cxnSp>
+      <p:cxnSp>
+        <p:nvCxnSpPr>
+          <p:cNvPr id="10" name="Straight Connector 9">
+            <a:extLst>
+              <a:ext uri="{FF2B5EF4-FFF2-40B4-BE49-F238E27FC236}">
+                <a16:creationId xmlns:a16="http://schemas.microsoft.com/office/drawing/2014/main" id="{8B388613-4D92-46B3-B54D-C85E91BCB620}"/>
+              </a:ext>
+            </a:extLst>
+          </p:cNvPr>
+          <p:cNvCxnSpPr>
+            <a:cxnSpLocks/>
+          </p:cNvCxnSpPr>
+          <p:nvPr/>
+        </p:nvCxnSpPr>
+        <p:spPr>
+          <a:xfrm>
+            <a:off x="498762" y="3253327"/>
+            <a:ext cx="10427855" cy="0"/>
+          </a:xfrm>
+          <a:prstGeom prst="line">
+            <a:avLst/>
+          </a:prstGeom>
+        </p:spPr>
+        <p:style>
+          <a:lnRef idx="1">
+            <a:schemeClr val="accent1"/>
+          </a:lnRef>
+          <a:fillRef idx="0">
+            <a:schemeClr val="accent1"/>
+          </a:fillRef>
+          <a:effectRef idx="0">
+            <a:schemeClr val="accent1"/>
+          </a:effectRef>
+          <a:fontRef idx="minor">
+            <a:schemeClr val="tx1"/>
+          </a:fontRef>
+        </p:style>
+      </p:cxnSp>
+      <p:cxnSp>
+        <p:nvCxnSpPr>
+          <p:cNvPr id="11" name="Straight Connector 10">
+            <a:extLst>
+              <a:ext uri="{FF2B5EF4-FFF2-40B4-BE49-F238E27FC236}">
+                <a16:creationId xmlns:a16="http://schemas.microsoft.com/office/drawing/2014/main" id="{100202AD-67B5-4016-833D-58CFD9545ABE}"/>
+              </a:ext>
+            </a:extLst>
+          </p:cNvPr>
+          <p:cNvCxnSpPr>
+            <a:cxnSpLocks/>
+          </p:cNvCxnSpPr>
+          <p:nvPr/>
+        </p:nvCxnSpPr>
+        <p:spPr>
+          <a:xfrm>
+            <a:off x="498762" y="5477164"/>
+            <a:ext cx="10427855" cy="0"/>
+          </a:xfrm>
+          <a:prstGeom prst="line">
+            <a:avLst/>
+          </a:prstGeom>
+        </p:spPr>
+        <p:style>
+          <a:lnRef idx="1">
+            <a:schemeClr val="accent1"/>
+          </a:lnRef>
+          <a:fillRef idx="0">
+            <a:schemeClr val="accent1"/>
+          </a:fillRef>
+          <a:effectRef idx="0">
+            <a:schemeClr val="accent1"/>
+          </a:effectRef>
+          <a:fontRef idx="minor">
+            <a:schemeClr val="tx1"/>
+          </a:fontRef>
+        </p:style>
+      </p:cxnSp>
+      <p:sp>
+        <p:nvSpPr>
+          <p:cNvPr id="12" name="Rectangle 11">
+            <a:extLst>
+              <a:ext uri="{FF2B5EF4-FFF2-40B4-BE49-F238E27FC236}">
+                <a16:creationId xmlns:a16="http://schemas.microsoft.com/office/drawing/2014/main" id="{F9390E70-C5AB-4585-9F05-E53D2A9AD28F}"/>
+              </a:ext>
+            </a:extLst>
+          </p:cNvPr>
+          <p:cNvSpPr/>
+          <p:nvPr/>
+        </p:nvSpPr>
+        <p:spPr>
+          <a:xfrm>
+            <a:off x="3925454" y="1224922"/>
+            <a:ext cx="1967346" cy="637303"/>
+          </a:xfrm>
+          <a:prstGeom prst="rect">
+            <a:avLst/>
+          </a:prstGeom>
+        </p:spPr>
+        <p:style>
+          <a:lnRef idx="2">
+            <a:schemeClr val="accent1">
+              <a:shade val="50000"/>
+            </a:schemeClr>
+          </a:lnRef>
+          <a:fillRef idx="1">
+            <a:schemeClr val="accent1"/>
+          </a:fillRef>
+          <a:effectRef idx="0">
+            <a:schemeClr val="accent1"/>
+          </a:effectRef>
+          <a:fontRef idx="minor">
+            <a:schemeClr val="lt1"/>
+          </a:fontRef>
+        </p:style>
+        <p:txBody>
+          <a:bodyPr rtlCol="0" anchor="ctr"/>
+          <a:lstStyle/>
+          <a:p>
+            <a:pPr algn="ctr"/>
+            <a:r>
+              <a:rPr lang="en-US" dirty="0"/>
+              <a:t>Pandas</a:t>
+            </a:r>
+          </a:p>
+        </p:txBody>
+      </p:sp>
+      <p:sp>
+        <p:nvSpPr>
+          <p:cNvPr id="13" name="Rectangle 12">
+            <a:extLst>
+              <a:ext uri="{FF2B5EF4-FFF2-40B4-BE49-F238E27FC236}">
+                <a16:creationId xmlns:a16="http://schemas.microsoft.com/office/drawing/2014/main" id="{FC80AF41-9A49-4EE6-899E-2EDCE1AA8030}"/>
+              </a:ext>
+            </a:extLst>
+          </p:cNvPr>
+          <p:cNvSpPr/>
+          <p:nvPr/>
+        </p:nvSpPr>
+        <p:spPr>
+          <a:xfrm>
+            <a:off x="5989782" y="1224704"/>
+            <a:ext cx="1967346" cy="637303"/>
+          </a:xfrm>
+          <a:prstGeom prst="rect">
+            <a:avLst/>
+          </a:prstGeom>
+        </p:spPr>
+        <p:style>
+          <a:lnRef idx="2">
+            <a:schemeClr val="accent1">
+              <a:shade val="50000"/>
+            </a:schemeClr>
+          </a:lnRef>
+          <a:fillRef idx="1">
+            <a:schemeClr val="accent1"/>
+          </a:fillRef>
+          <a:effectRef idx="0">
+            <a:schemeClr val="accent1"/>
+          </a:effectRef>
+          <a:fontRef idx="minor">
+            <a:schemeClr val="lt1"/>
+          </a:fontRef>
+        </p:style>
+        <p:txBody>
+          <a:bodyPr rtlCol="0" anchor="ctr"/>
+          <a:lstStyle/>
+          <a:p>
+            <a:pPr algn="ctr"/>
+            <a:r>
+              <a:rPr lang="en-US" dirty="0" err="1"/>
+              <a:t>PySpark</a:t>
+            </a:r>
+            <a:endParaRPr lang="en-US" dirty="0"/>
+          </a:p>
+        </p:txBody>
+      </p:sp>
+      <p:sp>
+        <p:nvSpPr>
+          <p:cNvPr id="14" name="Rectangle 13">
+            <a:extLst>
+              <a:ext uri="{FF2B5EF4-FFF2-40B4-BE49-F238E27FC236}">
+                <a16:creationId xmlns:a16="http://schemas.microsoft.com/office/drawing/2014/main" id="{49B581F3-6094-4BF3-8CD1-1C4CA6E0C05E}"/>
+              </a:ext>
+            </a:extLst>
+          </p:cNvPr>
+          <p:cNvSpPr/>
+          <p:nvPr/>
+        </p:nvSpPr>
+        <p:spPr>
+          <a:xfrm>
+            <a:off x="3925454" y="2384166"/>
+            <a:ext cx="1967346" cy="637303"/>
+          </a:xfrm>
+          <a:prstGeom prst="rect">
+            <a:avLst/>
+          </a:prstGeom>
+        </p:spPr>
+        <p:style>
+          <a:lnRef idx="2">
+            <a:schemeClr val="accent1">
+              <a:shade val="50000"/>
+            </a:schemeClr>
+          </a:lnRef>
+          <a:fillRef idx="1">
+            <a:schemeClr val="accent1"/>
+          </a:fillRef>
+          <a:effectRef idx="0">
+            <a:schemeClr val="accent1"/>
+          </a:effectRef>
+          <a:fontRef idx="minor">
+            <a:schemeClr val="lt1"/>
+          </a:fontRef>
+        </p:style>
+        <p:txBody>
+          <a:bodyPr rtlCol="0" anchor="ctr"/>
+          <a:lstStyle/>
+          <a:p>
+            <a:pPr algn="ctr"/>
+            <a:r>
+              <a:rPr lang="en-US" dirty="0"/>
+              <a:t>PostgreSQL</a:t>
+            </a:r>
+          </a:p>
+        </p:txBody>
+      </p:sp>
+      <p:sp>
+        <p:nvSpPr>
+          <p:cNvPr id="15" name="Rectangle 14">
+            <a:extLst>
+              <a:ext uri="{FF2B5EF4-FFF2-40B4-BE49-F238E27FC236}">
+                <a16:creationId xmlns:a16="http://schemas.microsoft.com/office/drawing/2014/main" id="{50C1AF91-81CC-4910-922E-F8573EABE1B5}"/>
+              </a:ext>
+            </a:extLst>
+          </p:cNvPr>
+          <p:cNvSpPr/>
+          <p:nvPr/>
+        </p:nvSpPr>
+        <p:spPr>
+          <a:xfrm>
+            <a:off x="5989782" y="2384166"/>
+            <a:ext cx="1967346" cy="637303"/>
+          </a:xfrm>
+          <a:prstGeom prst="rect">
+            <a:avLst/>
+          </a:prstGeom>
+        </p:spPr>
+        <p:style>
+          <a:lnRef idx="2">
+            <a:schemeClr val="accent1">
+              <a:shade val="50000"/>
+            </a:schemeClr>
+          </a:lnRef>
+          <a:fillRef idx="1">
+            <a:schemeClr val="accent1"/>
+          </a:fillRef>
+          <a:effectRef idx="0">
+            <a:schemeClr val="accent1"/>
+          </a:effectRef>
+          <a:fontRef idx="minor">
+            <a:schemeClr val="lt1"/>
+          </a:fontRef>
+        </p:style>
+        <p:txBody>
+          <a:bodyPr rtlCol="0" anchor="ctr"/>
+          <a:lstStyle/>
+          <a:p>
+            <a:pPr algn="ctr"/>
+            <a:r>
+              <a:rPr lang="en-US" dirty="0"/>
+              <a:t>MongoDB</a:t>
+            </a:r>
+          </a:p>
+        </p:txBody>
+      </p:sp>
+      <p:sp>
+        <p:nvSpPr>
+          <p:cNvPr id="16" name="Rectangle 15">
+            <a:extLst>
+              <a:ext uri="{FF2B5EF4-FFF2-40B4-BE49-F238E27FC236}">
+                <a16:creationId xmlns:a16="http://schemas.microsoft.com/office/drawing/2014/main" id="{16036D38-393B-4146-8BCB-258327D00E4A}"/>
+              </a:ext>
+            </a:extLst>
+          </p:cNvPr>
+          <p:cNvSpPr/>
+          <p:nvPr/>
+        </p:nvSpPr>
+        <p:spPr>
+          <a:xfrm>
+            <a:off x="508000" y="3428999"/>
+            <a:ext cx="2835564" cy="637309"/>
+          </a:xfrm>
+          <a:prstGeom prst="rect">
+            <a:avLst/>
+          </a:prstGeom>
+          <a:noFill/>
+          <a:ln>
+            <a:noFill/>
+          </a:ln>
+        </p:spPr>
+        <p:style>
+          <a:lnRef idx="2">
+            <a:schemeClr val="accent1">
+              <a:shade val="50000"/>
+            </a:schemeClr>
+          </a:lnRef>
+          <a:fillRef idx="1">
+            <a:schemeClr val="accent1"/>
+          </a:fillRef>
+          <a:effectRef idx="0">
+            <a:schemeClr val="accent1"/>
+          </a:effectRef>
+          <a:fontRef idx="minor">
+            <a:schemeClr val="lt1"/>
+          </a:fontRef>
+        </p:style>
+        <p:txBody>
+          <a:bodyPr rtlCol="0" anchor="ctr"/>
+          <a:lstStyle/>
+          <a:p>
+            <a:pPr algn="ctr"/>
+            <a:r>
+              <a:rPr lang="en-US" dirty="0">
+                <a:solidFill>
+                  <a:schemeClr val="tx1"/>
+                </a:solidFill>
+              </a:rPr>
+              <a:t>Data Storage / Hosting</a:t>
+            </a:r>
+          </a:p>
+        </p:txBody>
+      </p:sp>
+      <p:cxnSp>
+        <p:nvCxnSpPr>
+          <p:cNvPr id="17" name="Straight Connector 16">
+            <a:extLst>
+              <a:ext uri="{FF2B5EF4-FFF2-40B4-BE49-F238E27FC236}">
+                <a16:creationId xmlns:a16="http://schemas.microsoft.com/office/drawing/2014/main" id="{628AA5AD-71ED-44C2-A5EB-37CCDB829C66}"/>
+              </a:ext>
+            </a:extLst>
+          </p:cNvPr>
+          <p:cNvCxnSpPr>
+            <a:cxnSpLocks/>
+          </p:cNvCxnSpPr>
+          <p:nvPr/>
+        </p:nvCxnSpPr>
+        <p:spPr>
+          <a:xfrm>
+            <a:off x="498762" y="4365245"/>
+            <a:ext cx="10427855" cy="0"/>
+          </a:xfrm>
+          <a:prstGeom prst="line">
+            <a:avLst/>
+          </a:prstGeom>
+        </p:spPr>
+        <p:style>
+          <a:lnRef idx="1">
+            <a:schemeClr val="accent1"/>
+          </a:lnRef>
+          <a:fillRef idx="0">
+            <a:schemeClr val="accent1"/>
+          </a:fillRef>
+          <a:effectRef idx="0">
+            <a:schemeClr val="accent1"/>
+          </a:effectRef>
+          <a:fontRef idx="minor">
+            <a:schemeClr val="tx1"/>
+          </a:fontRef>
+        </p:style>
+      </p:cxnSp>
+      <p:sp>
+        <p:nvSpPr>
+          <p:cNvPr id="18" name="Rectangle 17">
+            <a:extLst>
+              <a:ext uri="{FF2B5EF4-FFF2-40B4-BE49-F238E27FC236}">
+                <a16:creationId xmlns:a16="http://schemas.microsoft.com/office/drawing/2014/main" id="{107F97FF-9B95-4945-876D-2D651B857846}"/>
+              </a:ext>
+            </a:extLst>
+          </p:cNvPr>
+          <p:cNvSpPr/>
+          <p:nvPr/>
+        </p:nvSpPr>
+        <p:spPr>
+          <a:xfrm>
+            <a:off x="3925454" y="3468644"/>
+            <a:ext cx="1967346" cy="637303"/>
+          </a:xfrm>
+          <a:prstGeom prst="rect">
+            <a:avLst/>
+          </a:prstGeom>
+        </p:spPr>
+        <p:style>
+          <a:lnRef idx="2">
+            <a:schemeClr val="accent1">
+              <a:shade val="50000"/>
+            </a:schemeClr>
+          </a:lnRef>
+          <a:fillRef idx="1">
+            <a:schemeClr val="accent1"/>
+          </a:fillRef>
+          <a:effectRef idx="0">
+            <a:schemeClr val="accent1"/>
+          </a:effectRef>
+          <a:fontRef idx="minor">
+            <a:schemeClr val="lt1"/>
+          </a:fontRef>
+        </p:style>
+        <p:txBody>
+          <a:bodyPr rtlCol="0" anchor="ctr"/>
+          <a:lstStyle/>
+          <a:p>
+            <a:pPr algn="ctr"/>
+            <a:r>
+              <a:rPr lang="en-US" dirty="0"/>
+              <a:t>AWS</a:t>
+            </a:r>
+          </a:p>
+        </p:txBody>
+      </p:sp>
+      <p:sp>
+        <p:nvSpPr>
+          <p:cNvPr id="19" name="Rectangle 18">
+            <a:extLst>
+              <a:ext uri="{FF2B5EF4-FFF2-40B4-BE49-F238E27FC236}">
+                <a16:creationId xmlns:a16="http://schemas.microsoft.com/office/drawing/2014/main" id="{63A01FF3-456A-41EE-890B-AFDBF9CCBECF}"/>
+              </a:ext>
+            </a:extLst>
+          </p:cNvPr>
+          <p:cNvSpPr/>
+          <p:nvPr/>
+        </p:nvSpPr>
+        <p:spPr>
+          <a:xfrm>
+            <a:off x="5989782" y="3464809"/>
+            <a:ext cx="1967346" cy="637303"/>
+          </a:xfrm>
+          <a:prstGeom prst="rect">
+            <a:avLst/>
+          </a:prstGeom>
+        </p:spPr>
+        <p:style>
+          <a:lnRef idx="2">
+            <a:schemeClr val="accent1">
+              <a:shade val="50000"/>
+            </a:schemeClr>
+          </a:lnRef>
+          <a:fillRef idx="1">
+            <a:schemeClr val="accent1"/>
+          </a:fillRef>
+          <a:effectRef idx="0">
+            <a:schemeClr val="accent1"/>
+          </a:effectRef>
+          <a:fontRef idx="minor">
+            <a:schemeClr val="lt1"/>
+          </a:fontRef>
+        </p:style>
+        <p:txBody>
+          <a:bodyPr rtlCol="0" anchor="ctr"/>
+          <a:lstStyle/>
+          <a:p>
+            <a:pPr algn="ctr"/>
+            <a:r>
+              <a:rPr lang="en-US" dirty="0"/>
+              <a:t>Local DB</a:t>
+            </a:r>
+          </a:p>
+        </p:txBody>
+      </p:sp>
+      <p:sp>
+        <p:nvSpPr>
+          <p:cNvPr id="20" name="Rectangle 19">
+            <a:extLst>
+              <a:ext uri="{FF2B5EF4-FFF2-40B4-BE49-F238E27FC236}">
+                <a16:creationId xmlns:a16="http://schemas.microsoft.com/office/drawing/2014/main" id="{EE5F657C-C176-453C-A146-FCAEC52E8CE5}"/>
+              </a:ext>
+            </a:extLst>
+          </p:cNvPr>
+          <p:cNvSpPr/>
+          <p:nvPr/>
+        </p:nvSpPr>
+        <p:spPr>
+          <a:xfrm>
+            <a:off x="3925454" y="4602553"/>
+            <a:ext cx="1967346" cy="637303"/>
+          </a:xfrm>
+          <a:prstGeom prst="rect">
+            <a:avLst/>
+          </a:prstGeom>
+        </p:spPr>
+        <p:style>
+          <a:lnRef idx="2">
+            <a:schemeClr val="accent1">
+              <a:shade val="50000"/>
+            </a:schemeClr>
+          </a:lnRef>
+          <a:fillRef idx="1">
+            <a:schemeClr val="accent1"/>
+          </a:fillRef>
+          <a:effectRef idx="0">
+            <a:schemeClr val="accent1"/>
+          </a:effectRef>
+          <a:fontRef idx="minor">
+            <a:schemeClr val="lt1"/>
+          </a:fontRef>
+        </p:style>
+        <p:txBody>
+          <a:bodyPr rtlCol="0" anchor="ctr"/>
+          <a:lstStyle/>
+          <a:p>
+            <a:pPr algn="ctr"/>
+            <a:r>
+              <a:rPr lang="en-US" dirty="0"/>
+              <a:t>Sci Kit Learn</a:t>
+            </a:r>
+          </a:p>
+        </p:txBody>
+      </p:sp>
+      <p:sp>
+        <p:nvSpPr>
+          <p:cNvPr id="21" name="Rectangle 20">
+            <a:extLst>
+              <a:ext uri="{FF2B5EF4-FFF2-40B4-BE49-F238E27FC236}">
+                <a16:creationId xmlns:a16="http://schemas.microsoft.com/office/drawing/2014/main" id="{22A88DF5-8F7E-4CC6-995A-CCC8D12D9AC8}"/>
+              </a:ext>
+            </a:extLst>
+          </p:cNvPr>
+          <p:cNvSpPr/>
+          <p:nvPr/>
+        </p:nvSpPr>
+        <p:spPr>
+          <a:xfrm>
+            <a:off x="5989782" y="4602356"/>
+            <a:ext cx="1967346" cy="637303"/>
+          </a:xfrm>
+          <a:prstGeom prst="rect">
+            <a:avLst/>
+          </a:prstGeom>
+        </p:spPr>
+        <p:style>
+          <a:lnRef idx="2">
+            <a:schemeClr val="accent1">
+              <a:shade val="50000"/>
+            </a:schemeClr>
+          </a:lnRef>
+          <a:fillRef idx="1">
+            <a:schemeClr val="accent1"/>
+          </a:fillRef>
+          <a:effectRef idx="0">
+            <a:schemeClr val="accent1"/>
+          </a:effectRef>
+          <a:fontRef idx="minor">
+            <a:schemeClr val="lt1"/>
+          </a:fontRef>
+        </p:style>
+        <p:txBody>
+          <a:bodyPr rtlCol="0" anchor="ctr"/>
+          <a:lstStyle/>
+          <a:p>
+            <a:pPr algn="ctr"/>
+            <a:r>
+              <a:rPr lang="en-US" dirty="0"/>
+              <a:t>Tensor Flow</a:t>
+            </a:r>
+          </a:p>
+        </p:txBody>
+      </p:sp>
+      <p:sp>
+        <p:nvSpPr>
+          <p:cNvPr id="22" name="Rectangle 21">
+            <a:extLst>
+              <a:ext uri="{FF2B5EF4-FFF2-40B4-BE49-F238E27FC236}">
+                <a16:creationId xmlns:a16="http://schemas.microsoft.com/office/drawing/2014/main" id="{5A838AED-04C3-4231-B0EE-810590807C32}"/>
+              </a:ext>
+            </a:extLst>
+          </p:cNvPr>
+          <p:cNvSpPr/>
+          <p:nvPr/>
+        </p:nvSpPr>
+        <p:spPr>
+          <a:xfrm>
+            <a:off x="3925454" y="5649397"/>
+            <a:ext cx="1967346" cy="637303"/>
+          </a:xfrm>
+          <a:prstGeom prst="rect">
+            <a:avLst/>
+          </a:prstGeom>
+        </p:spPr>
+        <p:style>
+          <a:lnRef idx="2">
+            <a:schemeClr val="accent1">
+              <a:shade val="50000"/>
+            </a:schemeClr>
+          </a:lnRef>
+          <a:fillRef idx="1">
+            <a:schemeClr val="accent1"/>
+          </a:fillRef>
+          <a:effectRef idx="0">
+            <a:schemeClr val="accent1"/>
+          </a:effectRef>
+          <a:fontRef idx="minor">
+            <a:schemeClr val="lt1"/>
+          </a:fontRef>
+        </p:style>
+        <p:txBody>
+          <a:bodyPr rtlCol="0" anchor="ctr"/>
+          <a:lstStyle/>
+          <a:p>
+            <a:pPr algn="ctr"/>
+            <a:r>
+              <a:rPr lang="en-US" dirty="0"/>
+              <a:t>Java Script</a:t>
+            </a:r>
+          </a:p>
+        </p:txBody>
+      </p:sp>
+      <p:sp>
+        <p:nvSpPr>
+          <p:cNvPr id="23" name="Rectangle 22">
+            <a:extLst>
+              <a:ext uri="{FF2B5EF4-FFF2-40B4-BE49-F238E27FC236}">
+                <a16:creationId xmlns:a16="http://schemas.microsoft.com/office/drawing/2014/main" id="{147D439A-33D0-42BE-B8AB-F99EAD962590}"/>
+              </a:ext>
+            </a:extLst>
+          </p:cNvPr>
+          <p:cNvSpPr/>
+          <p:nvPr/>
+        </p:nvSpPr>
+        <p:spPr>
+          <a:xfrm>
+            <a:off x="5989782" y="5649397"/>
+            <a:ext cx="1967346" cy="637303"/>
+          </a:xfrm>
+          <a:prstGeom prst="rect">
+            <a:avLst/>
+          </a:prstGeom>
+        </p:spPr>
+        <p:style>
+          <a:lnRef idx="2">
+            <a:schemeClr val="accent1">
+              <a:shade val="50000"/>
+            </a:schemeClr>
+          </a:lnRef>
+          <a:fillRef idx="1">
+            <a:schemeClr val="accent1"/>
+          </a:fillRef>
+          <a:effectRef idx="0">
+            <a:schemeClr val="accent1"/>
+          </a:effectRef>
+          <a:fontRef idx="minor">
+            <a:schemeClr val="lt1"/>
+          </a:fontRef>
+        </p:style>
+        <p:txBody>
+          <a:bodyPr rtlCol="0" anchor="ctr"/>
+          <a:lstStyle/>
+          <a:p>
+            <a:pPr algn="ctr"/>
+            <a:r>
+              <a:rPr lang="en-US" dirty="0"/>
+              <a:t>Tableau</a:t>
+            </a:r>
+          </a:p>
+        </p:txBody>
+      </p:sp>
+      <p:sp>
+        <p:nvSpPr>
+          <p:cNvPr id="24" name="Rectangle 23">
+            <a:extLst>
+              <a:ext uri="{FF2B5EF4-FFF2-40B4-BE49-F238E27FC236}">
+                <a16:creationId xmlns:a16="http://schemas.microsoft.com/office/drawing/2014/main" id="{C975C5C6-6F01-4E6C-8D41-4A3E57D3AB46}"/>
+              </a:ext>
+            </a:extLst>
+          </p:cNvPr>
+          <p:cNvSpPr/>
+          <p:nvPr/>
+        </p:nvSpPr>
+        <p:spPr>
+          <a:xfrm>
+            <a:off x="8054110" y="5649397"/>
+            <a:ext cx="1967346" cy="637303"/>
+          </a:xfrm>
+          <a:prstGeom prst="rect">
+            <a:avLst/>
+          </a:prstGeom>
+        </p:spPr>
+        <p:style>
+          <a:lnRef idx="2">
+            <a:schemeClr val="accent1">
+              <a:shade val="50000"/>
+            </a:schemeClr>
+          </a:lnRef>
+          <a:fillRef idx="1">
+            <a:schemeClr val="accent1"/>
+          </a:fillRef>
+          <a:effectRef idx="0">
+            <a:schemeClr val="accent1"/>
+          </a:effectRef>
+          <a:fontRef idx="minor">
+            <a:schemeClr val="lt1"/>
+          </a:fontRef>
+        </p:style>
+        <p:txBody>
+          <a:bodyPr rtlCol="0" anchor="ctr"/>
+          <a:lstStyle/>
+          <a:p>
+            <a:pPr algn="ctr"/>
+            <a:r>
+              <a:rPr lang="en-US" dirty="0"/>
+              <a:t>Flask Web Server/ </a:t>
+            </a:r>
+            <a:r>
+              <a:rPr lang="en-US" dirty="0" err="1"/>
+              <a:t>SQLAlchemy</a:t>
+            </a:r>
+            <a:endParaRPr lang="en-US" dirty="0"/>
+          </a:p>
+        </p:txBody>
+      </p:sp>
+      <p:sp>
+        <p:nvSpPr>
+          <p:cNvPr id="25" name="Rectangle 24">
+            <a:extLst>
+              <a:ext uri="{FF2B5EF4-FFF2-40B4-BE49-F238E27FC236}">
+                <a16:creationId xmlns:a16="http://schemas.microsoft.com/office/drawing/2014/main" id="{223EBC58-8C52-4A61-8CA5-BE4CC24AECB3}"/>
+              </a:ext>
+            </a:extLst>
+          </p:cNvPr>
+          <p:cNvSpPr/>
+          <p:nvPr/>
+        </p:nvSpPr>
+        <p:spPr>
+          <a:xfrm>
+            <a:off x="8054110" y="1222179"/>
+            <a:ext cx="1967346" cy="637303"/>
+          </a:xfrm>
+          <a:prstGeom prst="rect">
+            <a:avLst/>
+          </a:prstGeom>
+        </p:spPr>
+        <p:style>
+          <a:lnRef idx="2">
+            <a:schemeClr val="accent1">
+              <a:shade val="50000"/>
+            </a:schemeClr>
+          </a:lnRef>
+          <a:fillRef idx="1">
+            <a:schemeClr val="accent1"/>
+          </a:fillRef>
+          <a:effectRef idx="0">
+            <a:schemeClr val="accent1"/>
+          </a:effectRef>
+          <a:fontRef idx="minor">
+            <a:schemeClr val="lt1"/>
+          </a:fontRef>
+        </p:style>
+        <p:txBody>
+          <a:bodyPr rtlCol="0" anchor="ctr"/>
+          <a:lstStyle/>
+          <a:p>
+            <a:pPr algn="ctr"/>
+            <a:r>
+              <a:rPr lang="en-US" dirty="0"/>
+              <a:t>Java Script</a:t>
+            </a:r>
+          </a:p>
+        </p:txBody>
+      </p:sp>
+      <p:sp>
+        <p:nvSpPr>
+          <p:cNvPr id="26" name="Rectangle 25">
+            <a:extLst>
+              <a:ext uri="{FF2B5EF4-FFF2-40B4-BE49-F238E27FC236}">
+                <a16:creationId xmlns:a16="http://schemas.microsoft.com/office/drawing/2014/main" id="{72DC9029-1ABD-4471-AFD8-8899FD7A5473}"/>
+              </a:ext>
+            </a:extLst>
+          </p:cNvPr>
+          <p:cNvSpPr/>
+          <p:nvPr/>
+        </p:nvSpPr>
+        <p:spPr>
+          <a:xfrm>
+            <a:off x="8054110" y="2381718"/>
+            <a:ext cx="1967346" cy="637303"/>
+          </a:xfrm>
+          <a:prstGeom prst="rect">
+            <a:avLst/>
+          </a:prstGeom>
+        </p:spPr>
+        <p:style>
+          <a:lnRef idx="2">
+            <a:schemeClr val="accent1">
+              <a:shade val="50000"/>
+            </a:schemeClr>
+          </a:lnRef>
+          <a:fillRef idx="1">
+            <a:schemeClr val="accent1"/>
+          </a:fillRef>
+          <a:effectRef idx="0">
+            <a:schemeClr val="accent1"/>
+          </a:effectRef>
+          <a:fontRef idx="minor">
+            <a:schemeClr val="lt1"/>
+          </a:fontRef>
+        </p:style>
+        <p:txBody>
+          <a:bodyPr rtlCol="0" anchor="ctr"/>
+          <a:lstStyle/>
+          <a:p>
+            <a:pPr algn="ctr"/>
+            <a:r>
+              <a:rPr lang="en-US" dirty="0"/>
+              <a:t>SQLite</a:t>
+            </a:r>
+          </a:p>
+        </p:txBody>
+      </p:sp>
+      <p:sp>
+        <p:nvSpPr>
+          <p:cNvPr id="28" name="Rectangle: Rounded Corners 27">
+            <a:extLst>
+              <a:ext uri="{FF2B5EF4-FFF2-40B4-BE49-F238E27FC236}">
+                <a16:creationId xmlns:a16="http://schemas.microsoft.com/office/drawing/2014/main" id="{92BC8738-7FBC-4057-A7B4-93E49AA8AAFE}"/>
+              </a:ext>
+            </a:extLst>
+          </p:cNvPr>
+          <p:cNvSpPr/>
+          <p:nvPr/>
+        </p:nvSpPr>
+        <p:spPr>
+          <a:xfrm>
+            <a:off x="3811192" y="1163843"/>
+            <a:ext cx="2178589" cy="762250"/>
+          </a:xfrm>
+          <a:prstGeom prst="roundRect">
+            <a:avLst/>
+          </a:prstGeom>
+          <a:noFill/>
+          <a:ln w="25400">
+            <a:solidFill>
+              <a:srgbClr val="00B050"/>
+            </a:solidFill>
+          </a:ln>
+        </p:spPr>
+        <p:style>
+          <a:lnRef idx="2">
+            <a:schemeClr val="accent1">
+              <a:shade val="50000"/>
+            </a:schemeClr>
+          </a:lnRef>
+          <a:fillRef idx="1">
+            <a:schemeClr val="accent1"/>
+          </a:fillRef>
+          <a:effectRef idx="0">
+            <a:schemeClr val="accent1"/>
+          </a:effectRef>
+          <a:fontRef idx="minor">
+            <a:schemeClr val="lt1"/>
+          </a:fontRef>
+        </p:style>
+        <p:txBody>
+          <a:bodyPr rtlCol="0" anchor="ctr"/>
+          <a:lstStyle/>
+          <a:p>
+            <a:pPr algn="ctr"/>
+            <a:endParaRPr lang="en-US"/>
+          </a:p>
+        </p:txBody>
+      </p:sp>
+      <p:sp>
+        <p:nvSpPr>
+          <p:cNvPr id="29" name="Rectangle: Rounded Corners 28">
+            <a:extLst>
+              <a:ext uri="{FF2B5EF4-FFF2-40B4-BE49-F238E27FC236}">
+                <a16:creationId xmlns:a16="http://schemas.microsoft.com/office/drawing/2014/main" id="{F43B66A3-F4B3-4477-B249-333EE4145F25}"/>
+              </a:ext>
+            </a:extLst>
+          </p:cNvPr>
+          <p:cNvSpPr/>
+          <p:nvPr/>
+        </p:nvSpPr>
+        <p:spPr>
+          <a:xfrm>
+            <a:off x="3819832" y="3408594"/>
+            <a:ext cx="2178589" cy="762250"/>
+          </a:xfrm>
+          <a:prstGeom prst="roundRect">
+            <a:avLst/>
+          </a:prstGeom>
+          <a:noFill/>
+          <a:ln w="25400">
+            <a:solidFill>
+              <a:srgbClr val="00B050"/>
+            </a:solidFill>
+          </a:ln>
+        </p:spPr>
+        <p:style>
+          <a:lnRef idx="2">
+            <a:schemeClr val="accent1">
+              <a:shade val="50000"/>
+            </a:schemeClr>
+          </a:lnRef>
+          <a:fillRef idx="1">
+            <a:schemeClr val="accent1"/>
+          </a:fillRef>
+          <a:effectRef idx="0">
+            <a:schemeClr val="accent1"/>
+          </a:effectRef>
+          <a:fontRef idx="minor">
+            <a:schemeClr val="lt1"/>
+          </a:fontRef>
+        </p:style>
+        <p:txBody>
+          <a:bodyPr rtlCol="0" anchor="ctr"/>
+          <a:lstStyle/>
+          <a:p>
+            <a:pPr algn="ctr"/>
+            <a:endParaRPr lang="en-US"/>
+          </a:p>
+        </p:txBody>
+      </p:sp>
+      <p:sp>
+        <p:nvSpPr>
+          <p:cNvPr id="30" name="Rectangle: Rounded Corners 29">
+            <a:extLst>
+              <a:ext uri="{FF2B5EF4-FFF2-40B4-BE49-F238E27FC236}">
+                <a16:creationId xmlns:a16="http://schemas.microsoft.com/office/drawing/2014/main" id="{AF7F7A3B-9064-4B78-920E-63B7F0E15F8A}"/>
+              </a:ext>
+            </a:extLst>
+          </p:cNvPr>
+          <p:cNvSpPr/>
+          <p:nvPr/>
+        </p:nvSpPr>
+        <p:spPr>
+          <a:xfrm>
+            <a:off x="3811192" y="4555958"/>
+            <a:ext cx="4242918" cy="762250"/>
+          </a:xfrm>
+          <a:prstGeom prst="roundRect">
+            <a:avLst/>
+          </a:prstGeom>
+          <a:noFill/>
+          <a:ln w="25400">
+            <a:solidFill>
+              <a:srgbClr val="00B050"/>
+            </a:solidFill>
+          </a:ln>
+        </p:spPr>
+        <p:style>
+          <a:lnRef idx="2">
+            <a:schemeClr val="accent1">
+              <a:shade val="50000"/>
+            </a:schemeClr>
+          </a:lnRef>
+          <a:fillRef idx="1">
+            <a:schemeClr val="accent1"/>
+          </a:fillRef>
+          <a:effectRef idx="0">
+            <a:schemeClr val="accent1"/>
+          </a:effectRef>
+          <a:fontRef idx="minor">
+            <a:schemeClr val="lt1"/>
+          </a:fontRef>
+        </p:style>
+        <p:txBody>
+          <a:bodyPr rtlCol="0" anchor="ctr"/>
+          <a:lstStyle/>
+          <a:p>
+            <a:pPr algn="ctr"/>
+            <a:endParaRPr lang="en-US"/>
+          </a:p>
+        </p:txBody>
+      </p:sp>
+      <p:sp>
+        <p:nvSpPr>
+          <p:cNvPr id="31" name="Rectangle: Rounded Corners 30">
+            <a:extLst>
+              <a:ext uri="{FF2B5EF4-FFF2-40B4-BE49-F238E27FC236}">
+                <a16:creationId xmlns:a16="http://schemas.microsoft.com/office/drawing/2014/main" id="{E3ABA9BC-96A1-4A66-B975-C49EE5E59B7A}"/>
+              </a:ext>
+            </a:extLst>
+          </p:cNvPr>
+          <p:cNvSpPr/>
+          <p:nvPr/>
+        </p:nvSpPr>
+        <p:spPr>
+          <a:xfrm>
+            <a:off x="3811192" y="5586924"/>
+            <a:ext cx="2178589" cy="762250"/>
+          </a:xfrm>
+          <a:prstGeom prst="roundRect">
+            <a:avLst/>
+          </a:prstGeom>
+          <a:noFill/>
+          <a:ln w="25400">
+            <a:solidFill>
+              <a:srgbClr val="00B050"/>
+            </a:solidFill>
+          </a:ln>
+        </p:spPr>
+        <p:style>
+          <a:lnRef idx="2">
+            <a:schemeClr val="accent1">
+              <a:shade val="50000"/>
+            </a:schemeClr>
+          </a:lnRef>
+          <a:fillRef idx="1">
+            <a:schemeClr val="accent1"/>
+          </a:fillRef>
+          <a:effectRef idx="0">
+            <a:schemeClr val="accent1"/>
+          </a:effectRef>
+          <a:fontRef idx="minor">
+            <a:schemeClr val="lt1"/>
+          </a:fontRef>
+        </p:style>
+        <p:txBody>
+          <a:bodyPr rtlCol="0" anchor="ctr"/>
+          <a:lstStyle/>
+          <a:p>
+            <a:pPr algn="ctr"/>
+            <a:endParaRPr lang="en-US"/>
+          </a:p>
+        </p:txBody>
+      </p:sp>
+      <p:sp>
+        <p:nvSpPr>
+          <p:cNvPr id="33" name="Rectangle 32">
+            <a:extLst>
+              <a:ext uri="{FF2B5EF4-FFF2-40B4-BE49-F238E27FC236}">
+                <a16:creationId xmlns:a16="http://schemas.microsoft.com/office/drawing/2014/main" id="{46BD391A-AA4A-49C8-BDD7-22939F70081D}"/>
+              </a:ext>
+            </a:extLst>
+          </p:cNvPr>
+          <p:cNvSpPr/>
+          <p:nvPr/>
+        </p:nvSpPr>
+        <p:spPr>
+          <a:xfrm>
+            <a:off x="8062750" y="3464171"/>
+            <a:ext cx="1967346" cy="637303"/>
+          </a:xfrm>
+          <a:prstGeom prst="rect">
+            <a:avLst/>
+          </a:prstGeom>
+        </p:spPr>
+        <p:style>
+          <a:lnRef idx="2">
+            <a:schemeClr val="accent1">
+              <a:shade val="50000"/>
+            </a:schemeClr>
+          </a:lnRef>
+          <a:fillRef idx="1">
+            <a:schemeClr val="accent1"/>
+          </a:fillRef>
+          <a:effectRef idx="0">
+            <a:schemeClr val="accent1"/>
+          </a:effectRef>
+          <a:fontRef idx="minor">
+            <a:schemeClr val="lt1"/>
+          </a:fontRef>
+        </p:style>
+        <p:txBody>
+          <a:bodyPr rtlCol="0" anchor="ctr"/>
+          <a:lstStyle/>
+          <a:p>
+            <a:pPr algn="ctr"/>
+            <a:r>
+              <a:rPr lang="en-US" dirty="0"/>
+              <a:t>Google Collab</a:t>
+            </a:r>
+          </a:p>
+        </p:txBody>
+      </p:sp>
+      <p:sp>
+        <p:nvSpPr>
+          <p:cNvPr id="35" name="TextBox 34">
+            <a:extLst>
+              <a:ext uri="{FF2B5EF4-FFF2-40B4-BE49-F238E27FC236}">
+                <a16:creationId xmlns:a16="http://schemas.microsoft.com/office/drawing/2014/main" id="{B1E6BC0F-8D79-4FAD-8C8E-453388BD16F4}"/>
               </a:ext>
             </a:extLst>
           </p:cNvPr>
@@ -6509,8 +6475,8 @@
         </p:nvSpPr>
         <p:spPr>
           <a:xfrm>
-            <a:off x="838199" y="1141841"/>
-            <a:ext cx="10095271" cy="369332"/>
+            <a:off x="10135718" y="3547495"/>
+            <a:ext cx="1482880" cy="461665"/>
           </a:xfrm>
           <a:prstGeom prst="rect">
             <a:avLst/>
@@ -6524,22 +6490,18 @@
           <a:lstStyle/>
           <a:p>
             <a:r>
-              <a:rPr lang="en-US" dirty="0">
-                <a:solidFill>
-                  <a:schemeClr val="accent1"/>
-                </a:solidFill>
-              </a:rPr>
-              <a:t>https://www.kaggle.com/borismarjanovic/price-volume-data-for-all-us-stocks-etfs</a:t>
-            </a:r>
-          </a:p>
-        </p:txBody>
-      </p:sp>
-      <p:sp>
-        <p:nvSpPr>
-          <p:cNvPr id="10" name="TextBox 9">
-            <a:extLst>
-              <a:ext uri="{FF2B5EF4-FFF2-40B4-BE49-F238E27FC236}">
-                <a16:creationId xmlns:a16="http://schemas.microsoft.com/office/drawing/2014/main" id="{B88E18F6-54EA-4987-87E7-E5E3E7665F5F}"/>
+              <a:rPr lang="en-US" sz="800" dirty="0"/>
+              <a:t>https://www.geeksforgeeks.org/how-to-run-flask-app-on-google-colab/</a:t>
+            </a:r>
+          </a:p>
+        </p:txBody>
+      </p:sp>
+      <p:sp>
+        <p:nvSpPr>
+          <p:cNvPr id="37" name="TextBox 36">
+            <a:extLst>
+              <a:ext uri="{FF2B5EF4-FFF2-40B4-BE49-F238E27FC236}">
+                <a16:creationId xmlns:a16="http://schemas.microsoft.com/office/drawing/2014/main" id="{453B9ED5-CE8C-48F6-AADE-D5DEA69E61E7}"/>
               </a:ext>
             </a:extLst>
           </p:cNvPr>
@@ -6548,8 +6510,8 @@
         </p:nvSpPr>
         <p:spPr>
           <a:xfrm>
-            <a:off x="838199" y="1511173"/>
-            <a:ext cx="6096000" cy="369332"/>
+            <a:off x="1137822" y="4136735"/>
+            <a:ext cx="7542608" cy="215444"/>
           </a:xfrm>
           <a:prstGeom prst="rect">
             <a:avLst/>
@@ -6563,320 +6525,8 @@
           <a:lstStyle/>
           <a:p>
             <a:r>
-              <a:rPr lang="en-US" dirty="0">
-                <a:solidFill>
-                  <a:schemeClr val="accent1"/>
-                </a:solidFill>
-              </a:rPr>
-              <a:t>https://www.kaggle.com/dgawlik/nyse</a:t>
-            </a:r>
-          </a:p>
-        </p:txBody>
-      </p:sp>
-      <p:sp>
-        <p:nvSpPr>
-          <p:cNvPr id="12" name="TextBox 11">
-            <a:extLst>
-              <a:ext uri="{FF2B5EF4-FFF2-40B4-BE49-F238E27FC236}">
-                <a16:creationId xmlns:a16="http://schemas.microsoft.com/office/drawing/2014/main" id="{52D5A640-60C6-4C94-B12F-48EBA44DA3A8}"/>
-              </a:ext>
-            </a:extLst>
-          </p:cNvPr>
-          <p:cNvSpPr txBox="1"/>
-          <p:nvPr/>
-        </p:nvSpPr>
-        <p:spPr>
-          <a:xfrm>
-            <a:off x="838199" y="1880505"/>
-            <a:ext cx="6096000" cy="369332"/>
-          </a:xfrm>
-          <a:prstGeom prst="rect">
-            <a:avLst/>
-          </a:prstGeom>
-          <a:noFill/>
-        </p:spPr>
-        <p:txBody>
-          <a:bodyPr wrap="square">
-            <a:spAutoFit/>
-          </a:bodyPr>
-          <a:lstStyle/>
-          <a:p>
-            <a:r>
-              <a:rPr lang="en-US" dirty="0">
-                <a:solidFill>
-                  <a:srgbClr val="00B050"/>
-                </a:solidFill>
-              </a:rPr>
-              <a:t>https://www.kaggle.com/zillow/zecon</a:t>
-            </a:r>
-          </a:p>
-        </p:txBody>
-      </p:sp>
-      <p:sp>
-        <p:nvSpPr>
-          <p:cNvPr id="14" name="TextBox 13">
-            <a:extLst>
-              <a:ext uri="{FF2B5EF4-FFF2-40B4-BE49-F238E27FC236}">
-                <a16:creationId xmlns:a16="http://schemas.microsoft.com/office/drawing/2014/main" id="{17925D9C-EFC4-4124-ACE2-8B5637DBFC08}"/>
-              </a:ext>
-            </a:extLst>
-          </p:cNvPr>
-          <p:cNvSpPr txBox="1"/>
-          <p:nvPr/>
-        </p:nvSpPr>
-        <p:spPr>
-          <a:xfrm>
-            <a:off x="838199" y="2249837"/>
-            <a:ext cx="8957187" cy="369332"/>
-          </a:xfrm>
-          <a:prstGeom prst="rect">
-            <a:avLst/>
-          </a:prstGeom>
-          <a:noFill/>
-        </p:spPr>
-        <p:txBody>
-          <a:bodyPr wrap="square">
-            <a:spAutoFit/>
-          </a:bodyPr>
-          <a:lstStyle/>
-          <a:p>
-            <a:r>
-              <a:rPr lang="en-US" dirty="0">
-                <a:solidFill>
-                  <a:srgbClr val="7030A0"/>
-                </a:solidFill>
-              </a:rPr>
-              <a:t>https://www.kaggle.com/alexgude/california-traffic-collision-data-from-switrs</a:t>
-            </a:r>
-          </a:p>
-        </p:txBody>
-      </p:sp>
-      <p:sp>
-        <p:nvSpPr>
-          <p:cNvPr id="16" name="TextBox 15">
-            <a:extLst>
-              <a:ext uri="{FF2B5EF4-FFF2-40B4-BE49-F238E27FC236}">
-                <a16:creationId xmlns:a16="http://schemas.microsoft.com/office/drawing/2014/main" id="{4561AE9C-77FB-4918-9587-28A8054DE09B}"/>
-              </a:ext>
-            </a:extLst>
-          </p:cNvPr>
-          <p:cNvSpPr txBox="1"/>
-          <p:nvPr/>
-        </p:nvSpPr>
-        <p:spPr>
-          <a:xfrm>
-            <a:off x="838199" y="2616175"/>
-            <a:ext cx="8711381" cy="369332"/>
-          </a:xfrm>
-          <a:prstGeom prst="rect">
-            <a:avLst/>
-          </a:prstGeom>
-          <a:noFill/>
-        </p:spPr>
-        <p:txBody>
-          <a:bodyPr wrap="square">
-            <a:spAutoFit/>
-          </a:bodyPr>
-          <a:lstStyle/>
-          <a:p>
-            <a:r>
-              <a:rPr lang="en-US" dirty="0">
-                <a:solidFill>
-                  <a:schemeClr val="accent4"/>
-                </a:solidFill>
-              </a:rPr>
-              <a:t>https://www.kaggle.com/mkechinov/ecommerce-behavior-data-from-multi-category-store</a:t>
-            </a:r>
-          </a:p>
-        </p:txBody>
-      </p:sp>
-      <p:sp>
-        <p:nvSpPr>
-          <p:cNvPr id="18" name="TextBox 17">
-            <a:extLst>
-              <a:ext uri="{FF2B5EF4-FFF2-40B4-BE49-F238E27FC236}">
-                <a16:creationId xmlns:a16="http://schemas.microsoft.com/office/drawing/2014/main" id="{161FFF1D-BBF8-4AF3-BA90-579BB3B8AEC3}"/>
-              </a:ext>
-            </a:extLst>
-          </p:cNvPr>
-          <p:cNvSpPr txBox="1"/>
-          <p:nvPr/>
-        </p:nvSpPr>
-        <p:spPr>
-          <a:xfrm>
-            <a:off x="838200" y="2985507"/>
-            <a:ext cx="8957186" cy="369332"/>
-          </a:xfrm>
-          <a:prstGeom prst="rect">
-            <a:avLst/>
-          </a:prstGeom>
-          <a:noFill/>
-        </p:spPr>
-        <p:txBody>
-          <a:bodyPr wrap="square">
-            <a:spAutoFit/>
-          </a:bodyPr>
-          <a:lstStyle/>
-          <a:p>
-            <a:r>
-              <a:rPr lang="en-US" dirty="0">
-                <a:solidFill>
-                  <a:schemeClr val="accent1"/>
-                </a:solidFill>
-              </a:rPr>
-              <a:t>https://www.kaggle.com/qks1lver/amex-nyse-nasdaq-stock-histories</a:t>
-            </a:r>
-          </a:p>
-        </p:txBody>
-      </p:sp>
-      <p:sp>
-        <p:nvSpPr>
-          <p:cNvPr id="20" name="TextBox 19">
-            <a:extLst>
-              <a:ext uri="{FF2B5EF4-FFF2-40B4-BE49-F238E27FC236}">
-                <a16:creationId xmlns:a16="http://schemas.microsoft.com/office/drawing/2014/main" id="{C06FE7ED-456B-47E5-B14E-672BDC2F0156}"/>
-              </a:ext>
-            </a:extLst>
-          </p:cNvPr>
-          <p:cNvSpPr txBox="1"/>
-          <p:nvPr/>
-        </p:nvSpPr>
-        <p:spPr>
-          <a:xfrm>
-            <a:off x="838199" y="3351845"/>
-            <a:ext cx="6096000" cy="369332"/>
-          </a:xfrm>
-          <a:prstGeom prst="rect">
-            <a:avLst/>
-          </a:prstGeom>
-          <a:noFill/>
-        </p:spPr>
-        <p:txBody>
-          <a:bodyPr wrap="square">
-            <a:spAutoFit/>
-          </a:bodyPr>
-          <a:lstStyle/>
-          <a:p>
-            <a:r>
-              <a:rPr lang="en-US" dirty="0"/>
-              <a:t>https://www.kaggle.com/cdc/mortality</a:t>
-            </a:r>
-          </a:p>
-        </p:txBody>
-      </p:sp>
-      <p:sp>
-        <p:nvSpPr>
-          <p:cNvPr id="22" name="TextBox 21">
-            <a:extLst>
-              <a:ext uri="{FF2B5EF4-FFF2-40B4-BE49-F238E27FC236}">
-                <a16:creationId xmlns:a16="http://schemas.microsoft.com/office/drawing/2014/main" id="{DAE833B0-4C47-4D2E-B356-9DC33EEA7C35}"/>
-              </a:ext>
-            </a:extLst>
-          </p:cNvPr>
-          <p:cNvSpPr txBox="1"/>
-          <p:nvPr/>
-        </p:nvSpPr>
-        <p:spPr>
-          <a:xfrm>
-            <a:off x="838199" y="3718183"/>
-            <a:ext cx="6096000" cy="369332"/>
-          </a:xfrm>
-          <a:prstGeom prst="rect">
-            <a:avLst/>
-          </a:prstGeom>
-          <a:noFill/>
-        </p:spPr>
-        <p:txBody>
-          <a:bodyPr wrap="square">
-            <a:spAutoFit/>
-          </a:bodyPr>
-          <a:lstStyle/>
-          <a:p>
-            <a:r>
-              <a:rPr lang="en-US" dirty="0">
-                <a:solidFill>
-                  <a:schemeClr val="accent1"/>
-                </a:solidFill>
-              </a:rPr>
-              <a:t>https://www.kaggle.com/jacksoncrow/stock-market-dataset</a:t>
-            </a:r>
-          </a:p>
-        </p:txBody>
-      </p:sp>
-      <p:sp>
-        <p:nvSpPr>
-          <p:cNvPr id="24" name="TextBox 23">
-            <a:extLst>
-              <a:ext uri="{FF2B5EF4-FFF2-40B4-BE49-F238E27FC236}">
-                <a16:creationId xmlns:a16="http://schemas.microsoft.com/office/drawing/2014/main" id="{5892C679-247F-41E8-AF78-FB1175B556B0}"/>
-              </a:ext>
-            </a:extLst>
-          </p:cNvPr>
-          <p:cNvSpPr txBox="1"/>
-          <p:nvPr/>
-        </p:nvSpPr>
-        <p:spPr>
-          <a:xfrm>
-            <a:off x="838201" y="4084521"/>
-            <a:ext cx="10515599" cy="369332"/>
-          </a:xfrm>
-          <a:prstGeom prst="rect">
-            <a:avLst/>
-          </a:prstGeom>
-          <a:noFill/>
-        </p:spPr>
-        <p:txBody>
-          <a:bodyPr wrap="square">
-            <a:spAutoFit/>
-          </a:bodyPr>
-          <a:lstStyle/>
-          <a:p>
-            <a:r>
-              <a:rPr lang="en-US" dirty="0">
-                <a:solidFill>
-                  <a:schemeClr val="accent1"/>
-                </a:solidFill>
-              </a:rPr>
-              <a:t>https://www.kaggle.com/omermetinn/tweets-about-the-top-companies-from-2015-to-2020</a:t>
-            </a:r>
-          </a:p>
-        </p:txBody>
-      </p:sp>
-      <p:sp>
-        <p:nvSpPr>
-          <p:cNvPr id="27" name="TextBox 26">
-            <a:extLst>
-              <a:ext uri="{FF2B5EF4-FFF2-40B4-BE49-F238E27FC236}">
-                <a16:creationId xmlns:a16="http://schemas.microsoft.com/office/drawing/2014/main" id="{2F5C4E91-E1BD-4A2B-BECE-11BF2C71A85A}"/>
-              </a:ext>
-            </a:extLst>
-          </p:cNvPr>
-          <p:cNvSpPr txBox="1"/>
-          <p:nvPr/>
-        </p:nvSpPr>
-        <p:spPr>
-          <a:xfrm>
-            <a:off x="838202" y="4457087"/>
-            <a:ext cx="10515598" cy="369332"/>
-          </a:xfrm>
-          <a:prstGeom prst="rect">
-            <a:avLst/>
-          </a:prstGeom>
-          <a:noFill/>
-        </p:spPr>
-        <p:txBody>
-          <a:bodyPr wrap="square">
-            <a:spAutoFit/>
-          </a:bodyPr>
-          <a:lstStyle/>
-          <a:p>
-            <a:r>
-              <a:rPr lang="en-US" dirty="0">
-                <a:solidFill>
-                  <a:schemeClr val="accent1"/>
-                </a:solidFill>
-              </a:rPr>
-              <a:t>https://www.kaggle.com/tsaustin/us-historical-stock-prices-with-earnings-data</a:t>
+              <a:rPr lang="en-US" sz="800" dirty="0"/>
+              <a:t>https://aws.amazon.com/getting-started/hands-on/serve-a-flask-app/#:~:text=Complete%20the%20following%20prerequisites%20before,t%20have%20some%20of%20those.</a:t>
             </a:r>
           </a:p>
         </p:txBody>
@@ -6884,7 +6534,7 @@
     </p:spTree>
     <p:extLst>
       <p:ext uri="{BB962C8B-B14F-4D97-AF65-F5344CB8AC3E}">
-        <p14:creationId xmlns:p14="http://schemas.microsoft.com/office/powerpoint/2010/main" val="1724731753"/>
+        <p14:creationId xmlns:p14="http://schemas.microsoft.com/office/powerpoint/2010/main" val="3609408958"/>
       </p:ext>
     </p:extLst>
   </p:cSld>
@@ -6941,17 +6591,17 @@
           <a:p>
             <a:r>
               <a:rPr lang="en-US" dirty="0"/>
-              <a:t>APIs</a:t>
-            </a:r>
-          </a:p>
-        </p:txBody>
-      </p:sp>
-      <p:sp>
-        <p:nvSpPr>
-          <p:cNvPr id="28" name="TextBox 27">
-            <a:extLst>
-              <a:ext uri="{FF2B5EF4-FFF2-40B4-BE49-F238E27FC236}">
-                <a16:creationId xmlns:a16="http://schemas.microsoft.com/office/drawing/2014/main" id="{195436E6-BC57-4D75-80FC-AE9585105E68}"/>
+              <a:t>Datasets</a:t>
+            </a:r>
+          </a:p>
+        </p:txBody>
+      </p:sp>
+      <p:sp>
+        <p:nvSpPr>
+          <p:cNvPr id="8" name="TextBox 7">
+            <a:extLst>
+              <a:ext uri="{FF2B5EF4-FFF2-40B4-BE49-F238E27FC236}">
+                <a16:creationId xmlns:a16="http://schemas.microsoft.com/office/drawing/2014/main" id="{7FEC139D-4A4F-4B95-A1C3-581340C9CC0D}"/>
               </a:ext>
             </a:extLst>
           </p:cNvPr>
@@ -6960,8 +6610,8 @@
         </p:nvSpPr>
         <p:spPr>
           <a:xfrm>
-            <a:off x="602223" y="2516028"/>
-            <a:ext cx="6096000" cy="369332"/>
+            <a:off x="838199" y="1141841"/>
+            <a:ext cx="10095271" cy="369332"/>
           </a:xfrm>
           <a:prstGeom prst="rect">
             <a:avLst/>
@@ -6975,22 +6625,22 @@
           <a:lstStyle/>
           <a:p>
             <a:r>
-              <a:rPr lang="en-US" b="1" dirty="0"/>
-              <a:t>https://pypi.org/project/yfinance</a:t>
-            </a:r>
-            <a:r>
-              <a:rPr lang="en-US" dirty="0"/>
-              <a:t>/</a:t>
-            </a:r>
-          </a:p>
-        </p:txBody>
-      </p:sp>
-      <p:sp>
-        <p:nvSpPr>
-          <p:cNvPr id="30" name="TextBox 29">
-            <a:extLst>
-              <a:ext uri="{FF2B5EF4-FFF2-40B4-BE49-F238E27FC236}">
-                <a16:creationId xmlns:a16="http://schemas.microsoft.com/office/drawing/2014/main" id="{5EA852DF-DA97-4369-8282-DC1AA163784E}"/>
+              <a:rPr lang="en-US" dirty="0">
+                <a:solidFill>
+                  <a:schemeClr val="accent1"/>
+                </a:solidFill>
+              </a:rPr>
+              <a:t>https://www.kaggle.com/borismarjanovic/price-volume-data-for-all-us-stocks-etfs</a:t>
+            </a:r>
+          </a:p>
+        </p:txBody>
+      </p:sp>
+      <p:sp>
+        <p:nvSpPr>
+          <p:cNvPr id="10" name="TextBox 9">
+            <a:extLst>
+              <a:ext uri="{FF2B5EF4-FFF2-40B4-BE49-F238E27FC236}">
+                <a16:creationId xmlns:a16="http://schemas.microsoft.com/office/drawing/2014/main" id="{B88E18F6-54EA-4987-87E7-E5E3E7665F5F}"/>
               </a:ext>
             </a:extLst>
           </p:cNvPr>
@@ -6999,8 +6649,8 @@
         </p:nvSpPr>
         <p:spPr>
           <a:xfrm>
-            <a:off x="602223" y="2882366"/>
-            <a:ext cx="11127659" cy="646331"/>
+            <a:off x="838199" y="1511173"/>
+            <a:ext cx="6096000" cy="369332"/>
           </a:xfrm>
           <a:prstGeom prst="rect">
             <a:avLst/>
@@ -7014,18 +6664,22 @@
           <a:lstStyle/>
           <a:p>
             <a:r>
-              <a:rPr lang="en-US" b="1" dirty="0"/>
-              <a:t>https://www.yahoofinanceapi.com/tutorial#:~:text=Is%20Yahoo%20Finance%20API%20available,option%20chains%20and%20market%20analysis.</a:t>
-            </a:r>
-          </a:p>
-        </p:txBody>
-      </p:sp>
-      <p:sp>
-        <p:nvSpPr>
-          <p:cNvPr id="32" name="TextBox 31">
-            <a:extLst>
-              <a:ext uri="{FF2B5EF4-FFF2-40B4-BE49-F238E27FC236}">
-                <a16:creationId xmlns:a16="http://schemas.microsoft.com/office/drawing/2014/main" id="{BCD42B19-FC6D-4DA5-A0B1-482F2CFC19B0}"/>
+              <a:rPr lang="en-US" dirty="0">
+                <a:solidFill>
+                  <a:schemeClr val="accent1"/>
+                </a:solidFill>
+              </a:rPr>
+              <a:t>https://www.kaggle.com/dgawlik/nyse</a:t>
+            </a:r>
+          </a:p>
+        </p:txBody>
+      </p:sp>
+      <p:sp>
+        <p:nvSpPr>
+          <p:cNvPr id="12" name="TextBox 11">
+            <a:extLst>
+              <a:ext uri="{FF2B5EF4-FFF2-40B4-BE49-F238E27FC236}">
+                <a16:creationId xmlns:a16="http://schemas.microsoft.com/office/drawing/2014/main" id="{52D5A640-60C6-4C94-B12F-48EBA44DA3A8}"/>
               </a:ext>
             </a:extLst>
           </p:cNvPr>
@@ -7034,8 +6688,8 @@
         </p:nvSpPr>
         <p:spPr>
           <a:xfrm>
-            <a:off x="602223" y="1482232"/>
-            <a:ext cx="11127659" cy="923330"/>
+            <a:off x="838199" y="1880505"/>
+            <a:ext cx="6096000" cy="369332"/>
           </a:xfrm>
           <a:prstGeom prst="rect">
             <a:avLst/>
@@ -7049,18 +6703,22 @@
           <a:lstStyle/>
           <a:p>
             <a:r>
-              <a:rPr lang="en-US" dirty="0"/>
-              <a:t>https://polygon.io/stocks?gclid=CjwKCAiAl-6PBhBCEiwAc2GOVJ_kEIIk8hJVVdiiSLZCXyfZVNIIA1tNJ2O4yXhezFqRARV6ElQSqxoC5qAQAvD_BwE#stocks-product-cards</a:t>
-            </a:r>
-          </a:p>
-        </p:txBody>
-      </p:sp>
-      <p:sp>
-        <p:nvSpPr>
-          <p:cNvPr id="17" name="TextBox 16">
-            <a:extLst>
-              <a:ext uri="{FF2B5EF4-FFF2-40B4-BE49-F238E27FC236}">
-                <a16:creationId xmlns:a16="http://schemas.microsoft.com/office/drawing/2014/main" id="{9846C59B-D013-40A9-BF93-A3E9AEB32C7E}"/>
+              <a:rPr lang="en-US" dirty="0">
+                <a:solidFill>
+                  <a:srgbClr val="00B050"/>
+                </a:solidFill>
+              </a:rPr>
+              <a:t>https://www.kaggle.com/zillow/zecon</a:t>
+            </a:r>
+          </a:p>
+        </p:txBody>
+      </p:sp>
+      <p:sp>
+        <p:nvSpPr>
+          <p:cNvPr id="14" name="TextBox 13">
+            <a:extLst>
+              <a:ext uri="{FF2B5EF4-FFF2-40B4-BE49-F238E27FC236}">
+                <a16:creationId xmlns:a16="http://schemas.microsoft.com/office/drawing/2014/main" id="{17925D9C-EFC4-4124-ACE2-8B5637DBFC08}"/>
               </a:ext>
             </a:extLst>
           </p:cNvPr>
@@ -7069,8 +6727,8 @@
         </p:nvSpPr>
         <p:spPr>
           <a:xfrm>
-            <a:off x="602223" y="3636169"/>
-            <a:ext cx="6096000" cy="369332"/>
+            <a:off x="838199" y="2249837"/>
+            <a:ext cx="8957187" cy="369332"/>
           </a:xfrm>
           <a:prstGeom prst="rect">
             <a:avLst/>
@@ -7084,18 +6742,22 @@
           <a:lstStyle/>
           <a:p>
             <a:r>
-              <a:rPr lang="en-US" dirty="0"/>
-              <a:t>https://rapidapi.com/hub</a:t>
-            </a:r>
-          </a:p>
-        </p:txBody>
-      </p:sp>
-      <p:sp>
-        <p:nvSpPr>
-          <p:cNvPr id="19" name="TextBox 18">
-            <a:extLst>
-              <a:ext uri="{FF2B5EF4-FFF2-40B4-BE49-F238E27FC236}">
-                <a16:creationId xmlns:a16="http://schemas.microsoft.com/office/drawing/2014/main" id="{9998A102-56F6-43A2-80D7-B4E0E7D58031}"/>
+              <a:rPr lang="en-US" dirty="0">
+                <a:solidFill>
+                  <a:srgbClr val="7030A0"/>
+                </a:solidFill>
+              </a:rPr>
+              <a:t>https://www.kaggle.com/alexgude/california-traffic-collision-data-from-switrs</a:t>
+            </a:r>
+          </a:p>
+        </p:txBody>
+      </p:sp>
+      <p:sp>
+        <p:nvSpPr>
+          <p:cNvPr id="16" name="TextBox 15">
+            <a:extLst>
+              <a:ext uri="{FF2B5EF4-FFF2-40B4-BE49-F238E27FC236}">
+                <a16:creationId xmlns:a16="http://schemas.microsoft.com/office/drawing/2014/main" id="{4561AE9C-77FB-4918-9587-28A8054DE09B}"/>
               </a:ext>
             </a:extLst>
           </p:cNvPr>
@@ -7104,8 +6766,8 @@
         </p:nvSpPr>
         <p:spPr>
           <a:xfrm>
-            <a:off x="602223" y="4112973"/>
-            <a:ext cx="6096000" cy="369332"/>
+            <a:off x="838199" y="2616175"/>
+            <a:ext cx="8711381" cy="369332"/>
           </a:xfrm>
           <a:prstGeom prst="rect">
             <a:avLst/>
@@ -7119,18 +6781,22 @@
           <a:lstStyle/>
           <a:p>
             <a:r>
-              <a:rPr lang="en-US" dirty="0"/>
-              <a:t>https://support.google.com/docs/answer/3093281?hl=en</a:t>
-            </a:r>
-          </a:p>
-        </p:txBody>
-      </p:sp>
-      <p:sp>
-        <p:nvSpPr>
-          <p:cNvPr id="21" name="TextBox 20">
-            <a:extLst>
-              <a:ext uri="{FF2B5EF4-FFF2-40B4-BE49-F238E27FC236}">
-                <a16:creationId xmlns:a16="http://schemas.microsoft.com/office/drawing/2014/main" id="{C62CA98A-B0EC-4EF8-A70E-28C2F12D9A37}"/>
+              <a:rPr lang="en-US" dirty="0">
+                <a:solidFill>
+                  <a:schemeClr val="accent4"/>
+                </a:solidFill>
+              </a:rPr>
+              <a:t>https://www.kaggle.com/mkechinov/ecommerce-behavior-data-from-multi-category-store</a:t>
+            </a:r>
+          </a:p>
+        </p:txBody>
+      </p:sp>
+      <p:sp>
+        <p:nvSpPr>
+          <p:cNvPr id="18" name="TextBox 17">
+            <a:extLst>
+              <a:ext uri="{FF2B5EF4-FFF2-40B4-BE49-F238E27FC236}">
+                <a16:creationId xmlns:a16="http://schemas.microsoft.com/office/drawing/2014/main" id="{161FFF1D-BBF8-4AF3-BA90-579BB3B8AEC3}"/>
               </a:ext>
             </a:extLst>
           </p:cNvPr>
@@ -7139,8 +6805,8 @@
         </p:nvSpPr>
         <p:spPr>
           <a:xfrm>
-            <a:off x="602223" y="4588011"/>
-            <a:ext cx="6096000" cy="369332"/>
+            <a:off x="838200" y="2985507"/>
+            <a:ext cx="8957186" cy="369332"/>
           </a:xfrm>
           <a:prstGeom prst="rect">
             <a:avLst/>
@@ -7154,18 +6820,22 @@
           <a:lstStyle/>
           <a:p>
             <a:r>
-              <a:rPr lang="en-US" dirty="0"/>
-              <a:t>https://iexcloud.io/</a:t>
-            </a:r>
-          </a:p>
-        </p:txBody>
-      </p:sp>
-      <p:sp>
-        <p:nvSpPr>
-          <p:cNvPr id="23" name="TextBox 22">
-            <a:extLst>
-              <a:ext uri="{FF2B5EF4-FFF2-40B4-BE49-F238E27FC236}">
-                <a16:creationId xmlns:a16="http://schemas.microsoft.com/office/drawing/2014/main" id="{32E31047-0655-4D4E-B8D6-92259EC01A6C}"/>
+              <a:rPr lang="en-US" dirty="0">
+                <a:solidFill>
+                  <a:schemeClr val="accent1"/>
+                </a:solidFill>
+              </a:rPr>
+              <a:t>https://www.kaggle.com/qks1lver/amex-nyse-nasdaq-stock-histories</a:t>
+            </a:r>
+          </a:p>
+        </p:txBody>
+      </p:sp>
+      <p:sp>
+        <p:nvSpPr>
+          <p:cNvPr id="20" name="TextBox 19">
+            <a:extLst>
+              <a:ext uri="{FF2B5EF4-FFF2-40B4-BE49-F238E27FC236}">
+                <a16:creationId xmlns:a16="http://schemas.microsoft.com/office/drawing/2014/main" id="{C06FE7ED-456B-47E5-B14E-672BDC2F0156}"/>
               </a:ext>
             </a:extLst>
           </p:cNvPr>
@@ -7174,7 +6844,7 @@
         </p:nvSpPr>
         <p:spPr>
           <a:xfrm>
-            <a:off x="602223" y="5059517"/>
+            <a:off x="838199" y="3351845"/>
             <a:ext cx="6096000" cy="369332"/>
           </a:xfrm>
           <a:prstGeom prst="rect">
@@ -7190,17 +6860,17 @@
           <a:p>
             <a:r>
               <a:rPr lang="en-US" dirty="0"/>
-              <a:t>https://www.alphavantage.co/</a:t>
-            </a:r>
-          </a:p>
-        </p:txBody>
-      </p:sp>
-      <p:sp>
-        <p:nvSpPr>
-          <p:cNvPr id="25" name="TextBox 24">
-            <a:extLst>
-              <a:ext uri="{FF2B5EF4-FFF2-40B4-BE49-F238E27FC236}">
-                <a16:creationId xmlns:a16="http://schemas.microsoft.com/office/drawing/2014/main" id="{9E665001-042A-4CA6-8313-A66AD348C82D}"/>
+              <a:t>https://www.kaggle.com/cdc/mortality</a:t>
+            </a:r>
+          </a:p>
+        </p:txBody>
+      </p:sp>
+      <p:sp>
+        <p:nvSpPr>
+          <p:cNvPr id="22" name="TextBox 21">
+            <a:extLst>
+              <a:ext uri="{FF2B5EF4-FFF2-40B4-BE49-F238E27FC236}">
+                <a16:creationId xmlns:a16="http://schemas.microsoft.com/office/drawing/2014/main" id="{DAE833B0-4C47-4D2E-B356-9DC33EEA7C35}"/>
               </a:ext>
             </a:extLst>
           </p:cNvPr>
@@ -7209,7 +6879,7 @@
         </p:nvSpPr>
         <p:spPr>
           <a:xfrm>
-            <a:off x="602223" y="5531023"/>
+            <a:off x="838199" y="3718183"/>
             <a:ext cx="6096000" cy="369332"/>
           </a:xfrm>
           <a:prstGeom prst="rect">
@@ -7224,8 +6894,90 @@
           <a:lstStyle/>
           <a:p>
             <a:r>
-              <a:rPr lang="en-US" dirty="0"/>
-              <a:t>https://www.worldtradingdata.com/</a:t>
+              <a:rPr lang="en-US" dirty="0">
+                <a:solidFill>
+                  <a:schemeClr val="accent1"/>
+                </a:solidFill>
+              </a:rPr>
+              <a:t>https://www.kaggle.com/jacksoncrow/stock-market-dataset</a:t>
+            </a:r>
+          </a:p>
+        </p:txBody>
+      </p:sp>
+      <p:sp>
+        <p:nvSpPr>
+          <p:cNvPr id="24" name="TextBox 23">
+            <a:extLst>
+              <a:ext uri="{FF2B5EF4-FFF2-40B4-BE49-F238E27FC236}">
+                <a16:creationId xmlns:a16="http://schemas.microsoft.com/office/drawing/2014/main" id="{5892C679-247F-41E8-AF78-FB1175B556B0}"/>
+              </a:ext>
+            </a:extLst>
+          </p:cNvPr>
+          <p:cNvSpPr txBox="1"/>
+          <p:nvPr/>
+        </p:nvSpPr>
+        <p:spPr>
+          <a:xfrm>
+            <a:off x="838201" y="4084521"/>
+            <a:ext cx="10515599" cy="369332"/>
+          </a:xfrm>
+          <a:prstGeom prst="rect">
+            <a:avLst/>
+          </a:prstGeom>
+          <a:noFill/>
+        </p:spPr>
+        <p:txBody>
+          <a:bodyPr wrap="square">
+            <a:spAutoFit/>
+          </a:bodyPr>
+          <a:lstStyle/>
+          <a:p>
+            <a:r>
+              <a:rPr lang="en-US" dirty="0">
+                <a:solidFill>
+                  <a:schemeClr val="accent1"/>
+                </a:solidFill>
+              </a:rPr>
+              <a:t>https://www.kaggle.com/omermetinn/tweets-about-the-top-companies-from-2015-to-2020</a:t>
+            </a:r>
+          </a:p>
+        </p:txBody>
+      </p:sp>
+      <p:sp>
+        <p:nvSpPr>
+          <p:cNvPr id="27" name="TextBox 26">
+            <a:extLst>
+              <a:ext uri="{FF2B5EF4-FFF2-40B4-BE49-F238E27FC236}">
+                <a16:creationId xmlns:a16="http://schemas.microsoft.com/office/drawing/2014/main" id="{2F5C4E91-E1BD-4A2B-BECE-11BF2C71A85A}"/>
+              </a:ext>
+            </a:extLst>
+          </p:cNvPr>
+          <p:cNvSpPr txBox="1"/>
+          <p:nvPr/>
+        </p:nvSpPr>
+        <p:spPr>
+          <a:xfrm>
+            <a:off x="838202" y="4457087"/>
+            <a:ext cx="10515598" cy="369332"/>
+          </a:xfrm>
+          <a:prstGeom prst="rect">
+            <a:avLst/>
+          </a:prstGeom>
+          <a:noFill/>
+        </p:spPr>
+        <p:txBody>
+          <a:bodyPr wrap="square">
+            <a:spAutoFit/>
+          </a:bodyPr>
+          <a:lstStyle/>
+          <a:p>
+            <a:r>
+              <a:rPr lang="en-US" dirty="0">
+                <a:solidFill>
+                  <a:schemeClr val="accent1"/>
+                </a:solidFill>
+              </a:rPr>
+              <a:t>https://www.kaggle.com/tsaustin/us-historical-stock-prices-with-earnings-data</a:t>
             </a:r>
           </a:p>
         </p:txBody>
@@ -7233,7 +6985,7 @@
     </p:spTree>
     <p:extLst>
       <p:ext uri="{BB962C8B-B14F-4D97-AF65-F5344CB8AC3E}">
-        <p14:creationId xmlns:p14="http://schemas.microsoft.com/office/powerpoint/2010/main" val="3589067928"/>
+        <p14:creationId xmlns:p14="http://schemas.microsoft.com/office/powerpoint/2010/main" val="1724731753"/>
       </p:ext>
     </p:extLst>
   </p:cSld>
@@ -7290,17 +7042,17 @@
           <a:p>
             <a:r>
               <a:rPr lang="en-US" dirty="0"/>
-              <a:t>ML Questions</a:t>
-            </a:r>
-          </a:p>
-        </p:txBody>
-      </p:sp>
-      <p:sp>
-        <p:nvSpPr>
-          <p:cNvPr id="32" name="TextBox 31">
-            <a:extLst>
-              <a:ext uri="{FF2B5EF4-FFF2-40B4-BE49-F238E27FC236}">
-                <a16:creationId xmlns:a16="http://schemas.microsoft.com/office/drawing/2014/main" id="{BCD42B19-FC6D-4DA5-A0B1-482F2CFC19B0}"/>
+              <a:t>APIs</a:t>
+            </a:r>
+          </a:p>
+        </p:txBody>
+      </p:sp>
+      <p:sp>
+        <p:nvSpPr>
+          <p:cNvPr id="28" name="TextBox 27">
+            <a:extLst>
+              <a:ext uri="{FF2B5EF4-FFF2-40B4-BE49-F238E27FC236}">
+                <a16:creationId xmlns:a16="http://schemas.microsoft.com/office/drawing/2014/main" id="{195436E6-BC57-4D75-80FC-AE9585105E68}"/>
               </a:ext>
             </a:extLst>
           </p:cNvPr>
@@ -7309,8 +7061,8 @@
         </p:nvSpPr>
         <p:spPr>
           <a:xfrm>
-            <a:off x="602223" y="1482232"/>
-            <a:ext cx="11127659" cy="3693319"/>
+            <a:off x="602223" y="2516028"/>
+            <a:ext cx="6096000" cy="369332"/>
           </a:xfrm>
           <a:prstGeom prst="rect">
             <a:avLst/>
@@ -7324,106 +7076,257 @@
           <a:lstStyle/>
           <a:p>
             <a:r>
+              <a:rPr lang="en-US" b="1" dirty="0"/>
+              <a:t>https://pypi.org/project/yfinance</a:t>
+            </a:r>
+            <a:r>
               <a:rPr lang="en-US" dirty="0"/>
-              <a:t>What are we going to predict / classify:</a:t>
-            </a:r>
-          </a:p>
+              <a:t>/</a:t>
+            </a:r>
+          </a:p>
+        </p:txBody>
+      </p:sp>
+      <p:sp>
+        <p:nvSpPr>
+          <p:cNvPr id="30" name="TextBox 29">
+            <a:extLst>
+              <a:ext uri="{FF2B5EF4-FFF2-40B4-BE49-F238E27FC236}">
+                <a16:creationId xmlns:a16="http://schemas.microsoft.com/office/drawing/2014/main" id="{5EA852DF-DA97-4369-8282-DC1AA163784E}"/>
+              </a:ext>
+            </a:extLst>
+          </p:cNvPr>
+          <p:cNvSpPr txBox="1"/>
+          <p:nvPr/>
+        </p:nvSpPr>
+        <p:spPr>
+          <a:xfrm>
+            <a:off x="602223" y="2882366"/>
+            <a:ext cx="11127659" cy="646331"/>
+          </a:xfrm>
+          <a:prstGeom prst="rect">
+            <a:avLst/>
+          </a:prstGeom>
+          <a:noFill/>
+        </p:spPr>
+        <p:txBody>
+          <a:bodyPr wrap="square">
+            <a:spAutoFit/>
+          </a:bodyPr>
+          <a:lstStyle/>
+          <a:p>
+            <a:r>
+              <a:rPr lang="en-US" b="1" dirty="0"/>
+              <a:t>https://www.yahoofinanceapi.com/tutorial#:~:text=Is%20Yahoo%20Finance%20API%20available,option%20chains%20and%20market%20analysis.</a:t>
+            </a:r>
+          </a:p>
+        </p:txBody>
+      </p:sp>
+      <p:sp>
+        <p:nvSpPr>
+          <p:cNvPr id="32" name="TextBox 31">
+            <a:extLst>
+              <a:ext uri="{FF2B5EF4-FFF2-40B4-BE49-F238E27FC236}">
+                <a16:creationId xmlns:a16="http://schemas.microsoft.com/office/drawing/2014/main" id="{BCD42B19-FC6D-4DA5-A0B1-482F2CFC19B0}"/>
+              </a:ext>
+            </a:extLst>
+          </p:cNvPr>
+          <p:cNvSpPr txBox="1"/>
+          <p:nvPr/>
+        </p:nvSpPr>
+        <p:spPr>
+          <a:xfrm>
+            <a:off x="602223" y="1482232"/>
+            <a:ext cx="11127659" cy="923330"/>
+          </a:xfrm>
+          <a:prstGeom prst="rect">
+            <a:avLst/>
+          </a:prstGeom>
+          <a:noFill/>
+        </p:spPr>
+        <p:txBody>
+          <a:bodyPr wrap="square">
+            <a:spAutoFit/>
+          </a:bodyPr>
+          <a:lstStyle/>
           <a:p>
             <a:r>
               <a:rPr lang="en-US" dirty="0"/>
-              <a:t> </a:t>
-            </a:r>
-          </a:p>
-          <a:p>
-            <a:pPr marL="285750" indent="-285750">
-              <a:buFont typeface="Arial" panose="020B0604020202020204" pitchFamily="34" charset="0"/>
-              <a:buChar char="•"/>
-            </a:pPr>
+              <a:t>https://polygon.io/stocks?gclid=CjwKCAiAl-6PBhBCEiwAc2GOVJ_kEIIk8hJVVdiiSLZCXyfZVNIIA1tNJ2O4yXhezFqRARV6ElQSqxoC5qAQAvD_BwE#stocks-product-cards</a:t>
+            </a:r>
+          </a:p>
+        </p:txBody>
+      </p:sp>
+      <p:sp>
+        <p:nvSpPr>
+          <p:cNvPr id="17" name="TextBox 16">
+            <a:extLst>
+              <a:ext uri="{FF2B5EF4-FFF2-40B4-BE49-F238E27FC236}">
+                <a16:creationId xmlns:a16="http://schemas.microsoft.com/office/drawing/2014/main" id="{9846C59B-D013-40A9-BF93-A3E9AEB32C7E}"/>
+              </a:ext>
+            </a:extLst>
+          </p:cNvPr>
+          <p:cNvSpPr txBox="1"/>
+          <p:nvPr/>
+        </p:nvSpPr>
+        <p:spPr>
+          <a:xfrm>
+            <a:off x="602223" y="3636169"/>
+            <a:ext cx="6096000" cy="369332"/>
+          </a:xfrm>
+          <a:prstGeom prst="rect">
+            <a:avLst/>
+          </a:prstGeom>
+          <a:noFill/>
+        </p:spPr>
+        <p:txBody>
+          <a:bodyPr wrap="square">
+            <a:spAutoFit/>
+          </a:bodyPr>
+          <a:lstStyle/>
+          <a:p>
             <a:r>
               <a:rPr lang="en-US" dirty="0"/>
-              <a:t>Stock trend? </a:t>
-            </a:r>
-          </a:p>
-          <a:p>
-            <a:pPr marL="285750" indent="-285750">
-              <a:buFont typeface="Arial" panose="020B0604020202020204" pitchFamily="34" charset="0"/>
-              <a:buChar char="•"/>
-            </a:pPr>
+              <a:t>https://rapidapi.com/hub</a:t>
+            </a:r>
+          </a:p>
+        </p:txBody>
+      </p:sp>
+      <p:sp>
+        <p:nvSpPr>
+          <p:cNvPr id="19" name="TextBox 18">
+            <a:extLst>
+              <a:ext uri="{FF2B5EF4-FFF2-40B4-BE49-F238E27FC236}">
+                <a16:creationId xmlns:a16="http://schemas.microsoft.com/office/drawing/2014/main" id="{9998A102-56F6-43A2-80D7-B4E0E7D58031}"/>
+              </a:ext>
+            </a:extLst>
+          </p:cNvPr>
+          <p:cNvSpPr txBox="1"/>
+          <p:nvPr/>
+        </p:nvSpPr>
+        <p:spPr>
+          <a:xfrm>
+            <a:off x="602223" y="4112973"/>
+            <a:ext cx="6096000" cy="369332"/>
+          </a:xfrm>
+          <a:prstGeom prst="rect">
+            <a:avLst/>
+          </a:prstGeom>
+          <a:noFill/>
+        </p:spPr>
+        <p:txBody>
+          <a:bodyPr wrap="square">
+            <a:spAutoFit/>
+          </a:bodyPr>
+          <a:lstStyle/>
+          <a:p>
             <a:r>
               <a:rPr lang="en-US" dirty="0"/>
-              <a:t>Stock price? </a:t>
-            </a:r>
-          </a:p>
-          <a:p>
-            <a:pPr marL="285750" indent="-285750">
-              <a:buFont typeface="Arial" panose="020B0604020202020204" pitchFamily="34" charset="0"/>
-              <a:buChar char="•"/>
-            </a:pPr>
+              <a:t>https://support.google.com/docs/answer/3093281?hl=en</a:t>
+            </a:r>
+          </a:p>
+        </p:txBody>
+      </p:sp>
+      <p:sp>
+        <p:nvSpPr>
+          <p:cNvPr id="21" name="TextBox 20">
+            <a:extLst>
+              <a:ext uri="{FF2B5EF4-FFF2-40B4-BE49-F238E27FC236}">
+                <a16:creationId xmlns:a16="http://schemas.microsoft.com/office/drawing/2014/main" id="{C62CA98A-B0EC-4EF8-A70E-28C2F12D9A37}"/>
+              </a:ext>
+            </a:extLst>
+          </p:cNvPr>
+          <p:cNvSpPr txBox="1"/>
+          <p:nvPr/>
+        </p:nvSpPr>
+        <p:spPr>
+          <a:xfrm>
+            <a:off x="602223" y="4588011"/>
+            <a:ext cx="6096000" cy="369332"/>
+          </a:xfrm>
+          <a:prstGeom prst="rect">
+            <a:avLst/>
+          </a:prstGeom>
+          <a:noFill/>
+        </p:spPr>
+        <p:txBody>
+          <a:bodyPr wrap="square">
+            <a:spAutoFit/>
+          </a:bodyPr>
+          <a:lstStyle/>
+          <a:p>
             <a:r>
               <a:rPr lang="en-US" dirty="0"/>
-              <a:t>Time horizon?</a:t>
-            </a:r>
-          </a:p>
-          <a:p>
-            <a:endParaRPr lang="en-US" dirty="0"/>
-          </a:p>
+              <a:t>https://iexcloud.io/</a:t>
+            </a:r>
+          </a:p>
+        </p:txBody>
+      </p:sp>
+      <p:sp>
+        <p:nvSpPr>
+          <p:cNvPr id="23" name="TextBox 22">
+            <a:extLst>
+              <a:ext uri="{FF2B5EF4-FFF2-40B4-BE49-F238E27FC236}">
+                <a16:creationId xmlns:a16="http://schemas.microsoft.com/office/drawing/2014/main" id="{32E31047-0655-4D4E-B8D6-92259EC01A6C}"/>
+              </a:ext>
+            </a:extLst>
+          </p:cNvPr>
+          <p:cNvSpPr txBox="1"/>
+          <p:nvPr/>
+        </p:nvSpPr>
+        <p:spPr>
+          <a:xfrm>
+            <a:off x="602223" y="5059517"/>
+            <a:ext cx="6096000" cy="369332"/>
+          </a:xfrm>
+          <a:prstGeom prst="rect">
+            <a:avLst/>
+          </a:prstGeom>
+          <a:noFill/>
+        </p:spPr>
+        <p:txBody>
+          <a:bodyPr wrap="square">
+            <a:spAutoFit/>
+          </a:bodyPr>
+          <a:lstStyle/>
           <a:p>
             <a:r>
               <a:rPr lang="en-US" dirty="0"/>
-              <a:t>Which features we can use: </a:t>
-            </a:r>
-          </a:p>
-          <a:p>
-            <a:endParaRPr lang="en-US" dirty="0"/>
-          </a:p>
-          <a:p>
-            <a:pPr marL="285750" indent="-285750">
-              <a:buFont typeface="Arial" panose="020B0604020202020204" pitchFamily="34" charset="0"/>
-              <a:buChar char="•"/>
-            </a:pPr>
+              <a:t>https://www.alphavantage.co/</a:t>
+            </a:r>
+          </a:p>
+        </p:txBody>
+      </p:sp>
+      <p:sp>
+        <p:nvSpPr>
+          <p:cNvPr id="25" name="TextBox 24">
+            <a:extLst>
+              <a:ext uri="{FF2B5EF4-FFF2-40B4-BE49-F238E27FC236}">
+                <a16:creationId xmlns:a16="http://schemas.microsoft.com/office/drawing/2014/main" id="{9E665001-042A-4CA6-8313-A66AD348C82D}"/>
+              </a:ext>
+            </a:extLst>
+          </p:cNvPr>
+          <p:cNvSpPr txBox="1"/>
+          <p:nvPr/>
+        </p:nvSpPr>
+        <p:spPr>
+          <a:xfrm>
+            <a:off x="602223" y="5531023"/>
+            <a:ext cx="6096000" cy="369332"/>
+          </a:xfrm>
+          <a:prstGeom prst="rect">
+            <a:avLst/>
+          </a:prstGeom>
+          <a:noFill/>
+        </p:spPr>
+        <p:txBody>
+          <a:bodyPr wrap="square">
+            <a:spAutoFit/>
+          </a:bodyPr>
+          <a:lstStyle/>
+          <a:p>
             <a:r>
               <a:rPr lang="en-US" dirty="0"/>
-              <a:t>Price history? </a:t>
-            </a:r>
-          </a:p>
-          <a:p>
-            <a:pPr marL="285750" indent="-285750">
-              <a:buFont typeface="Arial" panose="020B0604020202020204" pitchFamily="34" charset="0"/>
-              <a:buChar char="•"/>
-            </a:pPr>
-            <a:r>
-              <a:rPr lang="en-US" dirty="0"/>
-              <a:t>Volume history? </a:t>
-            </a:r>
-          </a:p>
-          <a:p>
-            <a:pPr marL="285750" indent="-285750">
-              <a:buFont typeface="Arial" panose="020B0604020202020204" pitchFamily="34" charset="0"/>
-              <a:buChar char="•"/>
-            </a:pPr>
-            <a:r>
-              <a:rPr lang="en-US" dirty="0"/>
-              <a:t>Stock fundamentals? </a:t>
-            </a:r>
-          </a:p>
-          <a:p>
-            <a:pPr marL="285750" indent="-285750">
-              <a:buFont typeface="Arial" panose="020B0604020202020204" pitchFamily="34" charset="0"/>
-              <a:buChar char="•"/>
-            </a:pPr>
-            <a:r>
-              <a:rPr lang="en-US" dirty="0"/>
-              <a:t>Macroeconomic metrics? </a:t>
-            </a:r>
-          </a:p>
-          <a:p>
-            <a:pPr marL="285750" indent="-285750">
-              <a:buFont typeface="Arial" panose="020B0604020202020204" pitchFamily="34" charset="0"/>
-              <a:buChar char="•"/>
-            </a:pPr>
-            <a:r>
-              <a:rPr lang="en-US" dirty="0"/>
-              <a:t>Something else?  </a:t>
+              <a:t>https://www.worldtradingdata.com/</a:t>
             </a:r>
           </a:p>
         </p:txBody>
@@ -7431,7 +7334,7 @@
     </p:spTree>
     <p:extLst>
       <p:ext uri="{BB962C8B-B14F-4D97-AF65-F5344CB8AC3E}">
-        <p14:creationId xmlns:p14="http://schemas.microsoft.com/office/powerpoint/2010/main" val="702121241"/>
+        <p14:creationId xmlns:p14="http://schemas.microsoft.com/office/powerpoint/2010/main" val="3589067928"/>
       </p:ext>
     </p:extLst>
   </p:cSld>
@@ -7476,7 +7379,7 @@
         </p:nvSpPr>
         <p:spPr>
           <a:xfrm>
-            <a:off x="1015181" y="3029668"/>
+            <a:off x="838200" y="365126"/>
             <a:ext cx="10515600" cy="637308"/>
           </a:xfrm>
         </p:spPr>
@@ -7486,10 +7389,142 @@
           </a:bodyPr>
           <a:lstStyle/>
           <a:p>
-            <a:pPr algn="ctr"/>
             <a:r>
               <a:rPr lang="en-US" dirty="0"/>
-              <a:t>Back Up</a:t>
+              <a:t>ML Questions</a:t>
+            </a:r>
+          </a:p>
+        </p:txBody>
+      </p:sp>
+      <p:sp>
+        <p:nvSpPr>
+          <p:cNvPr id="32" name="TextBox 31">
+            <a:extLst>
+              <a:ext uri="{FF2B5EF4-FFF2-40B4-BE49-F238E27FC236}">
+                <a16:creationId xmlns:a16="http://schemas.microsoft.com/office/drawing/2014/main" id="{BCD42B19-FC6D-4DA5-A0B1-482F2CFC19B0}"/>
+              </a:ext>
+            </a:extLst>
+          </p:cNvPr>
+          <p:cNvSpPr txBox="1"/>
+          <p:nvPr/>
+        </p:nvSpPr>
+        <p:spPr>
+          <a:xfrm>
+            <a:off x="602223" y="1482232"/>
+            <a:ext cx="11127659" cy="3693319"/>
+          </a:xfrm>
+          <a:prstGeom prst="rect">
+            <a:avLst/>
+          </a:prstGeom>
+          <a:noFill/>
+        </p:spPr>
+        <p:txBody>
+          <a:bodyPr wrap="square">
+            <a:spAutoFit/>
+          </a:bodyPr>
+          <a:lstStyle/>
+          <a:p>
+            <a:r>
+              <a:rPr lang="en-US" dirty="0"/>
+              <a:t>What are we going to predict / classify:</a:t>
+            </a:r>
+          </a:p>
+          <a:p>
+            <a:r>
+              <a:rPr lang="en-US" dirty="0"/>
+              <a:t> </a:t>
+            </a:r>
+          </a:p>
+          <a:p>
+            <a:pPr marL="285750" indent="-285750">
+              <a:buFont typeface="Arial" panose="020B0604020202020204" pitchFamily="34" charset="0"/>
+              <a:buChar char="•"/>
+            </a:pPr>
+            <a:r>
+              <a:rPr lang="en-US" dirty="0"/>
+              <a:t>Stock trend? </a:t>
+            </a:r>
+          </a:p>
+          <a:p>
+            <a:pPr marL="285750" indent="-285750">
+              <a:buFont typeface="Arial" panose="020B0604020202020204" pitchFamily="34" charset="0"/>
+              <a:buChar char="•"/>
+            </a:pPr>
+            <a:r>
+              <a:rPr lang="en-US" dirty="0"/>
+              <a:t>Stock price? </a:t>
+            </a:r>
+          </a:p>
+          <a:p>
+            <a:pPr marL="285750" indent="-285750">
+              <a:buFont typeface="Arial" panose="020B0604020202020204" pitchFamily="34" charset="0"/>
+              <a:buChar char="•"/>
+            </a:pPr>
+            <a:r>
+              <a:rPr lang="en-US" dirty="0"/>
+              <a:t>Time horizon?</a:t>
+            </a:r>
+          </a:p>
+          <a:p>
+            <a:endParaRPr lang="en-US" dirty="0"/>
+          </a:p>
+          <a:p>
+            <a:r>
+              <a:rPr lang="en-US" dirty="0"/>
+              <a:t>Which features we can use: </a:t>
+            </a:r>
+          </a:p>
+          <a:p>
+            <a:endParaRPr lang="en-US" dirty="0"/>
+          </a:p>
+          <a:p>
+            <a:pPr marL="285750" indent="-285750">
+              <a:buFont typeface="Arial" panose="020B0604020202020204" pitchFamily="34" charset="0"/>
+              <a:buChar char="•"/>
+            </a:pPr>
+            <a:r>
+              <a:rPr lang="en-US" dirty="0"/>
+              <a:t>Price history? </a:t>
+            </a:r>
+          </a:p>
+          <a:p>
+            <a:pPr marL="285750" indent="-285750">
+              <a:buFont typeface="Arial" panose="020B0604020202020204" pitchFamily="34" charset="0"/>
+              <a:buChar char="•"/>
+            </a:pPr>
+            <a:r>
+              <a:rPr lang="en-US" dirty="0"/>
+              <a:t>Volume history? </a:t>
+            </a:r>
+          </a:p>
+          <a:p>
+            <a:pPr marL="285750" indent="-285750">
+              <a:buFont typeface="Arial" panose="020B0604020202020204" pitchFamily="34" charset="0"/>
+              <a:buChar char="•"/>
+            </a:pPr>
+            <a:r>
+              <a:rPr lang="en-US" dirty="0"/>
+              <a:t>Stock fundamentals? </a:t>
+            </a:r>
+          </a:p>
+          <a:p>
+            <a:pPr marL="285750" indent="-285750">
+              <a:buFont typeface="Arial" panose="020B0604020202020204" pitchFamily="34" charset="0"/>
+              <a:buChar char="•"/>
+            </a:pPr>
+            <a:r>
+              <a:rPr lang="en-US" dirty="0"/>
+              <a:t>Macroeconomic metrics? </a:t>
+            </a:r>
+          </a:p>
+          <a:p>
+            <a:pPr marL="285750" indent="-285750">
+              <a:buFont typeface="Arial" panose="020B0604020202020204" pitchFamily="34" charset="0"/>
+              <a:buChar char="•"/>
+            </a:pPr>
+            <a:r>
+              <a:rPr lang="en-US" dirty="0"/>
+              <a:t>Something else?  </a:t>
             </a:r>
           </a:p>
         </p:txBody>
@@ -7497,7 +7532,7 @@
     </p:spTree>
     <p:extLst>
       <p:ext uri="{BB962C8B-B14F-4D97-AF65-F5344CB8AC3E}">
-        <p14:creationId xmlns:p14="http://schemas.microsoft.com/office/powerpoint/2010/main" val="3847749807"/>
+        <p14:creationId xmlns:p14="http://schemas.microsoft.com/office/powerpoint/2010/main" val="702121241"/>
       </p:ext>
     </p:extLst>
   </p:cSld>
